--- a/DesignPatterns/slide_Design_Pattern.pptx
+++ b/DesignPatterns/slide_Design_Pattern.pptx
@@ -8,7 +8,7 @@
     <p:notesMasterId r:id="rId5"/>
   </p:notesMasterIdLst>
   <p:handoutMasterIdLst>
-    <p:handoutMasterId r:id="rId22"/>
+    <p:handoutMasterId r:id="rId24"/>
   </p:handoutMasterIdLst>
   <p:sldIdLst>
     <p:sldId id="256" r:id="rId3"/>
@@ -29,6 +29,8 @@
     <p:sldId id="273" r:id="rId19"/>
     <p:sldId id="274" r:id="rId20"/>
     <p:sldId id="275" r:id="rId21"/>
+    <p:sldId id="276" r:id="rId22"/>
+    <p:sldId id="280" r:id="rId23"/>
   </p:sldIdLst>
   <p:sldSz cx="12192000" cy="6858000"/>
   <p:notesSz cx="7103745" cy="10234295"/>
@@ -680,16 +682,8 @@
 </file>
 
 <file path=ppt/slideLayouts/slideLayout1.xml><?xml version="1.0" encoding="utf-8"?>
-<p:sldLayout xmlns:a="http://schemas.openxmlformats.org/drawingml/2006/main" xmlns:r="http://schemas.openxmlformats.org/officeDocument/2006/relationships" xmlns:p="http://schemas.openxmlformats.org/presentationml/2006/main" type="title" preserve="1" showMasterSp="0">
+<p:sldLayout xmlns:a="http://schemas.openxmlformats.org/drawingml/2006/main" xmlns:r="http://schemas.openxmlformats.org/officeDocument/2006/relationships" xmlns:p="http://schemas.openxmlformats.org/presentationml/2006/main" type="title" preserve="1">
   <p:cSld name="Title Slide">
-    <p:bg>
-      <p:bgPr>
-        <a:solidFill>
-          <a:schemeClr val="bg1"/>
-        </a:solidFill>
-        <a:effectLst/>
-      </p:bgPr>
-    </p:bg>
     <p:spTree>
       <p:nvGrpSpPr>
         <p:cNvPr id="1" name=""/>
@@ -3255,7 +3249,7 @@
     <p:bg>
       <p:bgPr>
         <a:solidFill>
-          <a:schemeClr val="bg1"/>
+          <a:schemeClr val="accent1"/>
         </a:solidFill>
         <a:effectLst/>
       </p:bgPr>
@@ -4689,7 +4683,25 @@
                   <a:schemeClr val="tx1"/>
                 </a:solidFill>
               </a:rPr>
-              <a:t> Factory (or Factory Method) is a creational design pattern that Define an interface for creating an object, but let subclasses decide which class to instantiate. Factory Method lets a class defer instantiation to subclasses.</a:t>
+              <a:t> </a:t>
+            </a:r>
+            <a:endParaRPr lang="en-US" sz="2800" i="1">
+              <a:solidFill>
+                <a:schemeClr val="tx1"/>
+              </a:solidFill>
+            </a:endParaRPr>
+          </a:p>
+          <a:p>
+            <a:pPr marL="914400" lvl="2" indent="0" algn="l">
+              <a:buNone/>
+            </a:pPr>
+            <a:r>
+              <a:rPr lang="en-US" sz="2800" i="1">
+                <a:solidFill>
+                  <a:schemeClr val="tx1"/>
+                </a:solidFill>
+              </a:rPr>
+              <a:t>Factory (or Factory Method) is a creational design pattern that Define an interface for creating an object, but let subclasses decide which class to instantiate. Factory Method lets a class defer instantiation to subclasses.</a:t>
             </a:r>
             <a:endParaRPr lang="en-US" sz="2800" b="1">
               <a:solidFill>
@@ -4790,7 +4802,7 @@
             </a:pPr>
             <a:r>
               <a:rPr lang="en-US" sz="2800"/>
-              <a:t>           It provide a flexible way to initial a object without keyword “new”. </a:t>
+              <a:t>           It provide a flexible way to initiantiate a object without keyword “new”. </a:t>
             </a:r>
             <a:endParaRPr lang="en-US" sz="2800"/>
           </a:p>
@@ -4800,7 +4812,7 @@
             </a:pPr>
             <a:r>
               <a:rPr lang="en-US" sz="2800"/>
-              <a:t>-  Its purpose is make your code loose coupled and more flexible.</a:t>
+              <a:t>-  Its purpose is make your code “loose coupled”, which is very useful in the “microservice” architecture now.</a:t>
             </a:r>
             <a:endParaRPr lang="en-US" sz="2800"/>
           </a:p>
@@ -4864,7 +4876,7 @@
         </p:nvSpPr>
         <p:spPr>
           <a:xfrm>
-            <a:off x="816610" y="1158240"/>
+            <a:off x="911225" y="1831975"/>
             <a:ext cx="979170" cy="485775"/>
           </a:xfrm>
           <a:prstGeom prst="rightArrow">
@@ -4957,13 +4969,11 @@
       <p:grpSpPr/>
       <p:pic>
         <p:nvPicPr>
-          <p:cNvPr id="9" name="Content Placeholder 8"/>
+          <p:cNvPr id="12" name="Picture 11"/>
           <p:cNvPicPr>
             <a:picLocks noChangeAspect="1"/>
           </p:cNvPicPr>
-          <p:nvPr>
-            <p:ph idx="1"/>
-          </p:nvPr>
+          <p:nvPr/>
         </p:nvPicPr>
         <p:blipFill>
           <a:blip r:embed="rId1"/>
@@ -4973,8 +4983,8 @@
         </p:blipFill>
         <p:spPr>
           <a:xfrm>
-            <a:off x="282575" y="240030"/>
-            <a:ext cx="6731000" cy="6051550"/>
+            <a:off x="6842125" y="2298065"/>
+            <a:ext cx="4664075" cy="4251960"/>
           </a:xfrm>
           <a:prstGeom prst="rect">
             <a:avLst/>
@@ -4983,11 +4993,13 @@
       </p:pic>
       <p:pic>
         <p:nvPicPr>
-          <p:cNvPr id="12" name="Picture 11"/>
+          <p:cNvPr id="14" name="Content Placeholder 13"/>
           <p:cNvPicPr>
             <a:picLocks noChangeAspect="1"/>
           </p:cNvPicPr>
-          <p:nvPr/>
+          <p:nvPr>
+            <p:ph idx="1"/>
+          </p:nvPr>
         </p:nvPicPr>
         <p:blipFill>
           <a:blip r:embed="rId2"/>
@@ -4997,8 +5009,8 @@
         </p:blipFill>
         <p:spPr>
           <a:xfrm>
-            <a:off x="7206615" y="2039620"/>
-            <a:ext cx="4664075" cy="4251960"/>
+            <a:off x="423545" y="514985"/>
+            <a:ext cx="5751195" cy="6035040"/>
           </a:xfrm>
           <a:prstGeom prst="rect">
             <a:avLst/>
@@ -5044,7 +5056,7 @@
           <a:p>
             <a:r>
               <a:rPr lang="en-US"/>
-              <a:t>But, your sir want to get </a:t>
+              <a:t>But, your sir want to add </a:t>
             </a:r>
             <a:r>
               <a:rPr lang="en-US">
@@ -5060,7 +5072,7 @@
                   <a:schemeClr val="tx1"/>
                 </a:solidFill>
               </a:rPr>
-              <a:t> How to extend? Now you need Factory Design Pattern.</a:t>
+              <a:t> </a:t>
             </a:r>
             <a:endParaRPr lang="en-US">
               <a:solidFill>
@@ -5069,6 +5081,24 @@
             </a:endParaRPr>
           </a:p>
           <a:p>
+            <a:pPr marL="0" indent="0">
+              <a:buNone/>
+            </a:pPr>
+            <a:r>
+              <a:rPr lang="en-US">
+                <a:solidFill>
+                  <a:schemeClr val="tx1"/>
+                </a:solidFill>
+              </a:rPr>
+              <a:t>   How to extend? Now you need Factory Pattern.</a:t>
+            </a:r>
+            <a:endParaRPr lang="en-US">
+              <a:solidFill>
+                <a:schemeClr val="tx1"/>
+              </a:solidFill>
+            </a:endParaRPr>
+          </a:p>
+          <a:p>
             <a:r>
               <a:rPr lang="en-US">
                 <a:solidFill>
@@ -5101,7 +5131,7 @@
       </p:sp>
       <p:pic>
         <p:nvPicPr>
-          <p:cNvPr id="4" name="Picture 3" descr="factory_uml"/>
+          <p:cNvPr id="5" name="Picture 4"/>
           <p:cNvPicPr>
             <a:picLocks noChangeAspect="1"/>
           </p:cNvPicPr>
@@ -5115,8 +5145,8 @@
         </p:blipFill>
         <p:spPr>
           <a:xfrm>
-            <a:off x="2961005" y="1158875"/>
-            <a:ext cx="8362950" cy="5200015"/>
+            <a:off x="2370455" y="1480185"/>
+            <a:ext cx="8258175" cy="5191125"/>
           </a:xfrm>
           <a:prstGeom prst="rect">
             <a:avLst/>
@@ -5160,7 +5190,7 @@
         <p:spPr>
           <a:xfrm>
             <a:off x="958850" y="534670"/>
-            <a:ext cx="3924300" cy="2581275"/>
+            <a:ext cx="3924300" cy="2687955"/>
           </a:xfrm>
           <a:prstGeom prst="rect">
             <a:avLst/>
@@ -5184,7 +5214,7 @@
         <p:spPr>
           <a:xfrm>
             <a:off x="958850" y="3115945"/>
-            <a:ext cx="3924300" cy="2581275"/>
+            <a:ext cx="3924300" cy="2903855"/>
           </a:xfrm>
           <a:prstGeom prst="rect">
             <a:avLst/>
@@ -5207,8 +5237,8 @@
         </p:blipFill>
         <p:spPr>
           <a:xfrm>
-            <a:off x="5558155" y="534670"/>
-            <a:ext cx="4533900" cy="5391150"/>
+            <a:off x="5288280" y="535305"/>
+            <a:ext cx="5948680" cy="5484495"/>
           </a:xfrm>
           <a:prstGeom prst="rect">
             <a:avLst/>
@@ -5279,7 +5309,7 @@
       <p:grpSpPr/>
       <p:pic>
         <p:nvPicPr>
-          <p:cNvPr id="6" name="Content Placeholder 5"/>
+          <p:cNvPr id="12" name="Content Placeholder 11"/>
           <p:cNvPicPr>
             <a:picLocks noChangeAspect="1"/>
           </p:cNvPicPr>
@@ -5295,17 +5325,49 @@
         </p:blipFill>
         <p:spPr>
           <a:xfrm>
-            <a:off x="3066415" y="342265"/>
-            <a:ext cx="8375015" cy="4128770"/>
+            <a:off x="453390" y="222885"/>
+            <a:ext cx="8426450" cy="3994150"/>
           </a:xfrm>
           <a:prstGeom prst="rect">
             <a:avLst/>
           </a:prstGeom>
         </p:spPr>
       </p:pic>
+      <p:sp>
+        <p:nvSpPr>
+          <p:cNvPr id="16" name="Text Box 15"/>
+          <p:cNvSpPr txBox="1"/>
+          <p:nvPr/>
+        </p:nvSpPr>
+        <p:spPr>
+          <a:xfrm>
+            <a:off x="843280" y="4418965"/>
+            <a:ext cx="999490" cy="368300"/>
+          </a:xfrm>
+          <a:prstGeom prst="rect">
+            <a:avLst/>
+          </a:prstGeom>
+          <a:noFill/>
+        </p:spPr>
+        <p:txBody>
+          <a:bodyPr wrap="none" rtlCol="0">
+            <a:spAutoFit/>
+          </a:bodyPr>
+          <a:p>
+            <a:pPr algn="l"/>
+            <a:r>
+              <a:rPr lang="en-US" b="1">
+                <a:sym typeface="+mn-ea"/>
+              </a:rPr>
+              <a:t>Result</a:t>
+            </a:r>
+            <a:endParaRPr lang="en-US" b="1"/>
+          </a:p>
+        </p:txBody>
+      </p:sp>
       <p:pic>
         <p:nvPicPr>
-          <p:cNvPr id="7" name="Picture 6" descr="resultFactory"/>
+          <p:cNvPr id="17" name="Picture 16"/>
           <p:cNvPicPr>
             <a:picLocks noChangeAspect="1"/>
           </p:cNvPicPr>
@@ -5319,43 +5381,227 @@
         </p:blipFill>
         <p:spPr>
           <a:xfrm>
-            <a:off x="609600" y="4765040"/>
-            <a:ext cx="10708005" cy="1480820"/>
+            <a:off x="1153160" y="4989195"/>
+            <a:ext cx="4307840" cy="1404620"/>
           </a:xfrm>
           <a:prstGeom prst="rect">
             <a:avLst/>
           </a:prstGeom>
         </p:spPr>
       </p:pic>
-      <p:sp>
-        <p:nvSpPr>
-          <p:cNvPr id="10" name="Text Box 9"/>
-          <p:cNvSpPr txBox="1"/>
-          <p:nvPr/>
+    </p:spTree>
+  </p:cSld>
+  <p:clrMapOvr>
+    <a:masterClrMapping/>
+  </p:clrMapOvr>
+</p:sld>
+</file>
+
+<file path=ppt/slides/slide19.xml><?xml version="1.0" encoding="utf-8"?>
+<p:sld xmlns:a="http://schemas.openxmlformats.org/drawingml/2006/main" xmlns:r="http://schemas.openxmlformats.org/officeDocument/2006/relationships" xmlns:p="http://schemas.openxmlformats.org/presentationml/2006/main">
+  <p:cSld>
+    <p:spTree>
+      <p:nvGrpSpPr>
+        <p:cNvPr id="1" name=""/>
+        <p:cNvGrpSpPr/>
+        <p:nvPr/>
+      </p:nvGrpSpPr>
+      <p:grpSpPr/>
+      <p:sp>
+        <p:nvSpPr>
+          <p:cNvPr id="2" name="Title 1"/>
+          <p:cNvSpPr>
+            <a:spLocks noGrp="1"/>
+          </p:cNvSpPr>
+          <p:nvPr>
+            <p:ph type="title"/>
+          </p:nvPr>
         </p:nvSpPr>
         <p:spPr>
           <a:xfrm>
-            <a:off x="1261110" y="4217035"/>
-            <a:ext cx="999490" cy="368300"/>
+            <a:off x="434340" y="591820"/>
+            <a:ext cx="10972800" cy="582613"/>
           </a:xfrm>
-          <a:prstGeom prst="rect">
-            <a:avLst/>
-          </a:prstGeom>
-          <a:noFill/>
         </p:spPr>
         <p:txBody>
-          <a:bodyPr wrap="none" rtlCol="0">
-            <a:spAutoFit/>
-          </a:bodyPr>
-          <a:p>
-            <a:pPr algn="l"/>
-            <a:r>
-              <a:rPr lang="en-US" b="1">
-                <a:sym typeface="+mn-ea"/>
-              </a:rPr>
-              <a:t>Result</a:t>
-            </a:r>
-            <a:endParaRPr lang="en-US" b="1"/>
+          <a:bodyPr/>
+          <a:p>
+            <a:r>
+              <a:rPr lang="en-US" sz="3200">
+                <a:solidFill>
+                  <a:srgbClr val="00B0F0"/>
+                </a:solidFill>
+              </a:rPr>
+              <a:t>b, MVC - the “legendary” architecture/design </a:t>
+            </a:r>
+            <a:br>
+              <a:rPr lang="en-US" sz="3200">
+                <a:solidFill>
+                  <a:srgbClr val="00B0F0"/>
+                </a:solidFill>
+              </a:rPr>
+            </a:br>
+            <a:r>
+              <a:rPr lang="en-US" sz="3200">
+                <a:solidFill>
+                  <a:srgbClr val="00B0F0"/>
+                </a:solidFill>
+              </a:rPr>
+              <a:t>pattern</a:t>
+            </a:r>
+            <a:br>
+              <a:rPr lang="en-US" sz="3200">
+                <a:solidFill>
+                  <a:srgbClr val="00B0F0"/>
+                </a:solidFill>
+              </a:rPr>
+            </a:br>
+            <a:endParaRPr lang="en-US" sz="3200">
+              <a:solidFill>
+                <a:srgbClr val="00B0F0"/>
+              </a:solidFill>
+            </a:endParaRPr>
+          </a:p>
+        </p:txBody>
+      </p:sp>
+      <p:sp>
+        <p:nvSpPr>
+          <p:cNvPr id="3" name="Content Placeholder 2"/>
+          <p:cNvSpPr>
+            <a:spLocks noGrp="1"/>
+          </p:cNvSpPr>
+          <p:nvPr>
+            <p:ph idx="1"/>
+          </p:nvPr>
+        </p:nvSpPr>
+        <p:spPr/>
+        <p:txBody>
+          <a:bodyPr/>
+          <a:p>
+            <a:pPr marL="0" indent="0">
+              <a:buNone/>
+            </a:pPr>
+            <a:r>
+              <a:rPr lang="en-US" sz="2000"/>
+              <a:t>https://github.com/duyhelloworld/java-learning/tree/main/DesignPatterns/mvc</a:t>
+            </a:r>
+            <a:endParaRPr lang="en-US" sz="2000"/>
+          </a:p>
+          <a:p>
+            <a:pPr marL="0" indent="0">
+              <a:buNone/>
+            </a:pPr>
+            <a:endParaRPr lang="en-US"/>
+          </a:p>
+          <a:p>
+            <a:pPr marL="0" indent="0">
+              <a:buNone/>
+            </a:pPr>
+            <a:r>
+              <a:rPr lang="en-US">
+                <a:solidFill>
+                  <a:srgbClr val="7030A0"/>
+                </a:solidFill>
+              </a:rPr>
+              <a:t>2. Link some references : </a:t>
+            </a:r>
+            <a:endParaRPr lang="en-US">
+              <a:solidFill>
+                <a:srgbClr val="7030A0"/>
+              </a:solidFill>
+            </a:endParaRPr>
+          </a:p>
+          <a:p>
+            <a:pPr marL="0" indent="0">
+              <a:buNone/>
+            </a:pPr>
+            <a:r>
+              <a:rPr lang="en-US" sz="2800">
+                <a:solidFill>
+                  <a:srgbClr val="7030A0"/>
+                </a:solidFill>
+              </a:rPr>
+              <a:t>- https://gpcoder.com/4164-gioi-thieu-design-patterns/</a:t>
+            </a:r>
+            <a:endParaRPr lang="en-US" sz="2800">
+              <a:solidFill>
+                <a:srgbClr val="7030A0"/>
+              </a:solidFill>
+            </a:endParaRPr>
+          </a:p>
+          <a:p>
+            <a:pPr marL="0" indent="0">
+              <a:buNone/>
+            </a:pPr>
+            <a:r>
+              <a:rPr lang="en-US" sz="2800">
+                <a:solidFill>
+                  <a:srgbClr val="7030A0"/>
+                </a:solidFill>
+              </a:rPr>
+              <a:t>- https://www.red-gate.com/simple-talk/blogs/why-following-design-patterns-is-a-bad-idea/</a:t>
+            </a:r>
+            <a:endParaRPr lang="en-US" sz="2800">
+              <a:solidFill>
+                <a:srgbClr val="7030A0"/>
+              </a:solidFill>
+            </a:endParaRPr>
+          </a:p>
+          <a:p>
+            <a:pPr marL="0" indent="0">
+              <a:buNone/>
+            </a:pPr>
+            <a:r>
+              <a:rPr lang="en-US" sz="2800">
+                <a:solidFill>
+                  <a:srgbClr val="7030A0"/>
+                </a:solidFill>
+              </a:rPr>
+              <a:t>- https://sourcemaking.com/design_patterns</a:t>
+            </a:r>
+            <a:endParaRPr lang="en-US" sz="2800">
+              <a:solidFill>
+                <a:srgbClr val="7030A0"/>
+              </a:solidFill>
+            </a:endParaRPr>
+          </a:p>
+          <a:p>
+            <a:pPr marL="0" indent="0">
+              <a:buNone/>
+            </a:pPr>
+            <a:r>
+              <a:rPr lang="en-US" sz="2800">
+                <a:solidFill>
+                  <a:srgbClr val="7030A0"/>
+                </a:solidFill>
+              </a:rPr>
+              <a:t>- https://github.com/ajitpal/BookBank (Head First Design Pattern)</a:t>
+            </a:r>
+            <a:endParaRPr lang="en-US" sz="2800">
+              <a:solidFill>
+                <a:srgbClr val="7030A0"/>
+              </a:solidFill>
+            </a:endParaRPr>
+          </a:p>
+          <a:p>
+            <a:pPr marL="0" indent="0">
+              <a:buNone/>
+            </a:pPr>
+            <a:endParaRPr lang="en-US" sz="2800">
+              <a:solidFill>
+                <a:srgbClr val="7030A0"/>
+              </a:solidFill>
+            </a:endParaRPr>
+          </a:p>
+          <a:p>
+            <a:pPr marL="0" indent="0">
+              <a:buNone/>
+            </a:pPr>
+            <a:endParaRPr lang="en-US" sz="2800">
+              <a:solidFill>
+                <a:srgbClr val="7030A0"/>
+              </a:solidFill>
+            </a:endParaRPr>
           </a:p>
         </p:txBody>
       </p:sp>
@@ -5370,9 +5616,274 @@
 <file path=ppt/slides/slide2.xml><?xml version="1.0" encoding="utf-8"?>
 <p:sld xmlns:a="http://schemas.openxmlformats.org/drawingml/2006/main" xmlns:r="http://schemas.openxmlformats.org/officeDocument/2006/relationships" xmlns:p="http://schemas.openxmlformats.org/presentationml/2006/main">
   <p:cSld>
+    <p:spTree>
+      <p:nvGrpSpPr>
+        <p:cNvPr id="1" name=""/>
+        <p:cNvGrpSpPr/>
+        <p:nvPr/>
+      </p:nvGrpSpPr>
+      <p:grpSpPr/>
+      <p:sp>
+        <p:nvSpPr>
+          <p:cNvPr id="2" name="Title 1"/>
+          <p:cNvSpPr>
+            <a:spLocks noGrp="1"/>
+          </p:cNvSpPr>
+          <p:nvPr>
+            <p:ph type="title"/>
+          </p:nvPr>
+        </p:nvSpPr>
+        <p:spPr>
+          <a:xfrm>
+            <a:off x="609600" y="274955"/>
+            <a:ext cx="10972800" cy="617220"/>
+          </a:xfrm>
+        </p:spPr>
+        <p:txBody>
+          <a:bodyPr/>
+          <a:p>
+            <a:r>
+              <a:rPr lang="vi-VN" altLang="en-US">
+                <a:solidFill>
+                  <a:schemeClr val="accent3">
+                    <a:lumMod val="10000"/>
+                  </a:schemeClr>
+                </a:solidFill>
+              </a:rPr>
+              <a:t>C</a:t>
+            </a:r>
+            <a:r>
+              <a:rPr lang="en-US" altLang="vi-VN">
+                <a:solidFill>
+                  <a:schemeClr val="accent3">
+                    <a:lumMod val="10000"/>
+                  </a:schemeClr>
+                </a:solidFill>
+              </a:rPr>
+              <a:t>atalogue</a:t>
+            </a:r>
+            <a:endParaRPr lang="en-US" altLang="vi-VN">
+              <a:solidFill>
+                <a:schemeClr val="accent3">
+                  <a:lumMod val="10000"/>
+                </a:schemeClr>
+              </a:solidFill>
+            </a:endParaRPr>
+          </a:p>
+        </p:txBody>
+      </p:sp>
+      <p:sp>
+        <p:nvSpPr>
+          <p:cNvPr id="3" name="Content Placeholder 2"/>
+          <p:cNvSpPr>
+            <a:spLocks noGrp="1"/>
+          </p:cNvSpPr>
+          <p:nvPr>
+            <p:ph idx="1"/>
+          </p:nvPr>
+        </p:nvSpPr>
+        <p:spPr>
+          <a:xfrm>
+            <a:off x="609600" y="1101725"/>
+            <a:ext cx="10972800" cy="5011420"/>
+          </a:xfrm>
+        </p:spPr>
+        <p:txBody>
+          <a:bodyPr/>
+          <a:p>
+            <a:r>
+              <a:rPr lang="en-US" i="1">
+                <a:solidFill>
+                  <a:srgbClr val="FF6600"/>
+                </a:solidFill>
+              </a:rPr>
+              <a:t>Chapter 1 : Overview about Design Patterns</a:t>
+            </a:r>
+            <a:endParaRPr lang="en-US" i="1">
+              <a:solidFill>
+                <a:srgbClr val="FF6600"/>
+              </a:solidFill>
+            </a:endParaRPr>
+          </a:p>
+          <a:p>
+            <a:pPr marL="971550" lvl="1" indent="-514350" algn="l">
+              <a:buFont typeface="Arial" panose="02080604020202020204" pitchFamily="34" charset="0"/>
+              <a:buAutoNum type="arabicPeriod"/>
+            </a:pPr>
+            <a:r>
+              <a:rPr lang="en-US">
+                <a:solidFill>
+                  <a:schemeClr val="bg2"/>
+                </a:solidFill>
+              </a:rPr>
+              <a:t>Definition and History</a:t>
+            </a:r>
+            <a:endParaRPr lang="en-US">
+              <a:solidFill>
+                <a:schemeClr val="bg2"/>
+              </a:solidFill>
+            </a:endParaRPr>
+          </a:p>
+          <a:p>
+            <a:pPr marL="971550" lvl="1" indent="-514350" algn="l">
+              <a:buFont typeface="Arial" panose="02080604020202020204" pitchFamily="34" charset="0"/>
+              <a:buAutoNum type="arabicPeriod"/>
+            </a:pPr>
+            <a:r>
+              <a:rPr lang="en-US">
+                <a:solidFill>
+                  <a:schemeClr val="bg2"/>
+                </a:solidFill>
+              </a:rPr>
+              <a:t>Characterists &amp; Structure of a DP</a:t>
+            </a:r>
+            <a:endParaRPr lang="en-US">
+              <a:solidFill>
+                <a:schemeClr val="bg2"/>
+              </a:solidFill>
+            </a:endParaRPr>
+          </a:p>
+          <a:p>
+            <a:pPr marL="971550" lvl="1" indent="-514350" algn="l">
+              <a:buFont typeface="Arial" panose="02080604020202020204" pitchFamily="34" charset="0"/>
+              <a:buAutoNum type="arabicPeriod"/>
+            </a:pPr>
+            <a:r>
+              <a:rPr lang="en-US">
+                <a:solidFill>
+                  <a:schemeClr val="bg2"/>
+                </a:solidFill>
+              </a:rPr>
+              <a:t>Types of Design Patterns</a:t>
+            </a:r>
+            <a:endParaRPr lang="en-US">
+              <a:solidFill>
+                <a:schemeClr val="bg2"/>
+              </a:solidFill>
+            </a:endParaRPr>
+          </a:p>
+          <a:p>
+            <a:pPr marL="971550" lvl="1" indent="-514350" algn="l">
+              <a:buFont typeface="Arial" panose="02080604020202020204" pitchFamily="34" charset="0"/>
+              <a:buAutoNum type="arabicPeriod"/>
+            </a:pPr>
+            <a:r>
+              <a:rPr lang="en-US">
+                <a:solidFill>
+                  <a:schemeClr val="bg2"/>
+                </a:solidFill>
+              </a:rPr>
+              <a:t>Pros and Cons </a:t>
+            </a:r>
+            <a:endParaRPr lang="en-US">
+              <a:solidFill>
+                <a:schemeClr val="bg2"/>
+              </a:solidFill>
+            </a:endParaRPr>
+          </a:p>
+          <a:p>
+            <a:pPr marL="971550" lvl="1" indent="-514350" algn="l">
+              <a:buFont typeface="Arial" panose="02080604020202020204" pitchFamily="34" charset="0"/>
+              <a:buAutoNum type="arabicPeriod"/>
+            </a:pPr>
+            <a:r>
+              <a:rPr lang="en-US">
+                <a:solidFill>
+                  <a:schemeClr val="bg2"/>
+                </a:solidFill>
+              </a:rPr>
+              <a:t>Issues when learning</a:t>
+            </a:r>
+            <a:endParaRPr lang="en-US">
+              <a:solidFill>
+                <a:schemeClr val="bg2"/>
+              </a:solidFill>
+            </a:endParaRPr>
+          </a:p>
+          <a:p>
+            <a:r>
+              <a:rPr lang="en-US" i="1">
+                <a:solidFill>
+                  <a:srgbClr val="FF6600"/>
+                </a:solidFill>
+              </a:rPr>
+              <a:t>Chapter 2 : Code Example</a:t>
+            </a:r>
+            <a:endParaRPr lang="en-US" i="1">
+              <a:solidFill>
+                <a:srgbClr val="FF6600"/>
+              </a:solidFill>
+            </a:endParaRPr>
+          </a:p>
+          <a:p>
+            <a:pPr marL="971550" lvl="1" indent="-514350">
+              <a:buAutoNum type="arabicPeriod"/>
+            </a:pPr>
+            <a:r>
+              <a:rPr lang="en-US" sz="2800">
+                <a:solidFill>
+                  <a:schemeClr val="bg2"/>
+                </a:solidFill>
+              </a:rPr>
+              <a:t>Implement of Factory and MVC</a:t>
+            </a:r>
+            <a:endParaRPr lang="en-US" sz="2800">
+              <a:solidFill>
+                <a:schemeClr val="bg2"/>
+              </a:solidFill>
+            </a:endParaRPr>
+          </a:p>
+          <a:p>
+            <a:pPr marL="971550" lvl="1" indent="-514350">
+              <a:buAutoNum type="arabicPeriod"/>
+            </a:pPr>
+            <a:r>
+              <a:rPr lang="en-US" sz="2800">
+                <a:solidFill>
+                  <a:schemeClr val="bg2"/>
+                </a:solidFill>
+              </a:rPr>
+              <a:t>Link of some references</a:t>
+            </a:r>
+            <a:r>
+              <a:rPr lang="en-US" sz="2800"/>
+              <a:t> </a:t>
+            </a:r>
+            <a:endParaRPr lang="en-US" sz="2800"/>
+          </a:p>
+          <a:p>
+            <a:pPr marL="971550" lvl="1" indent="-514350">
+              <a:buAutoNum type="arabicPeriod"/>
+            </a:pPr>
+            <a:endParaRPr lang="en-US"/>
+          </a:p>
+          <a:p>
+            <a:pPr marL="971550" lvl="1" indent="-514350">
+              <a:buAutoNum type="arabicPeriod"/>
+            </a:pPr>
+            <a:endParaRPr lang="en-US"/>
+          </a:p>
+        </p:txBody>
+      </p:sp>
+    </p:spTree>
+  </p:cSld>
+  <p:clrMapOvr>
+    <a:masterClrMapping/>
+  </p:clrMapOvr>
+</p:sld>
+</file>
+
+<file path=ppt/slides/slide20.xml><?xml version="1.0" encoding="utf-8"?>
+<p:sld xmlns:a="http://schemas.openxmlformats.org/drawingml/2006/main" xmlns:r="http://schemas.openxmlformats.org/officeDocument/2006/relationships" xmlns:p="http://schemas.openxmlformats.org/presentationml/2006/main">
+  <p:cSld>
     <p:bg>
       <p:bgPr>
-        <a:noFill/>
+        <a:blipFill rotWithShape="1">
+          <a:blip r:embed="rId1"/>
+          <a:stretch>
+            <a:fillRect/>
+          </a:stretch>
+        </a:blipFill>
         <a:effectLst/>
       </p:bgPr>
     </p:bg>
@@ -5383,245 +5894,64 @@
         <p:nvPr/>
       </p:nvGrpSpPr>
       <p:grpSpPr/>
-      <p:sp>
-        <p:nvSpPr>
-          <p:cNvPr id="2" name="Title 1"/>
-          <p:cNvSpPr>
-            <a:spLocks noGrp="1"/>
-          </p:cNvSpPr>
-          <p:nvPr>
-            <p:ph type="title"/>
-          </p:nvPr>
-        </p:nvSpPr>
+      <p:pic>
+        <p:nvPicPr>
+          <p:cNvPr id="5" name="Picture 4" descr="coding-lofi"/>
+          <p:cNvPicPr>
+            <a:picLocks noChangeAspect="1"/>
+          </p:cNvPicPr>
+          <p:nvPr/>
+        </p:nvPicPr>
+        <p:blipFill>
+          <a:blip r:embed="rId2"/>
+          <a:stretch>
+            <a:fillRect/>
+          </a:stretch>
+        </p:blipFill>
         <p:spPr>
           <a:xfrm>
-            <a:off x="609600" y="274955"/>
-            <a:ext cx="10972800" cy="617220"/>
+            <a:off x="955040" y="0"/>
+            <a:ext cx="11236960" cy="7005955"/>
           </a:xfrm>
+          <a:prstGeom prst="rect">
+            <a:avLst/>
+          </a:prstGeom>
         </p:spPr>
-        <p:txBody>
-          <a:bodyPr/>
-          <a:p>
-            <a:r>
-              <a:rPr lang="vi-VN" altLang="en-US">
-                <a:solidFill>
-                  <a:schemeClr val="accent3">
-                    <a:lumMod val="10000"/>
-                  </a:schemeClr>
-                </a:solidFill>
-              </a:rPr>
-              <a:t>C</a:t>
-            </a:r>
-            <a:r>
-              <a:rPr lang="en-US" altLang="vi-VN">
-                <a:solidFill>
-                  <a:schemeClr val="accent3">
-                    <a:lumMod val="10000"/>
-                  </a:schemeClr>
-                </a:solidFill>
-              </a:rPr>
-              <a:t>atalogue</a:t>
-            </a:r>
-            <a:endParaRPr lang="en-US" altLang="vi-VN">
+      </p:pic>
+      <p:sp>
+        <p:nvSpPr>
+          <p:cNvPr id="6" name="Text Box 5"/>
+          <p:cNvSpPr txBox="1"/>
+          <p:nvPr/>
+        </p:nvSpPr>
+        <p:spPr>
+          <a:xfrm>
+            <a:off x="3861435" y="2654300"/>
+            <a:ext cx="5901055" cy="583565"/>
+          </a:xfrm>
+          <a:prstGeom prst="rect">
+            <a:avLst/>
+          </a:prstGeom>
+          <a:noFill/>
+        </p:spPr>
+        <p:txBody>
+          <a:bodyPr wrap="square" rtlCol="0">
+            <a:spAutoFit/>
+          </a:bodyPr>
+          <a:p>
+            <a:r>
+              <a:rPr lang="en-US" sz="3200" b="1">
+                <a:solidFill>
+                  <a:srgbClr val="00B050"/>
+                </a:solidFill>
+              </a:rPr>
+              <a:t>Thank you for listening!</a:t>
+            </a:r>
+            <a:endParaRPr lang="en-US" sz="3200" b="1">
               <a:solidFill>
-                <a:schemeClr val="accent3">
-                  <a:lumMod val="10000"/>
-                </a:schemeClr>
+                <a:srgbClr val="00B050"/>
               </a:solidFill>
             </a:endParaRPr>
-          </a:p>
-        </p:txBody>
-      </p:sp>
-      <p:sp>
-        <p:nvSpPr>
-          <p:cNvPr id="3" name="Content Placeholder 2"/>
-          <p:cNvSpPr>
-            <a:spLocks noGrp="1"/>
-          </p:cNvSpPr>
-          <p:nvPr>
-            <p:ph idx="1"/>
-          </p:nvPr>
-        </p:nvSpPr>
-        <p:spPr>
-          <a:xfrm>
-            <a:off x="609600" y="1101725"/>
-            <a:ext cx="10972800" cy="5011420"/>
-          </a:xfrm>
-        </p:spPr>
-        <p:txBody>
-          <a:bodyPr/>
-          <a:p>
-            <a:r>
-              <a:rPr lang="en-US" i="1">
-                <a:solidFill>
-                  <a:srgbClr val="FF6600"/>
-                </a:solidFill>
-              </a:rPr>
-              <a:t>Chapter 1 : Overview about Design Patterns</a:t>
-            </a:r>
-            <a:endParaRPr lang="en-US" i="1">
-              <a:solidFill>
-                <a:srgbClr val="FF6600"/>
-              </a:solidFill>
-            </a:endParaRPr>
-          </a:p>
-          <a:p>
-            <a:pPr marL="971550" lvl="1" indent="-514350" algn="l">
-              <a:buFont typeface="Arial" panose="02080604020202020204" pitchFamily="34" charset="0"/>
-              <a:buAutoNum type="arabicPeriod"/>
-            </a:pPr>
-            <a:r>
-              <a:rPr lang="en-US">
-                <a:solidFill>
-                  <a:schemeClr val="bg2"/>
-                </a:solidFill>
-              </a:rPr>
-              <a:t>Definition and History</a:t>
-            </a:r>
-            <a:endParaRPr lang="en-US">
-              <a:solidFill>
-                <a:schemeClr val="bg2"/>
-              </a:solidFill>
-            </a:endParaRPr>
-          </a:p>
-          <a:p>
-            <a:pPr marL="971550" lvl="1" indent="-514350" algn="l">
-              <a:buFont typeface="Arial" panose="02080604020202020204" pitchFamily="34" charset="0"/>
-              <a:buAutoNum type="arabicPeriod"/>
-            </a:pPr>
-            <a:r>
-              <a:rPr lang="en-US">
-                <a:solidFill>
-                  <a:schemeClr val="bg2"/>
-                </a:solidFill>
-              </a:rPr>
-              <a:t>Characterists &amp; Structure of a DP</a:t>
-            </a:r>
-            <a:endParaRPr lang="en-US">
-              <a:solidFill>
-                <a:schemeClr val="bg2"/>
-              </a:solidFill>
-            </a:endParaRPr>
-          </a:p>
-          <a:p>
-            <a:pPr marL="971550" lvl="1" indent="-514350" algn="l">
-              <a:buFont typeface="Arial" panose="02080604020202020204" pitchFamily="34" charset="0"/>
-              <a:buAutoNum type="arabicPeriod"/>
-            </a:pPr>
-            <a:r>
-              <a:rPr lang="en-US">
-                <a:solidFill>
-                  <a:schemeClr val="bg2"/>
-                </a:solidFill>
-              </a:rPr>
-              <a:t>Types of Design Patterns</a:t>
-            </a:r>
-            <a:endParaRPr lang="en-US">
-              <a:solidFill>
-                <a:schemeClr val="bg2"/>
-              </a:solidFill>
-            </a:endParaRPr>
-          </a:p>
-          <a:p>
-            <a:pPr marL="971550" lvl="1" indent="-514350" algn="l">
-              <a:buFont typeface="Arial" panose="02080604020202020204" pitchFamily="34" charset="0"/>
-              <a:buAutoNum type="arabicPeriod"/>
-            </a:pPr>
-            <a:r>
-              <a:rPr lang="en-US">
-                <a:solidFill>
-                  <a:schemeClr val="bg2"/>
-                </a:solidFill>
-              </a:rPr>
-              <a:t>Pros and Cons </a:t>
-            </a:r>
-            <a:endParaRPr lang="en-US">
-              <a:solidFill>
-                <a:schemeClr val="bg2"/>
-              </a:solidFill>
-            </a:endParaRPr>
-          </a:p>
-          <a:p>
-            <a:pPr marL="971550" lvl="1" indent="-514350" algn="l">
-              <a:buFont typeface="Arial" panose="02080604020202020204" pitchFamily="34" charset="0"/>
-              <a:buAutoNum type="arabicPeriod"/>
-            </a:pPr>
-            <a:r>
-              <a:rPr lang="en-US">
-                <a:solidFill>
-                  <a:schemeClr val="bg2"/>
-                </a:solidFill>
-              </a:rPr>
-              <a:t>Issues when learning</a:t>
-            </a:r>
-            <a:endParaRPr lang="en-US">
-              <a:solidFill>
-                <a:schemeClr val="bg2"/>
-              </a:solidFill>
-            </a:endParaRPr>
-          </a:p>
-          <a:p>
-            <a:r>
-              <a:rPr lang="en-US" i="1">
-                <a:solidFill>
-                  <a:srgbClr val="FF6600"/>
-                </a:solidFill>
-              </a:rPr>
-              <a:t>Chapter 2 : Code Example</a:t>
-            </a:r>
-            <a:endParaRPr lang="en-US" i="1">
-              <a:solidFill>
-                <a:srgbClr val="FF6600"/>
-              </a:solidFill>
-            </a:endParaRPr>
-          </a:p>
-          <a:p>
-            <a:pPr marL="971550" lvl="1" indent="-514350">
-              <a:buAutoNum type="arabicPeriod"/>
-            </a:pPr>
-            <a:r>
-              <a:rPr lang="en-US" sz="2800">
-                <a:solidFill>
-                  <a:schemeClr val="bg2"/>
-                </a:solidFill>
-              </a:rPr>
-              <a:t>Implement of Factory and MVC</a:t>
-            </a:r>
-            <a:endParaRPr lang="en-US" sz="2800">
-              <a:solidFill>
-                <a:schemeClr val="bg2"/>
-              </a:solidFill>
-            </a:endParaRPr>
-          </a:p>
-          <a:p>
-            <a:pPr marL="971550" lvl="1" indent="-514350">
-              <a:buAutoNum type="arabicPeriod"/>
-            </a:pPr>
-            <a:r>
-              <a:rPr lang="en-US" sz="2800">
-                <a:solidFill>
-                  <a:schemeClr val="bg2"/>
-                </a:solidFill>
-              </a:rPr>
-              <a:t>Link of some references</a:t>
-            </a:r>
-            <a:r>
-              <a:rPr lang="en-US" sz="2800"/>
-              <a:t> </a:t>
-            </a:r>
-            <a:endParaRPr lang="en-US" sz="2800"/>
-          </a:p>
-          <a:p>
-            <a:pPr marL="971550" lvl="1" indent="-514350">
-              <a:buAutoNum type="arabicPeriod"/>
-            </a:pPr>
-            <a:endParaRPr lang="en-US"/>
-          </a:p>
-          <a:p>
-            <a:pPr marL="971550" lvl="1" indent="-514350">
-              <a:buAutoNum type="arabicPeriod"/>
-            </a:pPr>
-            <a:endParaRPr lang="en-US"/>
           </a:p>
         </p:txBody>
       </p:sp>
@@ -5630,6 +5960,96 @@
   <p:clrMapOvr>
     <a:masterClrMapping/>
   </p:clrMapOvr>
+  <p:timing>
+    <p:tnLst>
+      <p:par>
+        <p:cTn id="1" dur="indefinite" restart="never" nodeType="tmRoot">
+          <p:childTnLst>
+            <p:seq concurrent="1" nextAc="seek">
+              <p:cTn id="2" dur="indefinite" nodeType="mainSeq">
+                <p:childTnLst>
+                  <p:par>
+                    <p:cTn id="3" fill="hold">
+                      <p:stCondLst>
+                        <p:cond delay="indefinite"/>
+                        <p:cond evt="onBegin" delay="0">
+                          <p:tn val="2"/>
+                        </p:cond>
+                      </p:stCondLst>
+                      <p:childTnLst>
+                        <p:par>
+                          <p:cTn id="4" fill="hold">
+                            <p:stCondLst>
+                              <p:cond delay="0"/>
+                            </p:stCondLst>
+                            <p:childTnLst>
+                              <p:par>
+                                <p:cTn id="5" presetID="13" presetClass="entr" presetSubtype="32" fill="hold" grpId="0" nodeType="withEffect">
+                                  <p:stCondLst>
+                                    <p:cond delay="0"/>
+                                  </p:stCondLst>
+                                  <p:childTnLst>
+                                    <p:set>
+                                      <p:cBhvr>
+                                        <p:cTn id="6" dur="1000" fill="hold">
+                                          <p:stCondLst>
+                                            <p:cond delay="0"/>
+                                          </p:stCondLst>
+                                        </p:cTn>
+                                        <p:tgtEl>
+                                          <p:spTgt spid="6"/>
+                                        </p:tgtEl>
+                                        <p:attrNameLst>
+                                          <p:attrName>style.visibility</p:attrName>
+                                        </p:attrNameLst>
+                                      </p:cBhvr>
+                                      <p:to>
+                                        <p:strVal val="visible"/>
+                                      </p:to>
+                                    </p:set>
+                                    <p:animEffect transition="in" filter="plus(out)">
+                                      <p:cBhvr>
+                                        <p:cTn id="7" dur="1000"/>
+                                        <p:tgtEl>
+                                          <p:spTgt spid="6"/>
+                                        </p:tgtEl>
+                                      </p:cBhvr>
+                                    </p:animEffect>
+                                  </p:childTnLst>
+                                </p:cTn>
+                              </p:par>
+                            </p:childTnLst>
+                          </p:cTn>
+                        </p:par>
+                      </p:childTnLst>
+                    </p:cTn>
+                  </p:par>
+                </p:childTnLst>
+              </p:cTn>
+              <p:prevCondLst>
+                <p:cond evt="onPrev" delay="0">
+                  <p:tgtEl>
+                    <p:sldTgt/>
+                  </p:tgtEl>
+                </p:cond>
+              </p:prevCondLst>
+              <p:nextCondLst>
+                <p:cond evt="onNext" delay="0">
+                  <p:tgtEl>
+                    <p:sldTgt/>
+                  </p:tgtEl>
+                </p:cond>
+              </p:nextCondLst>
+            </p:seq>
+          </p:childTnLst>
+        </p:cTn>
+      </p:par>
+    </p:tnLst>
+    <p:bldLst>
+      <p:bldP spid="6" grpId="0"/>
+      <p:bldP spid="6" grpId="1"/>
+    </p:bldLst>
+  </p:timing>
 </p:sld>
 </file>
 
@@ -5823,12 +6243,6 @@
 <file path=ppt/slides/slide4.xml><?xml version="1.0" encoding="utf-8"?>
 <p:sld xmlns:a="http://schemas.openxmlformats.org/drawingml/2006/main" xmlns:r="http://schemas.openxmlformats.org/officeDocument/2006/relationships" xmlns:p="http://schemas.openxmlformats.org/presentationml/2006/main">
   <p:cSld>
-    <p:bg>
-      <p:bgPr>
-        <a:noFill/>
-        <a:effectLst/>
-      </p:bgPr>
-    </p:bg>
     <p:spTree>
       <p:nvGrpSpPr>
         <p:cNvPr id="1" name=""/>
@@ -6666,12 +7080,20 @@
           <a:p>
             <a:pPr lvl="1"/>
             <a:r>
+              <a:rPr lang="en-US" i="1">
+                <a:solidFill>
+                  <a:schemeClr val="tx1"/>
+                </a:solidFill>
+              </a:rPr>
+              <a:t>Architect/Structture Pattern</a:t>
+            </a:r>
+            <a:r>
               <a:rPr lang="en-US">
                 <a:solidFill>
                   <a:schemeClr val="tx1"/>
                 </a:solidFill>
               </a:rPr>
-              <a:t>Architect/Structture Pattern : MVC, MVP, MVVM, ... </a:t>
+              <a:t> : MVC, MVP, MVVM, ... </a:t>
             </a:r>
             <a:endParaRPr lang="en-US">
               <a:solidFill>

--- a/DesignPatterns/slide_Design_Pattern.pptx
+++ b/DesignPatterns/slide_Design_Pattern.pptx
@@ -8,7 +8,7 @@
     <p:notesMasterId r:id="rId5"/>
   </p:notesMasterIdLst>
   <p:handoutMasterIdLst>
-    <p:handoutMasterId r:id="rId24"/>
+    <p:handoutMasterId r:id="rId25"/>
   </p:handoutMasterIdLst>
   <p:sldIdLst>
     <p:sldId id="256" r:id="rId3"/>
@@ -29,8 +29,9 @@
     <p:sldId id="273" r:id="rId19"/>
     <p:sldId id="274" r:id="rId20"/>
     <p:sldId id="275" r:id="rId21"/>
-    <p:sldId id="276" r:id="rId22"/>
-    <p:sldId id="280" r:id="rId23"/>
+    <p:sldId id="281" r:id="rId22"/>
+    <p:sldId id="276" r:id="rId23"/>
+    <p:sldId id="280" r:id="rId24"/>
   </p:sldIdLst>
   <p:sldSz cx="12192000" cy="6858000"/>
   <p:notesSz cx="7103745" cy="10234295"/>
@@ -4812,15 +4813,23 @@
             </a:pPr>
             <a:r>
               <a:rPr lang="en-US" sz="2800"/>
-              <a:t>-  Its purpose is make your code “loose coupled”, which is very useful in the “microservice” architecture now.</a:t>
-            </a:r>
-            <a:endParaRPr lang="en-US" sz="2800"/>
+              <a:t> - It help your code become more flexible, readable and easy to maintain - which is need in the “microservice” trending now.</a:t>
+            </a:r>
+            <a:endParaRPr lang="en-US">
+              <a:solidFill>
+                <a:srgbClr val="00B0F0"/>
+              </a:solidFill>
+            </a:endParaRPr>
           </a:p>
           <a:p>
             <a:pPr marL="0" indent="0">
               <a:buNone/>
             </a:pPr>
-            <a:endParaRPr lang="en-US" sz="2800"/>
+            <a:endParaRPr lang="en-US">
+              <a:solidFill>
+                <a:srgbClr val="00B0F0"/>
+              </a:solidFill>
+            </a:endParaRPr>
           </a:p>
           <a:p>
             <a:pPr marL="0" indent="0">
@@ -5417,189 +5426,205 @@
             <p:ph type="title"/>
           </p:nvPr>
         </p:nvSpPr>
+        <p:spPr/>
+        <p:txBody>
+          <a:bodyPr/>
+          <a:p>
+            <a:pPr marL="571500" indent="-571500">
+              <a:buFont typeface="Arial" panose="02080604020202020204" pitchFamily="34" charset="0"/>
+              <a:buChar char="•"/>
+            </a:pPr>
+            <a:r>
+              <a:rPr lang="en-US" sz="3200">
+                <a:solidFill>
+                  <a:srgbClr val="00B050"/>
+                </a:solidFill>
+              </a:rPr>
+              <a:t>Where should I use it?</a:t>
+            </a:r>
+            <a:endParaRPr lang="en-US" sz="3200">
+              <a:solidFill>
+                <a:srgbClr val="00B050"/>
+              </a:solidFill>
+            </a:endParaRPr>
+          </a:p>
+        </p:txBody>
+      </p:sp>
+      <p:sp>
+        <p:nvSpPr>
+          <p:cNvPr id="3" name="Content Placeholder 2"/>
+          <p:cNvSpPr>
+            <a:spLocks noGrp="1"/>
+          </p:cNvSpPr>
+          <p:nvPr>
+            <p:ph idx="1"/>
+          </p:nvPr>
+        </p:nvSpPr>
         <p:spPr>
           <a:xfrm>
-            <a:off x="434340" y="591820"/>
-            <a:ext cx="10972800" cy="582613"/>
+            <a:off x="609600" y="774065"/>
+            <a:ext cx="10972800" cy="5353685"/>
           </a:xfrm>
         </p:spPr>
         <p:txBody>
           <a:bodyPr/>
           <a:p>
-            <a:r>
-              <a:rPr lang="en-US" sz="3200">
-                <a:solidFill>
-                  <a:srgbClr val="00B0F0"/>
-                </a:solidFill>
-              </a:rPr>
-              <a:t>b, MVC - the “legendary” architecture/design </a:t>
-            </a:r>
-            <a:br>
-              <a:rPr lang="en-US" sz="3200">
-                <a:solidFill>
-                  <a:srgbClr val="00B0F0"/>
-                </a:solidFill>
-              </a:rPr>
-            </a:br>
-            <a:r>
-              <a:rPr lang="en-US" sz="3200">
-                <a:solidFill>
-                  <a:srgbClr val="00B0F0"/>
-                </a:solidFill>
-              </a:rPr>
-              <a:t>pattern</a:t>
-            </a:r>
-            <a:br>
-              <a:rPr lang="en-US" sz="3200">
-                <a:solidFill>
-                  <a:srgbClr val="00B0F0"/>
-                </a:solidFill>
-              </a:rPr>
-            </a:br>
-            <a:endParaRPr lang="en-US" sz="3200">
+            <a:pPr lvl="1">
+              <a:buFont typeface="Arial" panose="02080604020202020204" pitchFamily="34" charset="0"/>
+              <a:buChar char="•"/>
+            </a:pPr>
+            <a:r>
+              <a:rPr lang="en-US">
+                <a:solidFill>
+                  <a:schemeClr val="tx2"/>
+                </a:solidFill>
+              </a:rPr>
+              <a:t>Reduce dependability among modules (loose coupling)</a:t>
+            </a:r>
+            <a:endParaRPr lang="en-US">
               <a:solidFill>
-                <a:srgbClr val="00B0F0"/>
+                <a:schemeClr val="tx2"/>
               </a:solidFill>
             </a:endParaRPr>
           </a:p>
-        </p:txBody>
-      </p:sp>
-      <p:sp>
-        <p:nvSpPr>
-          <p:cNvPr id="3" name="Content Placeholder 2"/>
-          <p:cNvSpPr>
-            <a:spLocks noGrp="1"/>
-          </p:cNvSpPr>
-          <p:nvPr>
-            <p:ph idx="1"/>
-          </p:nvPr>
-        </p:nvSpPr>
-        <p:spPr/>
-        <p:txBody>
-          <a:bodyPr/>
-          <a:p>
-            <a:pPr marL="0" indent="0">
-              <a:buNone/>
-            </a:pPr>
-            <a:r>
-              <a:rPr lang="en-US" sz="2000"/>
-              <a:t>https://github.com/duyhelloworld/java-learning/tree/main/DesignPatterns/mvc</a:t>
-            </a:r>
-            <a:endParaRPr lang="en-US" sz="2000"/>
-          </a:p>
-          <a:p>
-            <a:pPr marL="0" indent="0">
-              <a:buNone/>
-            </a:pPr>
-            <a:endParaRPr lang="en-US"/>
-          </a:p>
-          <a:p>
-            <a:pPr marL="0" indent="0">
-              <a:buNone/>
+          <a:p>
+            <a:pPr lvl="1">
+              <a:buFont typeface="Arial" panose="02080604020202020204" pitchFamily="34" charset="0"/>
+              <a:buChar char="•"/>
             </a:pPr>
             <a:r>
               <a:rPr lang="en-US">
                 <a:solidFill>
-                  <a:srgbClr val="7030A0"/>
-                </a:solidFill>
-              </a:rPr>
-              <a:t>2. Link some references : </a:t>
+                  <a:schemeClr val="tx2"/>
+                </a:solidFill>
+              </a:rPr>
+              <a:t>Create a "easy-to-scale" and hide-logic application. </a:t>
             </a:r>
             <a:endParaRPr lang="en-US">
               <a:solidFill>
-                <a:srgbClr val="7030A0"/>
+                <a:schemeClr val="tx2"/>
               </a:solidFill>
             </a:endParaRPr>
           </a:p>
           <a:p>
-            <a:pPr marL="0" indent="0">
-              <a:buNone/>
-            </a:pPr>
-            <a:r>
-              <a:rPr lang="en-US" sz="2800">
-                <a:solidFill>
-                  <a:srgbClr val="7030A0"/>
-                </a:solidFill>
-              </a:rPr>
-              <a:t>- https://gpcoder.com/4164-gioi-thieu-design-patterns/</a:t>
-            </a:r>
-            <a:endParaRPr lang="en-US" sz="2800">
+            <a:pPr lvl="1">
+              <a:buFont typeface="Arial" panose="02080604020202020204" pitchFamily="34" charset="0"/>
+              <a:buChar char="•"/>
+            </a:pPr>
+            <a:r>
+              <a:rPr lang="en-US">
+                <a:solidFill>
+                  <a:schemeClr val="tx2"/>
+                </a:solidFill>
+              </a:rPr>
+              <a:t>Manage life cycle of objects created by Factory. </a:t>
+            </a:r>
+            <a:endParaRPr lang="en-US">
               <a:solidFill>
-                <a:srgbClr val="7030A0"/>
+                <a:schemeClr val="tx2"/>
               </a:solidFill>
             </a:endParaRPr>
           </a:p>
           <a:p>
-            <a:pPr marL="0" indent="0">
-              <a:buNone/>
-            </a:pPr>
-            <a:r>
-              <a:rPr lang="en-US" sz="2800">
-                <a:solidFill>
-                  <a:srgbClr val="7030A0"/>
-                </a:solidFill>
-              </a:rPr>
-              <a:t>- https://www.red-gate.com/simple-talk/blogs/why-following-design-patterns-is-a-bad-idea/</a:t>
-            </a:r>
-            <a:endParaRPr lang="en-US" sz="2800">
+            <a:pPr lvl="1">
+              <a:buFont typeface="Arial" panose="02080604020202020204" pitchFamily="34" charset="0"/>
+              <a:buChar char="•"/>
+            </a:pPr>
+            <a:r>
+              <a:rPr lang="en-US">
+                <a:solidFill>
+                  <a:schemeClr val="tx2"/>
+                </a:solidFill>
+              </a:rPr>
+              <a:t>Follow “naming convention” easier in team.</a:t>
+            </a:r>
+            <a:endParaRPr lang="en-US">
               <a:solidFill>
-                <a:srgbClr val="7030A0"/>
+                <a:schemeClr val="tx2"/>
               </a:solidFill>
             </a:endParaRPr>
           </a:p>
           <a:p>
-            <a:pPr marL="0" indent="0">
-              <a:buNone/>
-            </a:pPr>
-            <a:r>
-              <a:rPr lang="en-US" sz="2800">
-                <a:solidFill>
-                  <a:srgbClr val="7030A0"/>
-                </a:solidFill>
-              </a:rPr>
-              <a:t>- https://sourcemaking.com/design_patterns</a:t>
-            </a:r>
-            <a:endParaRPr lang="en-US" sz="2800">
+            <a:pPr lvl="0">
+              <a:buFont typeface="Arial" panose="02080604020202020204" pitchFamily="34" charset="0"/>
+              <a:buChar char="•"/>
+            </a:pPr>
+            <a:r>
+              <a:rPr lang="en-US" sz="3655">
+                <a:solidFill>
+                  <a:srgbClr val="00B050"/>
+                </a:solidFill>
+              </a:rPr>
+              <a:t> </a:t>
+            </a:r>
+            <a:r>
+              <a:rPr lang="en-US">
+                <a:solidFill>
+                  <a:srgbClr val="00B050"/>
+                </a:solidFill>
+              </a:rPr>
+              <a:t>Where used it?</a:t>
+            </a:r>
+            <a:endParaRPr lang="en-US" sz="3655">
               <a:solidFill>
-                <a:srgbClr val="7030A0"/>
+                <a:srgbClr val="00B050"/>
               </a:solidFill>
             </a:endParaRPr>
           </a:p>
           <a:p>
-            <a:pPr marL="0" indent="0">
-              <a:buNone/>
-            </a:pPr>
-            <a:r>
-              <a:rPr lang="en-US" sz="2800">
-                <a:solidFill>
-                  <a:srgbClr val="7030A0"/>
-                </a:solidFill>
-              </a:rPr>
-              <a:t>- https://github.com/ajitpal/BookBank (Head First Design Pattern)</a:t>
-            </a:r>
-            <a:endParaRPr lang="en-US" sz="2800">
+            <a:pPr lvl="1">
+              <a:buFont typeface="Arial" panose="02080604020202020204" pitchFamily="34" charset="0"/>
+              <a:buChar char="•"/>
+            </a:pPr>
+            <a:r>
+              <a:rPr lang="en-US">
+                <a:solidFill>
+                  <a:schemeClr val="tx2"/>
+                </a:solidFill>
+              </a:rPr>
+              <a:t>JDK : util.Calendar, NumberFormat,...</a:t>
+            </a:r>
+            <a:endParaRPr lang="en-US">
               <a:solidFill>
-                <a:srgbClr val="7030A0"/>
+                <a:schemeClr val="tx2"/>
               </a:solidFill>
             </a:endParaRPr>
           </a:p>
           <a:p>
-            <a:pPr marL="0" indent="0">
-              <a:buNone/>
-            </a:pPr>
-            <a:endParaRPr lang="en-US" sz="2800">
+            <a:pPr lvl="1">
+              <a:buFont typeface="Arial" panose="02080604020202020204" pitchFamily="34" charset="0"/>
+              <a:buChar char="•"/>
+            </a:pPr>
+            <a:r>
+              <a:rPr lang="en-US">
+                <a:solidFill>
+                  <a:schemeClr val="tx2"/>
+                </a:solidFill>
+              </a:rPr>
+              <a:t>BeanFactory in Spring Framework, SessionFactory in Hibernate</a:t>
+            </a:r>
+            <a:endParaRPr lang="en-US">
               <a:solidFill>
-                <a:srgbClr val="7030A0"/>
+                <a:schemeClr val="tx2"/>
               </a:solidFill>
             </a:endParaRPr>
           </a:p>
           <a:p>
-            <a:pPr marL="0" indent="0">
-              <a:buNone/>
-            </a:pPr>
-            <a:endParaRPr lang="en-US" sz="2800">
+            <a:pPr lvl="1">
+              <a:buFont typeface="Arial" panose="02080604020202020204" pitchFamily="34" charset="0"/>
+              <a:buChar char="•"/>
+            </a:pPr>
+            <a:r>
+              <a:rPr lang="en-US">
+                <a:solidFill>
+                  <a:schemeClr val="tx2"/>
+                </a:solidFill>
+              </a:rPr>
+              <a:t>Redefinement of it : Dependency Injection (Spring, .Net, Django, ...)</a:t>
+            </a:r>
+            <a:endParaRPr lang="en-US">
               <a:solidFill>
-                <a:srgbClr val="7030A0"/>
+                <a:schemeClr val="tx2"/>
               </a:solidFill>
             </a:endParaRPr>
           </a:p>
@@ -5874,6 +5899,222 @@
 </file>
 
 <file path=ppt/slides/slide20.xml><?xml version="1.0" encoding="utf-8"?>
+<p:sld xmlns:a="http://schemas.openxmlformats.org/drawingml/2006/main" xmlns:r="http://schemas.openxmlformats.org/officeDocument/2006/relationships" xmlns:p="http://schemas.openxmlformats.org/presentationml/2006/main">
+  <p:cSld>
+    <p:spTree>
+      <p:nvGrpSpPr>
+        <p:cNvPr id="1" name=""/>
+        <p:cNvGrpSpPr/>
+        <p:nvPr/>
+      </p:nvGrpSpPr>
+      <p:grpSpPr/>
+      <p:sp>
+        <p:nvSpPr>
+          <p:cNvPr id="2" name="Title 1"/>
+          <p:cNvSpPr>
+            <a:spLocks noGrp="1"/>
+          </p:cNvSpPr>
+          <p:nvPr>
+            <p:ph type="title"/>
+          </p:nvPr>
+        </p:nvSpPr>
+        <p:spPr>
+          <a:xfrm>
+            <a:off x="434340" y="591820"/>
+            <a:ext cx="10972800" cy="582613"/>
+          </a:xfrm>
+        </p:spPr>
+        <p:txBody>
+          <a:bodyPr/>
+          <a:p>
+            <a:r>
+              <a:rPr lang="en-US" sz="3200">
+                <a:solidFill>
+                  <a:srgbClr val="00B0F0"/>
+                </a:solidFill>
+              </a:rPr>
+              <a:t>b, MVC - the “legendary” architecture/design </a:t>
+            </a:r>
+            <a:br>
+              <a:rPr lang="en-US" sz="3200">
+                <a:solidFill>
+                  <a:srgbClr val="00B0F0"/>
+                </a:solidFill>
+              </a:rPr>
+            </a:br>
+            <a:r>
+              <a:rPr lang="en-US" sz="3200">
+                <a:solidFill>
+                  <a:srgbClr val="00B0F0"/>
+                </a:solidFill>
+              </a:rPr>
+              <a:t>pattern</a:t>
+            </a:r>
+            <a:br>
+              <a:rPr lang="en-US" sz="3200">
+                <a:solidFill>
+                  <a:srgbClr val="00B0F0"/>
+                </a:solidFill>
+              </a:rPr>
+            </a:br>
+            <a:endParaRPr lang="en-US" sz="3200">
+              <a:solidFill>
+                <a:srgbClr val="00B0F0"/>
+              </a:solidFill>
+            </a:endParaRPr>
+          </a:p>
+        </p:txBody>
+      </p:sp>
+      <p:sp>
+        <p:nvSpPr>
+          <p:cNvPr id="3" name="Content Placeholder 2"/>
+          <p:cNvSpPr>
+            <a:spLocks noGrp="1"/>
+          </p:cNvSpPr>
+          <p:nvPr>
+            <p:ph idx="1"/>
+          </p:nvPr>
+        </p:nvSpPr>
+        <p:spPr/>
+        <p:txBody>
+          <a:bodyPr/>
+          <a:p>
+            <a:pPr marL="0" indent="0">
+              <a:buNone/>
+            </a:pPr>
+            <a:r>
+              <a:rPr lang="en-US" sz="2000"/>
+              <a:t>https://github.com/duyhelloworld/java-learning/tree/main/DesignPatterns/mvc</a:t>
+            </a:r>
+            <a:endParaRPr lang="en-US" sz="2000"/>
+          </a:p>
+          <a:p>
+            <a:pPr marL="0" indent="0">
+              <a:buNone/>
+            </a:pPr>
+            <a:endParaRPr lang="en-US"/>
+          </a:p>
+          <a:p>
+            <a:pPr marL="0" indent="0">
+              <a:buNone/>
+            </a:pPr>
+            <a:r>
+              <a:rPr lang="en-US">
+                <a:solidFill>
+                  <a:srgbClr val="7030A0"/>
+                </a:solidFill>
+              </a:rPr>
+              <a:t>2. Link some references : </a:t>
+            </a:r>
+            <a:endParaRPr lang="en-US">
+              <a:solidFill>
+                <a:srgbClr val="7030A0"/>
+              </a:solidFill>
+            </a:endParaRPr>
+          </a:p>
+          <a:p>
+            <a:pPr marL="0" indent="0">
+              <a:buNone/>
+            </a:pPr>
+            <a:r>
+              <a:rPr lang="en-US" sz="2800">
+                <a:solidFill>
+                  <a:srgbClr val="7030A0"/>
+                </a:solidFill>
+              </a:rPr>
+              <a:t>- https://gpcoder.com/4164-gioi-thieu-design-patterns/</a:t>
+            </a:r>
+            <a:endParaRPr lang="en-US" sz="2800">
+              <a:solidFill>
+                <a:srgbClr val="7030A0"/>
+              </a:solidFill>
+            </a:endParaRPr>
+          </a:p>
+          <a:p>
+            <a:pPr marL="0" indent="0">
+              <a:buNone/>
+            </a:pPr>
+            <a:r>
+              <a:rPr lang="en-US" sz="2800">
+                <a:solidFill>
+                  <a:srgbClr val="7030A0"/>
+                </a:solidFill>
+              </a:rPr>
+              <a:t>- https://www.red-gate.com/simple-talk/blogs/why-following-design-patterns-is-a-bad-idea/</a:t>
+            </a:r>
+            <a:endParaRPr lang="en-US" sz="2800">
+              <a:solidFill>
+                <a:srgbClr val="7030A0"/>
+              </a:solidFill>
+            </a:endParaRPr>
+          </a:p>
+          <a:p>
+            <a:pPr marL="0" indent="0">
+              <a:buNone/>
+            </a:pPr>
+            <a:r>
+              <a:rPr lang="en-US" sz="2800">
+                <a:solidFill>
+                  <a:srgbClr val="7030A0"/>
+                </a:solidFill>
+              </a:rPr>
+              <a:t>- https://sourcemaking.com/design_patterns</a:t>
+            </a:r>
+            <a:endParaRPr lang="en-US" sz="2800">
+              <a:solidFill>
+                <a:srgbClr val="7030A0"/>
+              </a:solidFill>
+            </a:endParaRPr>
+          </a:p>
+          <a:p>
+            <a:pPr marL="0" indent="0">
+              <a:buNone/>
+            </a:pPr>
+            <a:r>
+              <a:rPr lang="en-US" sz="2800">
+                <a:solidFill>
+                  <a:srgbClr val="7030A0"/>
+                </a:solidFill>
+              </a:rPr>
+              <a:t>- https://github.com/ajitpal/BookBank (Head First Design Pattern)</a:t>
+            </a:r>
+            <a:endParaRPr lang="en-US" sz="2800">
+              <a:solidFill>
+                <a:srgbClr val="7030A0"/>
+              </a:solidFill>
+            </a:endParaRPr>
+          </a:p>
+          <a:p>
+            <a:pPr marL="0" indent="0">
+              <a:buNone/>
+            </a:pPr>
+            <a:endParaRPr lang="en-US" sz="2800">
+              <a:solidFill>
+                <a:srgbClr val="7030A0"/>
+              </a:solidFill>
+            </a:endParaRPr>
+          </a:p>
+          <a:p>
+            <a:pPr marL="0" indent="0">
+              <a:buNone/>
+            </a:pPr>
+            <a:endParaRPr lang="en-US" sz="2800">
+              <a:solidFill>
+                <a:srgbClr val="7030A0"/>
+              </a:solidFill>
+            </a:endParaRPr>
+          </a:p>
+        </p:txBody>
+      </p:sp>
+    </p:spTree>
+  </p:cSld>
+  <p:clrMapOvr>
+    <a:masterClrMapping/>
+  </p:clrMapOvr>
+</p:sld>
+</file>
+
+<file path=ppt/slides/slide21.xml><?xml version="1.0" encoding="utf-8"?>
 <p:sld xmlns:a="http://schemas.openxmlformats.org/drawingml/2006/main" xmlns:r="http://schemas.openxmlformats.org/officeDocument/2006/relationships" xmlns:p="http://schemas.openxmlformats.org/presentationml/2006/main">
   <p:cSld>
     <p:bg>

--- a/DesignPatterns/slide_Design_Pattern.pptx
+++ b/DesignPatterns/slide_Design_Pattern.pptx
@@ -4382,6 +4382,272 @@
   <p:clrMapOvr>
     <a:masterClrMapping/>
   </p:clrMapOvr>
+  <p:timing>
+    <p:tnLst>
+      <p:par>
+        <p:cTn id="1" dur="indefinite" restart="never" nodeType="tmRoot">
+          <p:childTnLst>
+            <p:seq concurrent="1" nextAc="seek">
+              <p:cTn id="2" dur="indefinite" nodeType="mainSeq">
+                <p:childTnLst>
+                  <p:par>
+                    <p:cTn id="3" fill="hold">
+                      <p:stCondLst>
+                        <p:cond delay="indefinite"/>
+                      </p:stCondLst>
+                      <p:childTnLst>
+                        <p:par>
+                          <p:cTn id="4" fill="hold">
+                            <p:stCondLst>
+                              <p:cond delay="0"/>
+                            </p:stCondLst>
+                            <p:childTnLst>
+                              <p:par>
+                                <p:cTn id="5" presetID="18" presetClass="entr" presetSubtype="12" fill="hold" nodeType="clickEffect">
+                                  <p:stCondLst>
+                                    <p:cond delay="0"/>
+                                  </p:stCondLst>
+                                  <p:childTnLst>
+                                    <p:set>
+                                      <p:cBhvr>
+                                        <p:cTn id="6" dur="1" fill="hold">
+                                          <p:stCondLst>
+                                            <p:cond delay="0"/>
+                                          </p:stCondLst>
+                                        </p:cTn>
+                                        <p:tgtEl>
+                                          <p:spTgt spid="3">
+                                            <p:txEl>
+                                              <p:pRg st="1" end="1"/>
+                                            </p:txEl>
+                                          </p:spTgt>
+                                        </p:tgtEl>
+                                        <p:attrNameLst>
+                                          <p:attrName>style.visibility</p:attrName>
+                                        </p:attrNameLst>
+                                      </p:cBhvr>
+                                      <p:to>
+                                        <p:strVal val="visible"/>
+                                      </p:to>
+                                    </p:set>
+                                    <p:animEffect transition="in" filter="strips(downLeft)">
+                                      <p:cBhvr>
+                                        <p:cTn id="7" dur="500"/>
+                                        <p:tgtEl>
+                                          <p:spTgt spid="3">
+                                            <p:txEl>
+                                              <p:pRg st="1" end="1"/>
+                                            </p:txEl>
+                                          </p:spTgt>
+                                        </p:tgtEl>
+                                      </p:cBhvr>
+                                    </p:animEffect>
+                                  </p:childTnLst>
+                                </p:cTn>
+                              </p:par>
+                              <p:par>
+                                <p:cTn id="8" presetID="18" presetClass="entr" presetSubtype="12" fill="hold" nodeType="withEffect">
+                                  <p:stCondLst>
+                                    <p:cond delay="0"/>
+                                  </p:stCondLst>
+                                  <p:childTnLst>
+                                    <p:set>
+                                      <p:cBhvr>
+                                        <p:cTn id="9" dur="1" fill="hold">
+                                          <p:stCondLst>
+                                            <p:cond delay="0"/>
+                                          </p:stCondLst>
+                                        </p:cTn>
+                                        <p:tgtEl>
+                                          <p:spTgt spid="3">
+                                            <p:txEl>
+                                              <p:pRg st="3" end="3"/>
+                                            </p:txEl>
+                                          </p:spTgt>
+                                        </p:tgtEl>
+                                        <p:attrNameLst>
+                                          <p:attrName>style.visibility</p:attrName>
+                                        </p:attrNameLst>
+                                      </p:cBhvr>
+                                      <p:to>
+                                        <p:strVal val="visible"/>
+                                      </p:to>
+                                    </p:set>
+                                    <p:animEffect transition="in" filter="strips(downLeft)">
+                                      <p:cBhvr>
+                                        <p:cTn id="10" dur="500"/>
+                                        <p:tgtEl>
+                                          <p:spTgt spid="3">
+                                            <p:txEl>
+                                              <p:pRg st="3" end="3"/>
+                                            </p:txEl>
+                                          </p:spTgt>
+                                        </p:tgtEl>
+                                      </p:cBhvr>
+                                    </p:animEffect>
+                                  </p:childTnLst>
+                                </p:cTn>
+                              </p:par>
+                              <p:par>
+                                <p:cTn id="11" presetID="18" presetClass="entr" presetSubtype="12" fill="hold" nodeType="withEffect">
+                                  <p:stCondLst>
+                                    <p:cond delay="0"/>
+                                  </p:stCondLst>
+                                  <p:childTnLst>
+                                    <p:set>
+                                      <p:cBhvr>
+                                        <p:cTn id="12" dur="1" fill="hold">
+                                          <p:stCondLst>
+                                            <p:cond delay="0"/>
+                                          </p:stCondLst>
+                                        </p:cTn>
+                                        <p:tgtEl>
+                                          <p:spTgt spid="3">
+                                            <p:txEl>
+                                              <p:pRg st="5" end="5"/>
+                                            </p:txEl>
+                                          </p:spTgt>
+                                        </p:tgtEl>
+                                        <p:attrNameLst>
+                                          <p:attrName>style.visibility</p:attrName>
+                                        </p:attrNameLst>
+                                      </p:cBhvr>
+                                      <p:to>
+                                        <p:strVal val="visible"/>
+                                      </p:to>
+                                    </p:set>
+                                    <p:animEffect transition="in" filter="strips(downLeft)">
+                                      <p:cBhvr>
+                                        <p:cTn id="13" dur="500"/>
+                                        <p:tgtEl>
+                                          <p:spTgt spid="3">
+                                            <p:txEl>
+                                              <p:pRg st="5" end="5"/>
+                                            </p:txEl>
+                                          </p:spTgt>
+                                        </p:tgtEl>
+                                      </p:cBhvr>
+                                    </p:animEffect>
+                                  </p:childTnLst>
+                                </p:cTn>
+                              </p:par>
+                              <p:par>
+                                <p:cTn id="14" presetID="18" presetClass="entr" presetSubtype="12" fill="hold" nodeType="withEffect">
+                                  <p:stCondLst>
+                                    <p:cond delay="0"/>
+                                  </p:stCondLst>
+                                  <p:childTnLst>
+                                    <p:set>
+                                      <p:cBhvr>
+                                        <p:cTn id="15" dur="1" fill="hold">
+                                          <p:stCondLst>
+                                            <p:cond delay="0"/>
+                                          </p:stCondLst>
+                                        </p:cTn>
+                                        <p:tgtEl>
+                                          <p:spTgt spid="3">
+                                            <p:txEl>
+                                              <p:pRg st="7" end="7"/>
+                                            </p:txEl>
+                                          </p:spTgt>
+                                        </p:tgtEl>
+                                        <p:attrNameLst>
+                                          <p:attrName>style.visibility</p:attrName>
+                                        </p:attrNameLst>
+                                      </p:cBhvr>
+                                      <p:to>
+                                        <p:strVal val="visible"/>
+                                      </p:to>
+                                    </p:set>
+                                    <p:animEffect transition="in" filter="strips(downLeft)">
+                                      <p:cBhvr>
+                                        <p:cTn id="16" dur="500"/>
+                                        <p:tgtEl>
+                                          <p:spTgt spid="3">
+                                            <p:txEl>
+                                              <p:pRg st="7" end="7"/>
+                                            </p:txEl>
+                                          </p:spTgt>
+                                        </p:tgtEl>
+                                      </p:cBhvr>
+                                    </p:animEffect>
+                                  </p:childTnLst>
+                                </p:cTn>
+                              </p:par>
+                              <p:par>
+                                <p:cTn id="17" presetID="18" presetClass="entr" presetSubtype="12" fill="hold" nodeType="withEffect">
+                                  <p:stCondLst>
+                                    <p:cond delay="0"/>
+                                  </p:stCondLst>
+                                  <p:childTnLst>
+                                    <p:set>
+                                      <p:cBhvr>
+                                        <p:cTn id="18" dur="1" fill="hold">
+                                          <p:stCondLst>
+                                            <p:cond delay="0"/>
+                                          </p:stCondLst>
+                                        </p:cTn>
+                                        <p:tgtEl>
+                                          <p:spTgt spid="3">
+                                            <p:txEl>
+                                              <p:pRg st="9" end="9"/>
+                                            </p:txEl>
+                                          </p:spTgt>
+                                        </p:tgtEl>
+                                        <p:attrNameLst>
+                                          <p:attrName>style.visibility</p:attrName>
+                                        </p:attrNameLst>
+                                      </p:cBhvr>
+                                      <p:to>
+                                        <p:strVal val="visible"/>
+                                      </p:to>
+                                    </p:set>
+                                    <p:animEffect transition="in" filter="strips(downLeft)">
+                                      <p:cBhvr>
+                                        <p:cTn id="19" dur="500"/>
+                                        <p:tgtEl>
+                                          <p:spTgt spid="3">
+                                            <p:txEl>
+                                              <p:pRg st="9" end="9"/>
+                                            </p:txEl>
+                                          </p:spTgt>
+                                        </p:tgtEl>
+                                      </p:cBhvr>
+                                    </p:animEffect>
+                                  </p:childTnLst>
+                                </p:cTn>
+                              </p:par>
+                            </p:childTnLst>
+                          </p:cTn>
+                        </p:par>
+                      </p:childTnLst>
+                    </p:cTn>
+                  </p:par>
+                </p:childTnLst>
+              </p:cTn>
+              <p:prevCondLst>
+                <p:cond evt="onPrev" delay="0">
+                  <p:tgtEl>
+                    <p:sldTgt/>
+                  </p:tgtEl>
+                </p:cond>
+              </p:prevCondLst>
+              <p:nextCondLst>
+                <p:cond evt="onNext" delay="0">
+                  <p:tgtEl>
+                    <p:sldTgt/>
+                  </p:tgtEl>
+                </p:cond>
+              </p:nextCondLst>
+            </p:seq>
+          </p:childTnLst>
+        </p:cTn>
+      </p:par>
+    </p:tnLst>
+    <p:bldLst>
+      <p:bldP spid="3" grpId="0" build="p"/>
+    </p:bldLst>
+  </p:timing>
 </p:sld>
 </file>
 
@@ -4567,6 +4833,226 @@
   <p:clrMapOvr>
     <a:masterClrMapping/>
   </p:clrMapOvr>
+  <p:timing>
+    <p:tnLst>
+      <p:par>
+        <p:cTn id="1" dur="indefinite" restart="never" nodeType="tmRoot">
+          <p:childTnLst>
+            <p:seq concurrent="1" nextAc="seek">
+              <p:cTn id="2" dur="indefinite" nodeType="mainSeq">
+                <p:childTnLst>
+                  <p:par>
+                    <p:cTn id="3" fill="hold">
+                      <p:stCondLst>
+                        <p:cond delay="indefinite"/>
+                      </p:stCondLst>
+                      <p:childTnLst>
+                        <p:par>
+                          <p:cTn id="4" fill="hold">
+                            <p:stCondLst>
+                              <p:cond delay="0"/>
+                            </p:stCondLst>
+                            <p:childTnLst>
+                              <p:par>
+                                <p:cTn id="5" presetID="18" presetClass="entr" presetSubtype="12" fill="hold" nodeType="clickEffect">
+                                  <p:stCondLst>
+                                    <p:cond delay="0"/>
+                                  </p:stCondLst>
+                                  <p:childTnLst>
+                                    <p:set>
+                                      <p:cBhvr>
+                                        <p:cTn id="6" dur="1" fill="hold">
+                                          <p:stCondLst>
+                                            <p:cond delay="0"/>
+                                          </p:stCondLst>
+                                        </p:cTn>
+                                        <p:tgtEl>
+                                          <p:spTgt spid="3">
+                                            <p:txEl>
+                                              <p:pRg st="0" end="0"/>
+                                            </p:txEl>
+                                          </p:spTgt>
+                                        </p:tgtEl>
+                                        <p:attrNameLst>
+                                          <p:attrName>style.visibility</p:attrName>
+                                        </p:attrNameLst>
+                                      </p:cBhvr>
+                                      <p:to>
+                                        <p:strVal val="visible"/>
+                                      </p:to>
+                                    </p:set>
+                                    <p:animEffect transition="in" filter="strips(downLeft)">
+                                      <p:cBhvr>
+                                        <p:cTn id="7" dur="500"/>
+                                        <p:tgtEl>
+                                          <p:spTgt spid="3">
+                                            <p:txEl>
+                                              <p:pRg st="0" end="0"/>
+                                            </p:txEl>
+                                          </p:spTgt>
+                                        </p:tgtEl>
+                                      </p:cBhvr>
+                                    </p:animEffect>
+                                  </p:childTnLst>
+                                </p:cTn>
+                              </p:par>
+                              <p:par>
+                                <p:cTn id="8" presetID="18" presetClass="entr" presetSubtype="12" fill="hold" nodeType="withEffect">
+                                  <p:stCondLst>
+                                    <p:cond delay="0"/>
+                                  </p:stCondLst>
+                                  <p:childTnLst>
+                                    <p:set>
+                                      <p:cBhvr>
+                                        <p:cTn id="9" dur="1" fill="hold">
+                                          <p:stCondLst>
+                                            <p:cond delay="0"/>
+                                          </p:stCondLst>
+                                        </p:cTn>
+                                        <p:tgtEl>
+                                          <p:spTgt spid="3">
+                                            <p:txEl>
+                                              <p:pRg st="1" end="1"/>
+                                            </p:txEl>
+                                          </p:spTgt>
+                                        </p:tgtEl>
+                                        <p:attrNameLst>
+                                          <p:attrName>style.visibility</p:attrName>
+                                        </p:attrNameLst>
+                                      </p:cBhvr>
+                                      <p:to>
+                                        <p:strVal val="visible"/>
+                                      </p:to>
+                                    </p:set>
+                                    <p:animEffect transition="in" filter="strips(downLeft)">
+                                      <p:cBhvr>
+                                        <p:cTn id="10" dur="500"/>
+                                        <p:tgtEl>
+                                          <p:spTgt spid="3">
+                                            <p:txEl>
+                                              <p:pRg st="1" end="1"/>
+                                            </p:txEl>
+                                          </p:spTgt>
+                                        </p:tgtEl>
+                                      </p:cBhvr>
+                                    </p:animEffect>
+                                  </p:childTnLst>
+                                </p:cTn>
+                              </p:par>
+                              <p:par>
+                                <p:cTn id="11" presetID="18" presetClass="entr" presetSubtype="12" fill="hold" nodeType="withEffect">
+                                  <p:stCondLst>
+                                    <p:cond delay="0"/>
+                                  </p:stCondLst>
+                                  <p:childTnLst>
+                                    <p:set>
+                                      <p:cBhvr>
+                                        <p:cTn id="12" dur="1" fill="hold">
+                                          <p:stCondLst>
+                                            <p:cond delay="0"/>
+                                          </p:stCondLst>
+                                        </p:cTn>
+                                        <p:tgtEl>
+                                          <p:spTgt spid="3">
+                                            <p:txEl>
+                                              <p:pRg st="3" end="3"/>
+                                            </p:txEl>
+                                          </p:spTgt>
+                                        </p:tgtEl>
+                                        <p:attrNameLst>
+                                          <p:attrName>style.visibility</p:attrName>
+                                        </p:attrNameLst>
+                                      </p:cBhvr>
+                                      <p:to>
+                                        <p:strVal val="visible"/>
+                                      </p:to>
+                                    </p:set>
+                                    <p:animEffect transition="in" filter="strips(downLeft)">
+                                      <p:cBhvr>
+                                        <p:cTn id="13" dur="500"/>
+                                        <p:tgtEl>
+                                          <p:spTgt spid="3">
+                                            <p:txEl>
+                                              <p:pRg st="3" end="3"/>
+                                            </p:txEl>
+                                          </p:spTgt>
+                                        </p:tgtEl>
+                                      </p:cBhvr>
+                                    </p:animEffect>
+                                  </p:childTnLst>
+                                </p:cTn>
+                              </p:par>
+                              <p:par>
+                                <p:cTn id="14" presetID="18" presetClass="entr" presetSubtype="12" fill="hold" nodeType="withEffect">
+                                  <p:stCondLst>
+                                    <p:cond delay="0"/>
+                                  </p:stCondLst>
+                                  <p:childTnLst>
+                                    <p:set>
+                                      <p:cBhvr>
+                                        <p:cTn id="15" dur="1" fill="hold">
+                                          <p:stCondLst>
+                                            <p:cond delay="0"/>
+                                          </p:stCondLst>
+                                        </p:cTn>
+                                        <p:tgtEl>
+                                          <p:spTgt spid="3">
+                                            <p:txEl>
+                                              <p:pRg st="5" end="5"/>
+                                            </p:txEl>
+                                          </p:spTgt>
+                                        </p:tgtEl>
+                                        <p:attrNameLst>
+                                          <p:attrName>style.visibility</p:attrName>
+                                        </p:attrNameLst>
+                                      </p:cBhvr>
+                                      <p:to>
+                                        <p:strVal val="visible"/>
+                                      </p:to>
+                                    </p:set>
+                                    <p:animEffect transition="in" filter="strips(downLeft)">
+                                      <p:cBhvr>
+                                        <p:cTn id="16" dur="500"/>
+                                        <p:tgtEl>
+                                          <p:spTgt spid="3">
+                                            <p:txEl>
+                                              <p:pRg st="5" end="5"/>
+                                            </p:txEl>
+                                          </p:spTgt>
+                                        </p:tgtEl>
+                                      </p:cBhvr>
+                                    </p:animEffect>
+                                  </p:childTnLst>
+                                </p:cTn>
+                              </p:par>
+                            </p:childTnLst>
+                          </p:cTn>
+                        </p:par>
+                      </p:childTnLst>
+                    </p:cTn>
+                  </p:par>
+                </p:childTnLst>
+              </p:cTn>
+              <p:prevCondLst>
+                <p:cond evt="onPrev" delay="0">
+                  <p:tgtEl>
+                    <p:sldTgt/>
+                  </p:tgtEl>
+                </p:cond>
+              </p:prevCondLst>
+              <p:nextCondLst>
+                <p:cond evt="onNext" delay="0">
+                  <p:tgtEl>
+                    <p:sldTgt/>
+                  </p:tgtEl>
+                </p:cond>
+              </p:nextCondLst>
+            </p:seq>
+          </p:childTnLst>
+        </p:cTn>
+      </p:par>
+    </p:tnLst>
+  </p:timing>
 </p:sld>
 </file>
 
@@ -4963,6 +5449,101 @@
   <p:clrMapOvr>
     <a:masterClrMapping/>
   </p:clrMapOvr>
+  <p:timing>
+    <p:tnLst>
+      <p:par>
+        <p:cTn id="1" dur="indefinite" restart="never" nodeType="tmRoot">
+          <p:childTnLst>
+            <p:seq concurrent="1" nextAc="seek">
+              <p:cTn id="2" dur="indefinite" nodeType="mainSeq">
+                <p:childTnLst>
+                  <p:par>
+                    <p:cTn id="3" fill="hold">
+                      <p:stCondLst>
+                        <p:cond delay="indefinite"/>
+                      </p:stCondLst>
+                      <p:childTnLst>
+                        <p:par>
+                          <p:cTn id="4" fill="hold">
+                            <p:stCondLst>
+                              <p:cond delay="0"/>
+                            </p:stCondLst>
+                            <p:childTnLst>
+                              <p:par>
+                                <p:cTn id="5" presetID="6" presetClass="entr" presetSubtype="16" fill="hold" nodeType="clickEffect">
+                                  <p:stCondLst>
+                                    <p:cond delay="0"/>
+                                  </p:stCondLst>
+                                  <p:childTnLst>
+                                    <p:set>
+                                      <p:cBhvr>
+                                        <p:cTn id="6" dur="1" fill="hold">
+                                          <p:stCondLst>
+                                            <p:cond delay="0"/>
+                                          </p:stCondLst>
+                                        </p:cTn>
+                                        <p:tgtEl>
+                                          <p:spTgt spid="3">
+                                            <p:txEl>
+                                              <p:pRg st="5" end="5"/>
+                                            </p:txEl>
+                                          </p:spTgt>
+                                        </p:tgtEl>
+                                        <p:attrNameLst>
+                                          <p:attrName>style.visibility</p:attrName>
+                                        </p:attrNameLst>
+                                      </p:cBhvr>
+                                      <p:to>
+                                        <p:strVal val="visible"/>
+                                      </p:to>
+                                    </p:set>
+                                    <p:animEffect transition="in" filter="circle(in)">
+                                      <p:cBhvr>
+                                        <p:cTn id="7" dur="2000"/>
+                                        <p:tgtEl>
+                                          <p:spTgt spid="3">
+                                            <p:txEl>
+                                              <p:pRg st="5" end="5"/>
+                                            </p:txEl>
+                                          </p:spTgt>
+                                        </p:tgtEl>
+                                      </p:cBhvr>
+                                    </p:animEffect>
+                                  </p:childTnLst>
+                                </p:cTn>
+                              </p:par>
+                            </p:childTnLst>
+                          </p:cTn>
+                        </p:par>
+                      </p:childTnLst>
+                    </p:cTn>
+                  </p:par>
+                </p:childTnLst>
+              </p:cTn>
+              <p:prevCondLst>
+                <p:cond evt="onPrev" delay="0">
+                  <p:tgtEl>
+                    <p:sldTgt/>
+                  </p:tgtEl>
+                </p:cond>
+              </p:prevCondLst>
+              <p:nextCondLst>
+                <p:cond evt="onNext" delay="0">
+                  <p:tgtEl>
+                    <p:sldTgt/>
+                  </p:tgtEl>
+                </p:cond>
+              </p:nextCondLst>
+            </p:seq>
+          </p:childTnLst>
+        </p:cTn>
+      </p:par>
+    </p:tnLst>
+    <p:bldLst>
+      <p:bldP spid="3" grpId="0" build="p"/>
+      <p:bldP spid="3" grpId="1" build="p"/>
+    </p:bldLst>
+  </p:timing>
 </p:sld>
 </file>
 
@@ -5031,6 +5612,89 @@
   <p:clrMapOvr>
     <a:masterClrMapping/>
   </p:clrMapOvr>
+  <p:timing>
+    <p:tnLst>
+      <p:par>
+        <p:cTn id="1" dur="indefinite" restart="never" nodeType="tmRoot">
+          <p:childTnLst>
+            <p:seq concurrent="1" nextAc="seek">
+              <p:cTn id="2" dur="indefinite" nodeType="mainSeq">
+                <p:childTnLst>
+                  <p:par>
+                    <p:cTn id="3" fill="hold">
+                      <p:stCondLst>
+                        <p:cond delay="indefinite"/>
+                      </p:stCondLst>
+                      <p:childTnLst>
+                        <p:par>
+                          <p:cTn id="4" fill="hold">
+                            <p:stCondLst>
+                              <p:cond delay="0"/>
+                            </p:stCondLst>
+                            <p:childTnLst>
+                              <p:par>
+                                <p:cTn id="5" presetID="18" presetClass="entr" presetSubtype="12" fill="hold" nodeType="clickEffect">
+                                  <p:stCondLst>
+                                    <p:cond delay="0"/>
+                                  </p:stCondLst>
+                                  <p:childTnLst>
+                                    <p:set>
+                                      <p:cBhvr>
+                                        <p:cTn id="6" dur="1" fill="hold">
+                                          <p:stCondLst>
+                                            <p:cond delay="0"/>
+                                          </p:stCondLst>
+                                        </p:cTn>
+                                        <p:tgtEl>
+                                          <p:spTgt spid="12"/>
+                                        </p:tgtEl>
+                                        <p:attrNameLst>
+                                          <p:attrName>style.visibility</p:attrName>
+                                        </p:attrNameLst>
+                                      </p:cBhvr>
+                                      <p:to>
+                                        <p:strVal val="visible"/>
+                                      </p:to>
+                                    </p:set>
+                                    <p:animEffect transition="in" filter="strips(downLeft)">
+                                      <p:cBhvr>
+                                        <p:cTn id="7" dur="500"/>
+                                        <p:tgtEl>
+                                          <p:spTgt spid="12"/>
+                                        </p:tgtEl>
+                                      </p:cBhvr>
+                                    </p:animEffect>
+                                  </p:childTnLst>
+                                </p:cTn>
+                              </p:par>
+                            </p:childTnLst>
+                          </p:cTn>
+                        </p:par>
+                      </p:childTnLst>
+                    </p:cTn>
+                  </p:par>
+                </p:childTnLst>
+              </p:cTn>
+              <p:prevCondLst>
+                <p:cond evt="onPrev" delay="0">
+                  <p:tgtEl>
+                    <p:sldTgt/>
+                  </p:tgtEl>
+                </p:cond>
+              </p:prevCondLst>
+              <p:nextCondLst>
+                <p:cond evt="onNext" delay="0">
+                  <p:tgtEl>
+                    <p:sldTgt/>
+                  </p:tgtEl>
+                </p:cond>
+              </p:nextCondLst>
+            </p:seq>
+          </p:childTnLst>
+        </p:cTn>
+      </p:par>
+    </p:tnLst>
+  </p:timing>
 </p:sld>
 </file>
 
@@ -5167,6 +5831,89 @@
   <p:clrMapOvr>
     <a:masterClrMapping/>
   </p:clrMapOvr>
+  <p:timing>
+    <p:tnLst>
+      <p:par>
+        <p:cTn id="1" dur="indefinite" restart="never" nodeType="tmRoot">
+          <p:childTnLst>
+            <p:seq concurrent="1" nextAc="seek">
+              <p:cTn id="2" dur="indefinite" nodeType="mainSeq">
+                <p:childTnLst>
+                  <p:par>
+                    <p:cTn id="3" fill="hold">
+                      <p:stCondLst>
+                        <p:cond delay="indefinite"/>
+                      </p:stCondLst>
+                      <p:childTnLst>
+                        <p:par>
+                          <p:cTn id="4" fill="hold">
+                            <p:stCondLst>
+                              <p:cond delay="0"/>
+                            </p:stCondLst>
+                            <p:childTnLst>
+                              <p:par>
+                                <p:cTn id="5" presetID="13" presetClass="entr" presetSubtype="16" fill="hold" nodeType="clickEffect">
+                                  <p:stCondLst>
+                                    <p:cond delay="0"/>
+                                  </p:stCondLst>
+                                  <p:childTnLst>
+                                    <p:set>
+                                      <p:cBhvr>
+                                        <p:cTn id="6" dur="1" fill="hold">
+                                          <p:stCondLst>
+                                            <p:cond delay="0"/>
+                                          </p:stCondLst>
+                                        </p:cTn>
+                                        <p:tgtEl>
+                                          <p:spTgt spid="5"/>
+                                        </p:tgtEl>
+                                        <p:attrNameLst>
+                                          <p:attrName>style.visibility</p:attrName>
+                                        </p:attrNameLst>
+                                      </p:cBhvr>
+                                      <p:to>
+                                        <p:strVal val="visible"/>
+                                      </p:to>
+                                    </p:set>
+                                    <p:animEffect transition="in" filter="plus(in)">
+                                      <p:cBhvr>
+                                        <p:cTn id="7" dur="2000"/>
+                                        <p:tgtEl>
+                                          <p:spTgt spid="5"/>
+                                        </p:tgtEl>
+                                      </p:cBhvr>
+                                    </p:animEffect>
+                                  </p:childTnLst>
+                                </p:cTn>
+                              </p:par>
+                            </p:childTnLst>
+                          </p:cTn>
+                        </p:par>
+                      </p:childTnLst>
+                    </p:cTn>
+                  </p:par>
+                </p:childTnLst>
+              </p:cTn>
+              <p:prevCondLst>
+                <p:cond evt="onPrev" delay="0">
+                  <p:tgtEl>
+                    <p:sldTgt/>
+                  </p:tgtEl>
+                </p:cond>
+              </p:prevCondLst>
+              <p:nextCondLst>
+                <p:cond evt="onNext" delay="0">
+                  <p:tgtEl>
+                    <p:sldTgt/>
+                  </p:tgtEl>
+                </p:cond>
+              </p:nextCondLst>
+            </p:seq>
+          </p:childTnLst>
+        </p:cTn>
+      </p:par>
+    </p:tnLst>
+  </p:timing>
 </p:sld>
 </file>
 
@@ -5259,6 +6006,142 @@
   <p:clrMapOvr>
     <a:masterClrMapping/>
   </p:clrMapOvr>
+  <p:timing>
+    <p:tnLst>
+      <p:par>
+        <p:cTn id="1" dur="indefinite" restart="never" nodeType="tmRoot">
+          <p:childTnLst>
+            <p:seq concurrent="1" nextAc="seek">
+              <p:cTn id="2" dur="indefinite" nodeType="mainSeq">
+                <p:childTnLst>
+                  <p:par>
+                    <p:cTn id="3" fill="hold">
+                      <p:stCondLst>
+                        <p:cond delay="indefinite"/>
+                      </p:stCondLst>
+                      <p:childTnLst>
+                        <p:par>
+                          <p:cTn id="4" fill="hold">
+                            <p:stCondLst>
+                              <p:cond delay="0"/>
+                            </p:stCondLst>
+                            <p:childTnLst>
+                              <p:par>
+                                <p:cTn id="5" presetID="18" presetClass="entr" presetSubtype="12" fill="hold" nodeType="clickEffect">
+                                  <p:stCondLst>
+                                    <p:cond delay="0"/>
+                                  </p:stCondLst>
+                                  <p:childTnLst>
+                                    <p:set>
+                                      <p:cBhvr>
+                                        <p:cTn id="6" dur="1" fill="hold">
+                                          <p:stCondLst>
+                                            <p:cond delay="0"/>
+                                          </p:stCondLst>
+                                        </p:cTn>
+                                        <p:tgtEl>
+                                          <p:spTgt spid="5"/>
+                                        </p:tgtEl>
+                                        <p:attrNameLst>
+                                          <p:attrName>style.visibility</p:attrName>
+                                        </p:attrNameLst>
+                                      </p:cBhvr>
+                                      <p:to>
+                                        <p:strVal val="visible"/>
+                                      </p:to>
+                                    </p:set>
+                                    <p:animEffect transition="in" filter="strips(downLeft)">
+                                      <p:cBhvr>
+                                        <p:cTn id="7" dur="500"/>
+                                        <p:tgtEl>
+                                          <p:spTgt spid="5"/>
+                                        </p:tgtEl>
+                                      </p:cBhvr>
+                                    </p:animEffect>
+                                  </p:childTnLst>
+                                </p:cTn>
+                              </p:par>
+                            </p:childTnLst>
+                          </p:cTn>
+                        </p:par>
+                      </p:childTnLst>
+                    </p:cTn>
+                  </p:par>
+                  <p:par>
+                    <p:cTn id="8" fill="hold">
+                      <p:stCondLst>
+                        <p:cond delay="indefinite"/>
+                      </p:stCondLst>
+                      <p:childTnLst>
+                        <p:par>
+                          <p:cTn id="9" fill="hold">
+                            <p:stCondLst>
+                              <p:cond delay="0"/>
+                            </p:stCondLst>
+                            <p:childTnLst>
+                              <p:par>
+                                <p:cTn id="10" presetID="18" presetClass="entr" presetSubtype="12" fill="hold" nodeType="clickEffect">
+                                  <p:stCondLst>
+                                    <p:cond delay="0"/>
+                                  </p:stCondLst>
+                                  <p:childTnLst>
+                                    <p:set>
+                                      <p:cBhvr>
+                                        <p:cTn id="11" dur="1" fill="hold">
+                                          <p:stCondLst>
+                                            <p:cond delay="0"/>
+                                          </p:stCondLst>
+                                        </p:cTn>
+                                        <p:tgtEl>
+                                          <p:spTgt spid="6"/>
+                                        </p:tgtEl>
+                                        <p:attrNameLst>
+                                          <p:attrName>style.visibility</p:attrName>
+                                        </p:attrNameLst>
+                                      </p:cBhvr>
+                                      <p:to>
+                                        <p:strVal val="visible"/>
+                                      </p:to>
+                                    </p:set>
+                                    <p:animEffect transition="in" filter="strips(downLeft)">
+                                      <p:cBhvr>
+                                        <p:cTn id="12" dur="500"/>
+                                        <p:tgtEl>
+                                          <p:spTgt spid="6"/>
+                                        </p:tgtEl>
+                                      </p:cBhvr>
+                                    </p:animEffect>
+                                  </p:childTnLst>
+                                </p:cTn>
+                              </p:par>
+                            </p:childTnLst>
+                          </p:cTn>
+                        </p:par>
+                      </p:childTnLst>
+                    </p:cTn>
+                  </p:par>
+                </p:childTnLst>
+              </p:cTn>
+              <p:prevCondLst>
+                <p:cond evt="onPrev" delay="0">
+                  <p:tgtEl>
+                    <p:sldTgt/>
+                  </p:tgtEl>
+                </p:cond>
+              </p:prevCondLst>
+              <p:nextCondLst>
+                <p:cond evt="onNext" delay="0">
+                  <p:tgtEl>
+                    <p:sldTgt/>
+                  </p:tgtEl>
+                </p:cond>
+              </p:nextCondLst>
+            </p:seq>
+          </p:childTnLst>
+        </p:cTn>
+      </p:par>
+    </p:tnLst>
+  </p:timing>
 </p:sld>
 </file>
 
@@ -5403,6 +6286,89 @@
   <p:clrMapOvr>
     <a:masterClrMapping/>
   </p:clrMapOvr>
+  <p:timing>
+    <p:tnLst>
+      <p:par>
+        <p:cTn id="1" dur="indefinite" restart="never" nodeType="tmRoot">
+          <p:childTnLst>
+            <p:seq concurrent="1" nextAc="seek">
+              <p:cTn id="2" dur="indefinite" nodeType="mainSeq">
+                <p:childTnLst>
+                  <p:par>
+                    <p:cTn id="3" fill="hold">
+                      <p:stCondLst>
+                        <p:cond delay="indefinite"/>
+                      </p:stCondLst>
+                      <p:childTnLst>
+                        <p:par>
+                          <p:cTn id="4" fill="hold">
+                            <p:stCondLst>
+                              <p:cond delay="0"/>
+                            </p:stCondLst>
+                            <p:childTnLst>
+                              <p:par>
+                                <p:cTn id="5" presetID="18" presetClass="entr" presetSubtype="12" fill="hold" nodeType="clickEffect">
+                                  <p:stCondLst>
+                                    <p:cond delay="0"/>
+                                  </p:stCondLst>
+                                  <p:childTnLst>
+                                    <p:set>
+                                      <p:cBhvr>
+                                        <p:cTn id="6" dur="1" fill="hold">
+                                          <p:stCondLst>
+                                            <p:cond delay="0"/>
+                                          </p:stCondLst>
+                                        </p:cTn>
+                                        <p:tgtEl>
+                                          <p:spTgt spid="17"/>
+                                        </p:tgtEl>
+                                        <p:attrNameLst>
+                                          <p:attrName>style.visibility</p:attrName>
+                                        </p:attrNameLst>
+                                      </p:cBhvr>
+                                      <p:to>
+                                        <p:strVal val="visible"/>
+                                      </p:to>
+                                    </p:set>
+                                    <p:animEffect transition="in" filter="strips(downLeft)">
+                                      <p:cBhvr>
+                                        <p:cTn id="7" dur="500"/>
+                                        <p:tgtEl>
+                                          <p:spTgt spid="17"/>
+                                        </p:tgtEl>
+                                      </p:cBhvr>
+                                    </p:animEffect>
+                                  </p:childTnLst>
+                                </p:cTn>
+                              </p:par>
+                            </p:childTnLst>
+                          </p:cTn>
+                        </p:par>
+                      </p:childTnLst>
+                    </p:cTn>
+                  </p:par>
+                </p:childTnLst>
+              </p:cTn>
+              <p:prevCondLst>
+                <p:cond evt="onPrev" delay="0">
+                  <p:tgtEl>
+                    <p:sldTgt/>
+                  </p:tgtEl>
+                </p:cond>
+              </p:prevCondLst>
+              <p:nextCondLst>
+                <p:cond evt="onNext" delay="0">
+                  <p:tgtEl>
+                    <p:sldTgt/>
+                  </p:tgtEl>
+                </p:cond>
+              </p:nextCondLst>
+            </p:seq>
+          </p:childTnLst>
+        </p:cTn>
+      </p:par>
+    </p:tnLst>
+  </p:timing>
 </p:sld>
 </file>
 
@@ -5620,7 +6586,7 @@
                   <a:schemeClr val="tx2"/>
                 </a:solidFill>
               </a:rPr>
-              <a:t>Redefinement of it : Dependency Injection (Spring, .Net, Django, ...)</a:t>
+              <a:t>Refinement of it : Dependency Injection (Spring, .Net, Django, ...)</a:t>
             </a:r>
             <a:endParaRPr lang="en-US">
               <a:solidFill>
@@ -5635,6 +6601,493 @@
   <p:clrMapOvr>
     <a:masterClrMapping/>
   </p:clrMapOvr>
+  <p:timing>
+    <p:tnLst>
+      <p:par>
+        <p:cTn id="1" dur="indefinite" restart="never" nodeType="tmRoot">
+          <p:childTnLst>
+            <p:seq concurrent="1" nextAc="seek">
+              <p:cTn id="2" dur="indefinite" nodeType="mainSeq">
+                <p:childTnLst>
+                  <p:par>
+                    <p:cTn id="3" fill="hold">
+                      <p:stCondLst>
+                        <p:cond delay="indefinite"/>
+                      </p:stCondLst>
+                      <p:childTnLst>
+                        <p:par>
+                          <p:cTn id="4" fill="hold">
+                            <p:stCondLst>
+                              <p:cond delay="0"/>
+                            </p:stCondLst>
+                            <p:childTnLst>
+                              <p:par>
+                                <p:cTn id="5" presetID="5" presetClass="entr" presetSubtype="10" fill="hold" grpId="2" nodeType="clickEffect">
+                                  <p:stCondLst>
+                                    <p:cond delay="0"/>
+                                  </p:stCondLst>
+                                  <p:childTnLst>
+                                    <p:set>
+                                      <p:cBhvr>
+                                        <p:cTn id="6" dur="1" fill="hold">
+                                          <p:stCondLst>
+                                            <p:cond delay="0"/>
+                                          </p:stCondLst>
+                                        </p:cTn>
+                                        <p:tgtEl>
+                                          <p:spTgt spid="2"/>
+                                        </p:tgtEl>
+                                        <p:attrNameLst>
+                                          <p:attrName>style.visibility</p:attrName>
+                                        </p:attrNameLst>
+                                      </p:cBhvr>
+                                      <p:to>
+                                        <p:strVal val="visible"/>
+                                      </p:to>
+                                    </p:set>
+                                    <p:animEffect transition="in" filter="checkerboard(across)">
+                                      <p:cBhvr>
+                                        <p:cTn id="7" dur="500"/>
+                                        <p:tgtEl>
+                                          <p:spTgt spid="2"/>
+                                        </p:tgtEl>
+                                      </p:cBhvr>
+                                    </p:animEffect>
+                                  </p:childTnLst>
+                                </p:cTn>
+                              </p:par>
+                            </p:childTnLst>
+                          </p:cTn>
+                        </p:par>
+                      </p:childTnLst>
+                    </p:cTn>
+                  </p:par>
+                  <p:par>
+                    <p:cTn id="8" fill="hold">
+                      <p:stCondLst>
+                        <p:cond delay="indefinite"/>
+                      </p:stCondLst>
+                      <p:childTnLst>
+                        <p:par>
+                          <p:cTn id="9" fill="hold">
+                            <p:stCondLst>
+                              <p:cond delay="0"/>
+                            </p:stCondLst>
+                            <p:childTnLst>
+                              <p:par>
+                                <p:cTn id="10" presetID="5" presetClass="entr" presetSubtype="10" fill="hold" nodeType="clickEffect">
+                                  <p:stCondLst>
+                                    <p:cond delay="0"/>
+                                  </p:stCondLst>
+                                  <p:childTnLst>
+                                    <p:set>
+                                      <p:cBhvr>
+                                        <p:cTn id="11" dur="1" fill="hold">
+                                          <p:stCondLst>
+                                            <p:cond delay="0"/>
+                                          </p:stCondLst>
+                                        </p:cTn>
+                                        <p:tgtEl>
+                                          <p:spTgt spid="3">
+                                            <p:txEl>
+                                              <p:pRg st="0" end="0"/>
+                                            </p:txEl>
+                                          </p:spTgt>
+                                        </p:tgtEl>
+                                        <p:attrNameLst>
+                                          <p:attrName>style.visibility</p:attrName>
+                                        </p:attrNameLst>
+                                      </p:cBhvr>
+                                      <p:to>
+                                        <p:strVal val="visible"/>
+                                      </p:to>
+                                    </p:set>
+                                    <p:animEffect transition="in" filter="checkerboard(across)">
+                                      <p:cBhvr>
+                                        <p:cTn id="12" dur="500"/>
+                                        <p:tgtEl>
+                                          <p:spTgt spid="3">
+                                            <p:txEl>
+                                              <p:pRg st="0" end="0"/>
+                                            </p:txEl>
+                                          </p:spTgt>
+                                        </p:tgtEl>
+                                      </p:cBhvr>
+                                    </p:animEffect>
+                                  </p:childTnLst>
+                                </p:cTn>
+                              </p:par>
+                              <p:par>
+                                <p:cTn id="13" presetID="5" presetClass="entr" presetSubtype="10" fill="hold" nodeType="withEffect">
+                                  <p:stCondLst>
+                                    <p:cond delay="0"/>
+                                  </p:stCondLst>
+                                  <p:childTnLst>
+                                    <p:set>
+                                      <p:cBhvr>
+                                        <p:cTn id="14" dur="1" fill="hold">
+                                          <p:stCondLst>
+                                            <p:cond delay="0"/>
+                                          </p:stCondLst>
+                                        </p:cTn>
+                                        <p:tgtEl>
+                                          <p:spTgt spid="3">
+                                            <p:txEl>
+                                              <p:pRg st="1" end="1"/>
+                                            </p:txEl>
+                                          </p:spTgt>
+                                        </p:tgtEl>
+                                        <p:attrNameLst>
+                                          <p:attrName>style.visibility</p:attrName>
+                                        </p:attrNameLst>
+                                      </p:cBhvr>
+                                      <p:to>
+                                        <p:strVal val="visible"/>
+                                      </p:to>
+                                    </p:set>
+                                    <p:animEffect transition="in" filter="checkerboard(across)">
+                                      <p:cBhvr>
+                                        <p:cTn id="15" dur="500"/>
+                                        <p:tgtEl>
+                                          <p:spTgt spid="3">
+                                            <p:txEl>
+                                              <p:pRg st="1" end="1"/>
+                                            </p:txEl>
+                                          </p:spTgt>
+                                        </p:tgtEl>
+                                      </p:cBhvr>
+                                    </p:animEffect>
+                                  </p:childTnLst>
+                                </p:cTn>
+                              </p:par>
+                              <p:par>
+                                <p:cTn id="16" presetID="5" presetClass="entr" presetSubtype="10" fill="hold" nodeType="withEffect">
+                                  <p:stCondLst>
+                                    <p:cond delay="0"/>
+                                  </p:stCondLst>
+                                  <p:childTnLst>
+                                    <p:set>
+                                      <p:cBhvr>
+                                        <p:cTn id="17" dur="1" fill="hold">
+                                          <p:stCondLst>
+                                            <p:cond delay="0"/>
+                                          </p:stCondLst>
+                                        </p:cTn>
+                                        <p:tgtEl>
+                                          <p:spTgt spid="3">
+                                            <p:txEl>
+                                              <p:pRg st="2" end="2"/>
+                                            </p:txEl>
+                                          </p:spTgt>
+                                        </p:tgtEl>
+                                        <p:attrNameLst>
+                                          <p:attrName>style.visibility</p:attrName>
+                                        </p:attrNameLst>
+                                      </p:cBhvr>
+                                      <p:to>
+                                        <p:strVal val="visible"/>
+                                      </p:to>
+                                    </p:set>
+                                    <p:animEffect transition="in" filter="checkerboard(across)">
+                                      <p:cBhvr>
+                                        <p:cTn id="18" dur="500"/>
+                                        <p:tgtEl>
+                                          <p:spTgt spid="3">
+                                            <p:txEl>
+                                              <p:pRg st="2" end="2"/>
+                                            </p:txEl>
+                                          </p:spTgt>
+                                        </p:tgtEl>
+                                      </p:cBhvr>
+                                    </p:animEffect>
+                                  </p:childTnLst>
+                                </p:cTn>
+                              </p:par>
+                              <p:par>
+                                <p:cTn id="19" presetID="5" presetClass="entr" presetSubtype="10" fill="hold" nodeType="withEffect">
+                                  <p:stCondLst>
+                                    <p:cond delay="0"/>
+                                  </p:stCondLst>
+                                  <p:childTnLst>
+                                    <p:set>
+                                      <p:cBhvr>
+                                        <p:cTn id="20" dur="1" fill="hold">
+                                          <p:stCondLst>
+                                            <p:cond delay="0"/>
+                                          </p:stCondLst>
+                                        </p:cTn>
+                                        <p:tgtEl>
+                                          <p:spTgt spid="3">
+                                            <p:txEl>
+                                              <p:pRg st="3" end="3"/>
+                                            </p:txEl>
+                                          </p:spTgt>
+                                        </p:tgtEl>
+                                        <p:attrNameLst>
+                                          <p:attrName>style.visibility</p:attrName>
+                                        </p:attrNameLst>
+                                      </p:cBhvr>
+                                      <p:to>
+                                        <p:strVal val="visible"/>
+                                      </p:to>
+                                    </p:set>
+                                    <p:animEffect transition="in" filter="checkerboard(across)">
+                                      <p:cBhvr>
+                                        <p:cTn id="21" dur="500"/>
+                                        <p:tgtEl>
+                                          <p:spTgt spid="3">
+                                            <p:txEl>
+                                              <p:pRg st="3" end="3"/>
+                                            </p:txEl>
+                                          </p:spTgt>
+                                        </p:tgtEl>
+                                      </p:cBhvr>
+                                    </p:animEffect>
+                                  </p:childTnLst>
+                                </p:cTn>
+                              </p:par>
+                            </p:childTnLst>
+                          </p:cTn>
+                        </p:par>
+                      </p:childTnLst>
+                    </p:cTn>
+                  </p:par>
+                  <p:par>
+                    <p:cTn id="22" fill="hold">
+                      <p:stCondLst>
+                        <p:cond delay="indefinite"/>
+                      </p:stCondLst>
+                      <p:childTnLst>
+                        <p:par>
+                          <p:cTn id="23" fill="hold">
+                            <p:stCondLst>
+                              <p:cond delay="0"/>
+                            </p:stCondLst>
+                            <p:childTnLst>
+                              <p:par>
+                                <p:cTn id="24" presetID="5" presetClass="entr" presetSubtype="10" fill="hold" nodeType="clickEffect">
+                                  <p:stCondLst>
+                                    <p:cond delay="0"/>
+                                  </p:stCondLst>
+                                  <p:childTnLst>
+                                    <p:set>
+                                      <p:cBhvr>
+                                        <p:cTn id="25" dur="1" fill="hold">
+                                          <p:stCondLst>
+                                            <p:cond delay="0"/>
+                                          </p:stCondLst>
+                                        </p:cTn>
+                                        <p:tgtEl>
+                                          <p:spTgt spid="3">
+                                            <p:txEl>
+                                              <p:pRg st="4" end="4"/>
+                                            </p:txEl>
+                                          </p:spTgt>
+                                        </p:tgtEl>
+                                        <p:attrNameLst>
+                                          <p:attrName>style.visibility</p:attrName>
+                                        </p:attrNameLst>
+                                      </p:cBhvr>
+                                      <p:to>
+                                        <p:strVal val="visible"/>
+                                      </p:to>
+                                    </p:set>
+                                    <p:animEffect transition="in" filter="checkerboard(across)">
+                                      <p:cBhvr>
+                                        <p:cTn id="26" dur="500"/>
+                                        <p:tgtEl>
+                                          <p:spTgt spid="3">
+                                            <p:txEl>
+                                              <p:pRg st="4" end="4"/>
+                                            </p:txEl>
+                                          </p:spTgt>
+                                        </p:tgtEl>
+                                      </p:cBhvr>
+                                    </p:animEffect>
+                                  </p:childTnLst>
+                                </p:cTn>
+                              </p:par>
+                            </p:childTnLst>
+                          </p:cTn>
+                        </p:par>
+                      </p:childTnLst>
+                    </p:cTn>
+                  </p:par>
+                  <p:par>
+                    <p:cTn id="27" fill="hold">
+                      <p:stCondLst>
+                        <p:cond delay="indefinite"/>
+                      </p:stCondLst>
+                      <p:childTnLst>
+                        <p:par>
+                          <p:cTn id="28" fill="hold">
+                            <p:stCondLst>
+                              <p:cond delay="0"/>
+                            </p:stCondLst>
+                            <p:childTnLst>
+                              <p:par>
+                                <p:cTn id="29" presetID="5" presetClass="entr" presetSubtype="10" fill="hold" nodeType="clickEffect">
+                                  <p:stCondLst>
+                                    <p:cond delay="0"/>
+                                  </p:stCondLst>
+                                  <p:childTnLst>
+                                    <p:set>
+                                      <p:cBhvr>
+                                        <p:cTn id="30" dur="1" fill="hold">
+                                          <p:stCondLst>
+                                            <p:cond delay="0"/>
+                                          </p:stCondLst>
+                                        </p:cTn>
+                                        <p:tgtEl>
+                                          <p:spTgt spid="3">
+                                            <p:txEl>
+                                              <p:pRg st="5" end="5"/>
+                                            </p:txEl>
+                                          </p:spTgt>
+                                        </p:tgtEl>
+                                        <p:attrNameLst>
+                                          <p:attrName>style.visibility</p:attrName>
+                                        </p:attrNameLst>
+                                      </p:cBhvr>
+                                      <p:to>
+                                        <p:strVal val="visible"/>
+                                      </p:to>
+                                    </p:set>
+                                    <p:animEffect transition="in" filter="checkerboard(across)">
+                                      <p:cBhvr>
+                                        <p:cTn id="31" dur="500"/>
+                                        <p:tgtEl>
+                                          <p:spTgt spid="3">
+                                            <p:txEl>
+                                              <p:pRg st="5" end="5"/>
+                                            </p:txEl>
+                                          </p:spTgt>
+                                        </p:tgtEl>
+                                      </p:cBhvr>
+                                    </p:animEffect>
+                                  </p:childTnLst>
+                                </p:cTn>
+                              </p:par>
+                              <p:par>
+                                <p:cTn id="32" presetID="5" presetClass="entr" presetSubtype="10" fill="hold" nodeType="withEffect">
+                                  <p:stCondLst>
+                                    <p:cond delay="0"/>
+                                  </p:stCondLst>
+                                  <p:childTnLst>
+                                    <p:set>
+                                      <p:cBhvr>
+                                        <p:cTn id="33" dur="1" fill="hold">
+                                          <p:stCondLst>
+                                            <p:cond delay="0"/>
+                                          </p:stCondLst>
+                                        </p:cTn>
+                                        <p:tgtEl>
+                                          <p:spTgt spid="3">
+                                            <p:txEl>
+                                              <p:pRg st="6" end="6"/>
+                                            </p:txEl>
+                                          </p:spTgt>
+                                        </p:tgtEl>
+                                        <p:attrNameLst>
+                                          <p:attrName>style.visibility</p:attrName>
+                                        </p:attrNameLst>
+                                      </p:cBhvr>
+                                      <p:to>
+                                        <p:strVal val="visible"/>
+                                      </p:to>
+                                    </p:set>
+                                    <p:animEffect transition="in" filter="checkerboard(across)">
+                                      <p:cBhvr>
+                                        <p:cTn id="34" dur="500"/>
+                                        <p:tgtEl>
+                                          <p:spTgt spid="3">
+                                            <p:txEl>
+                                              <p:pRg st="6" end="6"/>
+                                            </p:txEl>
+                                          </p:spTgt>
+                                        </p:tgtEl>
+                                      </p:cBhvr>
+                                    </p:animEffect>
+                                  </p:childTnLst>
+                                </p:cTn>
+                              </p:par>
+                              <p:par>
+                                <p:cTn id="35" presetID="5" presetClass="entr" presetSubtype="10" fill="hold" nodeType="withEffect">
+                                  <p:stCondLst>
+                                    <p:cond delay="0"/>
+                                  </p:stCondLst>
+                                  <p:childTnLst>
+                                    <p:set>
+                                      <p:cBhvr>
+                                        <p:cTn id="36" dur="1" fill="hold">
+                                          <p:stCondLst>
+                                            <p:cond delay="0"/>
+                                          </p:stCondLst>
+                                        </p:cTn>
+                                        <p:tgtEl>
+                                          <p:spTgt spid="3">
+                                            <p:txEl>
+                                              <p:pRg st="7" end="7"/>
+                                            </p:txEl>
+                                          </p:spTgt>
+                                        </p:tgtEl>
+                                        <p:attrNameLst>
+                                          <p:attrName>style.visibility</p:attrName>
+                                        </p:attrNameLst>
+                                      </p:cBhvr>
+                                      <p:to>
+                                        <p:strVal val="visible"/>
+                                      </p:to>
+                                    </p:set>
+                                    <p:animEffect transition="in" filter="checkerboard(across)">
+                                      <p:cBhvr>
+                                        <p:cTn id="37" dur="500"/>
+                                        <p:tgtEl>
+                                          <p:spTgt spid="3">
+                                            <p:txEl>
+                                              <p:pRg st="7" end="7"/>
+                                            </p:txEl>
+                                          </p:spTgt>
+                                        </p:tgtEl>
+                                      </p:cBhvr>
+                                    </p:animEffect>
+                                  </p:childTnLst>
+                                </p:cTn>
+                              </p:par>
+                            </p:childTnLst>
+                          </p:cTn>
+                        </p:par>
+                      </p:childTnLst>
+                    </p:cTn>
+                  </p:par>
+                </p:childTnLst>
+              </p:cTn>
+              <p:prevCondLst>
+                <p:cond evt="onPrev" delay="0">
+                  <p:tgtEl>
+                    <p:sldTgt/>
+                  </p:tgtEl>
+                </p:cond>
+              </p:prevCondLst>
+              <p:nextCondLst>
+                <p:cond evt="onNext" delay="0">
+                  <p:tgtEl>
+                    <p:sldTgt/>
+                  </p:tgtEl>
+                </p:cond>
+              </p:nextCondLst>
+            </p:seq>
+          </p:childTnLst>
+        </p:cTn>
+      </p:par>
+    </p:tnLst>
+    <p:bldLst>
+      <p:bldP spid="2" grpId="0"/>
+      <p:bldP spid="2" grpId="1"/>
+      <p:bldP spid="2" grpId="2"/>
+      <p:bldP spid="2" grpId="3"/>
+    </p:bldLst>
+  </p:timing>
 </p:sld>
 </file>
 
@@ -6111,6 +7564,269 @@
   <p:clrMapOvr>
     <a:masterClrMapping/>
   </p:clrMapOvr>
+  <p:timing>
+    <p:tnLst>
+      <p:par>
+        <p:cTn id="1" dur="indefinite" restart="never" nodeType="tmRoot">
+          <p:childTnLst>
+            <p:seq concurrent="1" nextAc="seek">
+              <p:cTn id="2" dur="indefinite" nodeType="mainSeq">
+                <p:childTnLst>
+                  <p:par>
+                    <p:cTn id="3" fill="hold">
+                      <p:stCondLst>
+                        <p:cond delay="indefinite"/>
+                      </p:stCondLst>
+                      <p:childTnLst>
+                        <p:par>
+                          <p:cTn id="4" fill="hold">
+                            <p:stCondLst>
+                              <p:cond delay="0"/>
+                            </p:stCondLst>
+                            <p:childTnLst>
+                              <p:par>
+                                <p:cTn id="5" presetID="18" presetClass="entr" presetSubtype="12" fill="hold" nodeType="clickEffect">
+                                  <p:stCondLst>
+                                    <p:cond delay="0"/>
+                                  </p:stCondLst>
+                                  <p:childTnLst>
+                                    <p:set>
+                                      <p:cBhvr>
+                                        <p:cTn id="6" dur="1" fill="hold">
+                                          <p:stCondLst>
+                                            <p:cond delay="0"/>
+                                          </p:stCondLst>
+                                        </p:cTn>
+                                        <p:tgtEl>
+                                          <p:spTgt spid="3">
+                                            <p:txEl>
+                                              <p:pRg st="2" end="2"/>
+                                            </p:txEl>
+                                          </p:spTgt>
+                                        </p:tgtEl>
+                                        <p:attrNameLst>
+                                          <p:attrName>style.visibility</p:attrName>
+                                        </p:attrNameLst>
+                                      </p:cBhvr>
+                                      <p:to>
+                                        <p:strVal val="visible"/>
+                                      </p:to>
+                                    </p:set>
+                                    <p:animEffect transition="in" filter="strips(downLeft)">
+                                      <p:cBhvr>
+                                        <p:cTn id="7" dur="500"/>
+                                        <p:tgtEl>
+                                          <p:spTgt spid="3">
+                                            <p:txEl>
+                                              <p:pRg st="2" end="2"/>
+                                            </p:txEl>
+                                          </p:spTgt>
+                                        </p:tgtEl>
+                                      </p:cBhvr>
+                                    </p:animEffect>
+                                  </p:childTnLst>
+                                </p:cTn>
+                              </p:par>
+                              <p:par>
+                                <p:cTn id="8" presetID="18" presetClass="entr" presetSubtype="12" fill="hold" nodeType="withEffect">
+                                  <p:stCondLst>
+                                    <p:cond delay="0"/>
+                                  </p:stCondLst>
+                                  <p:childTnLst>
+                                    <p:set>
+                                      <p:cBhvr>
+                                        <p:cTn id="9" dur="1" fill="hold">
+                                          <p:stCondLst>
+                                            <p:cond delay="0"/>
+                                          </p:stCondLst>
+                                        </p:cTn>
+                                        <p:tgtEl>
+                                          <p:spTgt spid="3">
+                                            <p:txEl>
+                                              <p:pRg st="3" end="3"/>
+                                            </p:txEl>
+                                          </p:spTgt>
+                                        </p:tgtEl>
+                                        <p:attrNameLst>
+                                          <p:attrName>style.visibility</p:attrName>
+                                        </p:attrNameLst>
+                                      </p:cBhvr>
+                                      <p:to>
+                                        <p:strVal val="visible"/>
+                                      </p:to>
+                                    </p:set>
+                                    <p:animEffect transition="in" filter="strips(downLeft)">
+                                      <p:cBhvr>
+                                        <p:cTn id="10" dur="500"/>
+                                        <p:tgtEl>
+                                          <p:spTgt spid="3">
+                                            <p:txEl>
+                                              <p:pRg st="3" end="3"/>
+                                            </p:txEl>
+                                          </p:spTgt>
+                                        </p:tgtEl>
+                                      </p:cBhvr>
+                                    </p:animEffect>
+                                  </p:childTnLst>
+                                </p:cTn>
+                              </p:par>
+                              <p:par>
+                                <p:cTn id="11" presetID="18" presetClass="entr" presetSubtype="12" fill="hold" nodeType="withEffect">
+                                  <p:stCondLst>
+                                    <p:cond delay="0"/>
+                                  </p:stCondLst>
+                                  <p:childTnLst>
+                                    <p:set>
+                                      <p:cBhvr>
+                                        <p:cTn id="12" dur="1" fill="hold">
+                                          <p:stCondLst>
+                                            <p:cond delay="0"/>
+                                          </p:stCondLst>
+                                        </p:cTn>
+                                        <p:tgtEl>
+                                          <p:spTgt spid="3">
+                                            <p:txEl>
+                                              <p:pRg st="4" end="4"/>
+                                            </p:txEl>
+                                          </p:spTgt>
+                                        </p:tgtEl>
+                                        <p:attrNameLst>
+                                          <p:attrName>style.visibility</p:attrName>
+                                        </p:attrNameLst>
+                                      </p:cBhvr>
+                                      <p:to>
+                                        <p:strVal val="visible"/>
+                                      </p:to>
+                                    </p:set>
+                                    <p:animEffect transition="in" filter="strips(downLeft)">
+                                      <p:cBhvr>
+                                        <p:cTn id="13" dur="500"/>
+                                        <p:tgtEl>
+                                          <p:spTgt spid="3">
+                                            <p:txEl>
+                                              <p:pRg st="4" end="4"/>
+                                            </p:txEl>
+                                          </p:spTgt>
+                                        </p:tgtEl>
+                                      </p:cBhvr>
+                                    </p:animEffect>
+                                  </p:childTnLst>
+                                </p:cTn>
+                              </p:par>
+                              <p:par>
+                                <p:cTn id="14" presetID="18" presetClass="entr" presetSubtype="12" fill="hold" nodeType="withEffect">
+                                  <p:stCondLst>
+                                    <p:cond delay="0"/>
+                                  </p:stCondLst>
+                                  <p:childTnLst>
+                                    <p:set>
+                                      <p:cBhvr>
+                                        <p:cTn id="15" dur="1" fill="hold">
+                                          <p:stCondLst>
+                                            <p:cond delay="0"/>
+                                          </p:stCondLst>
+                                        </p:cTn>
+                                        <p:tgtEl>
+                                          <p:spTgt spid="3">
+                                            <p:txEl>
+                                              <p:pRg st="5" end="5"/>
+                                            </p:txEl>
+                                          </p:spTgt>
+                                        </p:tgtEl>
+                                        <p:attrNameLst>
+                                          <p:attrName>style.visibility</p:attrName>
+                                        </p:attrNameLst>
+                                      </p:cBhvr>
+                                      <p:to>
+                                        <p:strVal val="visible"/>
+                                      </p:to>
+                                    </p:set>
+                                    <p:animEffect transition="in" filter="strips(downLeft)">
+                                      <p:cBhvr>
+                                        <p:cTn id="16" dur="500"/>
+                                        <p:tgtEl>
+                                          <p:spTgt spid="3">
+                                            <p:txEl>
+                                              <p:pRg st="5" end="5"/>
+                                            </p:txEl>
+                                          </p:spTgt>
+                                        </p:tgtEl>
+                                      </p:cBhvr>
+                                    </p:animEffect>
+                                  </p:childTnLst>
+                                </p:cTn>
+                              </p:par>
+                              <p:par>
+                                <p:cTn id="17" presetID="18" presetClass="entr" presetSubtype="12" fill="hold" nodeType="withEffect">
+                                  <p:stCondLst>
+                                    <p:cond delay="0"/>
+                                  </p:stCondLst>
+                                  <p:childTnLst>
+                                    <p:set>
+                                      <p:cBhvr>
+                                        <p:cTn id="18" dur="1" fill="hold">
+                                          <p:stCondLst>
+                                            <p:cond delay="0"/>
+                                          </p:stCondLst>
+                                        </p:cTn>
+                                        <p:tgtEl>
+                                          <p:spTgt spid="3">
+                                            <p:txEl>
+                                              <p:pRg st="6" end="6"/>
+                                            </p:txEl>
+                                          </p:spTgt>
+                                        </p:tgtEl>
+                                        <p:attrNameLst>
+                                          <p:attrName>style.visibility</p:attrName>
+                                        </p:attrNameLst>
+                                      </p:cBhvr>
+                                      <p:to>
+                                        <p:strVal val="visible"/>
+                                      </p:to>
+                                    </p:set>
+                                    <p:animEffect transition="in" filter="strips(downLeft)">
+                                      <p:cBhvr>
+                                        <p:cTn id="19" dur="500"/>
+                                        <p:tgtEl>
+                                          <p:spTgt spid="3">
+                                            <p:txEl>
+                                              <p:pRg st="6" end="6"/>
+                                            </p:txEl>
+                                          </p:spTgt>
+                                        </p:tgtEl>
+                                      </p:cBhvr>
+                                    </p:animEffect>
+                                  </p:childTnLst>
+                                </p:cTn>
+                              </p:par>
+                            </p:childTnLst>
+                          </p:cTn>
+                        </p:par>
+                      </p:childTnLst>
+                    </p:cTn>
+                  </p:par>
+                </p:childTnLst>
+              </p:cTn>
+              <p:prevCondLst>
+                <p:cond evt="onPrev" delay="0">
+                  <p:tgtEl>
+                    <p:sldTgt/>
+                  </p:tgtEl>
+                </p:cond>
+              </p:prevCondLst>
+              <p:nextCondLst>
+                <p:cond evt="onNext" delay="0">
+                  <p:tgtEl>
+                    <p:sldTgt/>
+                  </p:tgtEl>
+                </p:cond>
+              </p:nextCondLst>
+            </p:seq>
+          </p:childTnLst>
+        </p:cTn>
+      </p:par>
+    </p:tnLst>
+  </p:timing>
 </p:sld>
 </file>
 
@@ -6157,6 +7873,13 @@
           <a:prstGeom prst="rect">
             <a:avLst/>
           </a:prstGeom>
+          <a:effectLst>
+            <a:outerShdw blurRad="50800" dist="38100" dir="2700000" algn="tl" rotWithShape="0">
+              <a:prstClr val="black">
+                <a:alpha val="40000"/>
+              </a:prstClr>
+            </a:outerShdw>
+          </a:effectLst>
         </p:spPr>
       </p:pic>
       <p:sp>
@@ -6167,7 +7890,7 @@
         </p:nvSpPr>
         <p:spPr>
           <a:xfrm>
-            <a:off x="3861435" y="2654300"/>
+            <a:off x="3145790" y="3408680"/>
             <a:ext cx="5901055" cy="583565"/>
           </a:xfrm>
           <a:prstGeom prst="rect">
@@ -6182,15 +7905,25 @@
           <a:p>
             <a:r>
               <a:rPr lang="en-US" sz="3200" b="1">
-                <a:solidFill>
-                  <a:srgbClr val="00B050"/>
+                <a:ln w="6350">
+                  <a:solidFill>
+                    <a:srgbClr val="00B0F0"/>
+                  </a:solidFill>
+                </a:ln>
+                <a:solidFill>
+                  <a:srgbClr val="FF6600"/>
                 </a:solidFill>
               </a:rPr>
               <a:t>Thank you for listening!</a:t>
             </a:r>
             <a:endParaRPr lang="en-US" sz="3200" b="1">
+              <a:ln w="6350">
+                <a:solidFill>
+                  <a:srgbClr val="00B0F0"/>
+                </a:solidFill>
+              </a:ln>
               <a:solidFill>
-                <a:srgbClr val="00B050"/>
+                <a:srgbClr val="FF6600"/>
               </a:solidFill>
             </a:endParaRPr>
           </a:p>
@@ -6478,6 +8211,17 @@
   <p:clrMapOvr>
     <a:masterClrMapping/>
   </p:clrMapOvr>
+  <p:timing>
+    <p:tnLst>
+      <p:par>
+        <p:cTn id="1" dur="indefinite" restart="never" nodeType="tmRoot"/>
+      </p:par>
+    </p:tnLst>
+    <p:bldLst>
+      <p:bldP spid="2" grpId="0"/>
+      <p:bldP spid="2" grpId="1"/>
+    </p:bldLst>
+  </p:timing>
 </p:sld>
 </file>
 
@@ -6938,6 +8682,365 @@
   <p:clrMapOvr>
     <a:masterClrMapping/>
   </p:clrMapOvr>
+  <p:timing>
+    <p:tnLst>
+      <p:par>
+        <p:cTn id="1" dur="indefinite" restart="never" nodeType="tmRoot">
+          <p:childTnLst>
+            <p:seq concurrent="1" nextAc="seek">
+              <p:cTn id="2" dur="indefinite" nodeType="mainSeq">
+                <p:childTnLst>
+                  <p:par>
+                    <p:cTn id="3" fill="hold">
+                      <p:stCondLst>
+                        <p:cond delay="indefinite"/>
+                      </p:stCondLst>
+                      <p:childTnLst>
+                        <p:par>
+                          <p:cTn id="4" fill="hold">
+                            <p:stCondLst>
+                              <p:cond delay="0"/>
+                            </p:stCondLst>
+                            <p:childTnLst>
+                              <p:par>
+                                <p:cTn id="5" presetID="18" presetClass="entr" presetSubtype="12" fill="hold" nodeType="clickEffect">
+                                  <p:stCondLst>
+                                    <p:cond delay="0"/>
+                                  </p:stCondLst>
+                                  <p:childTnLst>
+                                    <p:set>
+                                      <p:cBhvr>
+                                        <p:cTn id="6" dur="1" fill="hold">
+                                          <p:stCondLst>
+                                            <p:cond delay="0"/>
+                                          </p:stCondLst>
+                                        </p:cTn>
+                                        <p:tgtEl>
+                                          <p:spTgt spid="5"/>
+                                        </p:tgtEl>
+                                        <p:attrNameLst>
+                                          <p:attrName>style.visibility</p:attrName>
+                                        </p:attrNameLst>
+                                      </p:cBhvr>
+                                      <p:to>
+                                        <p:strVal val="visible"/>
+                                      </p:to>
+                                    </p:set>
+                                    <p:animEffect transition="in" filter="strips(downLeft)">
+                                      <p:cBhvr>
+                                        <p:cTn id="7" dur="500"/>
+                                        <p:tgtEl>
+                                          <p:spTgt spid="5"/>
+                                        </p:tgtEl>
+                                      </p:cBhvr>
+                                    </p:animEffect>
+                                  </p:childTnLst>
+                                </p:cTn>
+                              </p:par>
+                            </p:childTnLst>
+                          </p:cTn>
+                        </p:par>
+                      </p:childTnLst>
+                    </p:cTn>
+                  </p:par>
+                  <p:par>
+                    <p:cTn id="8" fill="hold">
+                      <p:stCondLst>
+                        <p:cond delay="indefinite"/>
+                      </p:stCondLst>
+                      <p:childTnLst>
+                        <p:par>
+                          <p:cTn id="9" fill="hold">
+                            <p:stCondLst>
+                              <p:cond delay="0"/>
+                            </p:stCondLst>
+                            <p:childTnLst>
+                              <p:par>
+                                <p:cTn id="10" presetID="6" presetClass="entr" presetSubtype="16" fill="hold" nodeType="clickEffect">
+                                  <p:stCondLst>
+                                    <p:cond delay="0"/>
+                                  </p:stCondLst>
+                                  <p:childTnLst>
+                                    <p:set>
+                                      <p:cBhvr>
+                                        <p:cTn id="11" dur="1" fill="hold">
+                                          <p:stCondLst>
+                                            <p:cond delay="0"/>
+                                          </p:stCondLst>
+                                        </p:cTn>
+                                        <p:tgtEl>
+                                          <p:spTgt spid="3">
+                                            <p:txEl>
+                                              <p:pRg st="1" end="1"/>
+                                            </p:txEl>
+                                          </p:spTgt>
+                                        </p:tgtEl>
+                                        <p:attrNameLst>
+                                          <p:attrName>style.visibility</p:attrName>
+                                        </p:attrNameLst>
+                                      </p:cBhvr>
+                                      <p:to>
+                                        <p:strVal val="visible"/>
+                                      </p:to>
+                                    </p:set>
+                                    <p:animEffect transition="in" filter="circle(in)">
+                                      <p:cBhvr>
+                                        <p:cTn id="12" dur="2000"/>
+                                        <p:tgtEl>
+                                          <p:spTgt spid="3">
+                                            <p:txEl>
+                                              <p:pRg st="1" end="1"/>
+                                            </p:txEl>
+                                          </p:spTgt>
+                                        </p:tgtEl>
+                                      </p:cBhvr>
+                                    </p:animEffect>
+                                  </p:childTnLst>
+                                </p:cTn>
+                              </p:par>
+                              <p:par>
+                                <p:cTn id="13" presetID="6" presetClass="entr" presetSubtype="16" fill="hold" nodeType="withEffect">
+                                  <p:stCondLst>
+                                    <p:cond delay="0"/>
+                                  </p:stCondLst>
+                                  <p:childTnLst>
+                                    <p:set>
+                                      <p:cBhvr>
+                                        <p:cTn id="14" dur="1" fill="hold">
+                                          <p:stCondLst>
+                                            <p:cond delay="0"/>
+                                          </p:stCondLst>
+                                        </p:cTn>
+                                        <p:tgtEl>
+                                          <p:spTgt spid="3">
+                                            <p:txEl>
+                                              <p:pRg st="2" end="2"/>
+                                            </p:txEl>
+                                          </p:spTgt>
+                                        </p:tgtEl>
+                                        <p:attrNameLst>
+                                          <p:attrName>style.visibility</p:attrName>
+                                        </p:attrNameLst>
+                                      </p:cBhvr>
+                                      <p:to>
+                                        <p:strVal val="visible"/>
+                                      </p:to>
+                                    </p:set>
+                                    <p:animEffect transition="in" filter="circle(in)">
+                                      <p:cBhvr>
+                                        <p:cTn id="15" dur="2000"/>
+                                        <p:tgtEl>
+                                          <p:spTgt spid="3">
+                                            <p:txEl>
+                                              <p:pRg st="2" end="2"/>
+                                            </p:txEl>
+                                          </p:spTgt>
+                                        </p:tgtEl>
+                                      </p:cBhvr>
+                                    </p:animEffect>
+                                  </p:childTnLst>
+                                </p:cTn>
+                              </p:par>
+                              <p:par>
+                                <p:cTn id="16" presetID="6" presetClass="entr" presetSubtype="16" fill="hold" nodeType="withEffect">
+                                  <p:stCondLst>
+                                    <p:cond delay="0"/>
+                                  </p:stCondLst>
+                                  <p:childTnLst>
+                                    <p:set>
+                                      <p:cBhvr>
+                                        <p:cTn id="17" dur="1" fill="hold">
+                                          <p:stCondLst>
+                                            <p:cond delay="0"/>
+                                          </p:stCondLst>
+                                        </p:cTn>
+                                        <p:tgtEl>
+                                          <p:spTgt spid="3">
+                                            <p:txEl>
+                                              <p:pRg st="3" end="3"/>
+                                            </p:txEl>
+                                          </p:spTgt>
+                                        </p:tgtEl>
+                                        <p:attrNameLst>
+                                          <p:attrName>style.visibility</p:attrName>
+                                        </p:attrNameLst>
+                                      </p:cBhvr>
+                                      <p:to>
+                                        <p:strVal val="visible"/>
+                                      </p:to>
+                                    </p:set>
+                                    <p:animEffect transition="in" filter="circle(in)">
+                                      <p:cBhvr>
+                                        <p:cTn id="18" dur="2000"/>
+                                        <p:tgtEl>
+                                          <p:spTgt spid="3">
+                                            <p:txEl>
+                                              <p:pRg st="3" end="3"/>
+                                            </p:txEl>
+                                          </p:spTgt>
+                                        </p:tgtEl>
+                                      </p:cBhvr>
+                                    </p:animEffect>
+                                  </p:childTnLst>
+                                </p:cTn>
+                              </p:par>
+                              <p:par>
+                                <p:cTn id="19" presetID="6" presetClass="entr" presetSubtype="16" fill="hold" nodeType="withEffect">
+                                  <p:stCondLst>
+                                    <p:cond delay="0"/>
+                                  </p:stCondLst>
+                                  <p:childTnLst>
+                                    <p:set>
+                                      <p:cBhvr>
+                                        <p:cTn id="20" dur="1" fill="hold">
+                                          <p:stCondLst>
+                                            <p:cond delay="0"/>
+                                          </p:stCondLst>
+                                        </p:cTn>
+                                        <p:tgtEl>
+                                          <p:spTgt spid="3">
+                                            <p:txEl>
+                                              <p:pRg st="4" end="4"/>
+                                            </p:txEl>
+                                          </p:spTgt>
+                                        </p:tgtEl>
+                                        <p:attrNameLst>
+                                          <p:attrName>style.visibility</p:attrName>
+                                        </p:attrNameLst>
+                                      </p:cBhvr>
+                                      <p:to>
+                                        <p:strVal val="visible"/>
+                                      </p:to>
+                                    </p:set>
+                                    <p:animEffect transition="in" filter="circle(in)">
+                                      <p:cBhvr>
+                                        <p:cTn id="21" dur="2000"/>
+                                        <p:tgtEl>
+                                          <p:spTgt spid="3">
+                                            <p:txEl>
+                                              <p:pRg st="4" end="4"/>
+                                            </p:txEl>
+                                          </p:spTgt>
+                                        </p:tgtEl>
+                                      </p:cBhvr>
+                                    </p:animEffect>
+                                  </p:childTnLst>
+                                </p:cTn>
+                              </p:par>
+                              <p:par>
+                                <p:cTn id="22" presetID="6" presetClass="entr" presetSubtype="16" fill="hold" nodeType="withEffect">
+                                  <p:stCondLst>
+                                    <p:cond delay="0"/>
+                                  </p:stCondLst>
+                                  <p:childTnLst>
+                                    <p:set>
+                                      <p:cBhvr>
+                                        <p:cTn id="23" dur="1" fill="hold">
+                                          <p:stCondLst>
+                                            <p:cond delay="0"/>
+                                          </p:stCondLst>
+                                        </p:cTn>
+                                        <p:tgtEl>
+                                          <p:spTgt spid="3">
+                                            <p:txEl>
+                                              <p:pRg st="5" end="5"/>
+                                            </p:txEl>
+                                          </p:spTgt>
+                                        </p:tgtEl>
+                                        <p:attrNameLst>
+                                          <p:attrName>style.visibility</p:attrName>
+                                        </p:attrNameLst>
+                                      </p:cBhvr>
+                                      <p:to>
+                                        <p:strVal val="visible"/>
+                                      </p:to>
+                                    </p:set>
+                                    <p:animEffect transition="in" filter="circle(in)">
+                                      <p:cBhvr>
+                                        <p:cTn id="24" dur="2000"/>
+                                        <p:tgtEl>
+                                          <p:spTgt spid="3">
+                                            <p:txEl>
+                                              <p:pRg st="5" end="5"/>
+                                            </p:txEl>
+                                          </p:spTgt>
+                                        </p:tgtEl>
+                                      </p:cBhvr>
+                                    </p:animEffect>
+                                  </p:childTnLst>
+                                </p:cTn>
+                              </p:par>
+                              <p:par>
+                                <p:cTn id="25" presetID="6" presetClass="entr" presetSubtype="16" fill="hold" nodeType="withEffect">
+                                  <p:stCondLst>
+                                    <p:cond delay="0"/>
+                                  </p:stCondLst>
+                                  <p:childTnLst>
+                                    <p:set>
+                                      <p:cBhvr>
+                                        <p:cTn id="26" dur="1" fill="hold">
+                                          <p:stCondLst>
+                                            <p:cond delay="0"/>
+                                          </p:stCondLst>
+                                        </p:cTn>
+                                        <p:tgtEl>
+                                          <p:spTgt spid="3">
+                                            <p:txEl>
+                                              <p:pRg st="6" end="6"/>
+                                            </p:txEl>
+                                          </p:spTgt>
+                                        </p:tgtEl>
+                                        <p:attrNameLst>
+                                          <p:attrName>style.visibility</p:attrName>
+                                        </p:attrNameLst>
+                                      </p:cBhvr>
+                                      <p:to>
+                                        <p:strVal val="visible"/>
+                                      </p:to>
+                                    </p:set>
+                                    <p:animEffect transition="in" filter="circle(in)">
+                                      <p:cBhvr>
+                                        <p:cTn id="27" dur="2000"/>
+                                        <p:tgtEl>
+                                          <p:spTgt spid="3">
+                                            <p:txEl>
+                                              <p:pRg st="6" end="6"/>
+                                            </p:txEl>
+                                          </p:spTgt>
+                                        </p:tgtEl>
+                                      </p:cBhvr>
+                                    </p:animEffect>
+                                  </p:childTnLst>
+                                </p:cTn>
+                              </p:par>
+                            </p:childTnLst>
+                          </p:cTn>
+                        </p:par>
+                      </p:childTnLst>
+                    </p:cTn>
+                  </p:par>
+                </p:childTnLst>
+              </p:cTn>
+              <p:prevCondLst>
+                <p:cond evt="onPrev" delay="0">
+                  <p:tgtEl>
+                    <p:sldTgt/>
+                  </p:tgtEl>
+                </p:cond>
+              </p:prevCondLst>
+              <p:nextCondLst>
+                <p:cond evt="onNext" delay="0">
+                  <p:tgtEl>
+                    <p:sldTgt/>
+                  </p:tgtEl>
+                </p:cond>
+              </p:nextCondLst>
+            </p:seq>
+          </p:childTnLst>
+        </p:cTn>
+      </p:par>
+    </p:tnLst>
+  </p:timing>
 </p:sld>
 </file>
 
@@ -7025,6 +9128,158 @@
   <p:clrMapOvr>
     <a:masterClrMapping/>
   </p:clrMapOvr>
+  <p:timing>
+    <p:tnLst>
+      <p:par>
+        <p:cTn id="1" dur="indefinite" restart="never" nodeType="tmRoot">
+          <p:childTnLst>
+            <p:seq concurrent="1" nextAc="seek">
+              <p:cTn id="2" dur="indefinite" nodeType="mainSeq">
+                <p:childTnLst>
+                  <p:par>
+                    <p:cTn id="3" fill="hold">
+                      <p:stCondLst>
+                        <p:cond delay="indefinite"/>
+                      </p:stCondLst>
+                      <p:childTnLst>
+                        <p:par>
+                          <p:cTn id="4" fill="hold">
+                            <p:stCondLst>
+                              <p:cond delay="0"/>
+                            </p:stCondLst>
+                            <p:childTnLst>
+                              <p:par>
+                                <p:cTn id="5" presetID="18" presetClass="entr" presetSubtype="12" fill="hold" nodeType="clickEffect">
+                                  <p:stCondLst>
+                                    <p:cond delay="0"/>
+                                  </p:stCondLst>
+                                  <p:childTnLst>
+                                    <p:set>
+                                      <p:cBhvr>
+                                        <p:cTn id="6" dur="1" fill="hold">
+                                          <p:stCondLst>
+                                            <p:cond delay="0"/>
+                                          </p:stCondLst>
+                                        </p:cTn>
+                                        <p:tgtEl>
+                                          <p:spTgt spid="3">
+                                            <p:txEl>
+                                              <p:pRg st="0" end="0"/>
+                                            </p:txEl>
+                                          </p:spTgt>
+                                        </p:tgtEl>
+                                        <p:attrNameLst>
+                                          <p:attrName>style.visibility</p:attrName>
+                                        </p:attrNameLst>
+                                      </p:cBhvr>
+                                      <p:to>
+                                        <p:strVal val="visible"/>
+                                      </p:to>
+                                    </p:set>
+                                    <p:animEffect transition="in" filter="strips(downLeft)">
+                                      <p:cBhvr>
+                                        <p:cTn id="7" dur="500"/>
+                                        <p:tgtEl>
+                                          <p:spTgt spid="3">
+                                            <p:txEl>
+                                              <p:pRg st="0" end="0"/>
+                                            </p:txEl>
+                                          </p:spTgt>
+                                        </p:tgtEl>
+                                      </p:cBhvr>
+                                    </p:animEffect>
+                                  </p:childTnLst>
+                                </p:cTn>
+                              </p:par>
+                            </p:childTnLst>
+                          </p:cTn>
+                        </p:par>
+                      </p:childTnLst>
+                    </p:cTn>
+                  </p:par>
+                  <p:par>
+                    <p:cTn id="8" fill="hold">
+                      <p:stCondLst>
+                        <p:cond delay="indefinite"/>
+                      </p:stCondLst>
+                      <p:childTnLst>
+                        <p:par>
+                          <p:cTn id="9" fill="hold">
+                            <p:stCondLst>
+                              <p:cond delay="0"/>
+                            </p:stCondLst>
+                            <p:childTnLst>
+                              <p:par>
+                                <p:cTn id="10" presetID="22" presetClass="entr" presetSubtype="4" fill="hold" nodeType="clickEffect">
+                                  <p:stCondLst>
+                                    <p:cond delay="0"/>
+                                  </p:stCondLst>
+                                  <p:childTnLst>
+                                    <p:set>
+                                      <p:cBhvr>
+                                        <p:cTn id="11" dur="1" fill="hold">
+                                          <p:stCondLst>
+                                            <p:cond delay="0"/>
+                                          </p:stCondLst>
+                                        </p:cTn>
+                                        <p:tgtEl>
+                                          <p:spTgt spid="3">
+                                            <p:txEl>
+                                              <p:pRg st="1" end="1"/>
+                                            </p:txEl>
+                                          </p:spTgt>
+                                        </p:tgtEl>
+                                        <p:attrNameLst>
+                                          <p:attrName>style.visibility</p:attrName>
+                                        </p:attrNameLst>
+                                      </p:cBhvr>
+                                      <p:to>
+                                        <p:strVal val="visible"/>
+                                      </p:to>
+                                    </p:set>
+                                    <p:animEffect transition="in" filter="wipe(down)">
+                                      <p:cBhvr>
+                                        <p:cTn id="12" dur="500"/>
+                                        <p:tgtEl>
+                                          <p:spTgt spid="3">
+                                            <p:txEl>
+                                              <p:pRg st="1" end="1"/>
+                                            </p:txEl>
+                                          </p:spTgt>
+                                        </p:tgtEl>
+                                      </p:cBhvr>
+                                    </p:animEffect>
+                                  </p:childTnLst>
+                                </p:cTn>
+                              </p:par>
+                            </p:childTnLst>
+                          </p:cTn>
+                        </p:par>
+                      </p:childTnLst>
+                    </p:cTn>
+                  </p:par>
+                </p:childTnLst>
+              </p:cTn>
+              <p:prevCondLst>
+                <p:cond evt="onPrev" delay="0">
+                  <p:tgtEl>
+                    <p:sldTgt/>
+                  </p:tgtEl>
+                </p:cond>
+              </p:prevCondLst>
+              <p:nextCondLst>
+                <p:cond evt="onNext" delay="0">
+                  <p:tgtEl>
+                    <p:sldTgt/>
+                  </p:tgtEl>
+                </p:cond>
+              </p:nextCondLst>
+            </p:seq>
+          </p:childTnLst>
+        </p:cTn>
+      </p:par>
+    </p:tnLst>
+  </p:timing>
 </p:sld>
 </file>
 
@@ -7179,6 +9434,312 @@
   <p:clrMapOvr>
     <a:masterClrMapping/>
   </p:clrMapOvr>
+  <p:timing>
+    <p:tnLst>
+      <p:par>
+        <p:cTn id="1" dur="indefinite" restart="never" nodeType="tmRoot">
+          <p:childTnLst>
+            <p:seq concurrent="1" nextAc="seek">
+              <p:cTn id="2" dur="indefinite" nodeType="mainSeq">
+                <p:childTnLst>
+                  <p:par>
+                    <p:cTn id="3" fill="hold">
+                      <p:stCondLst>
+                        <p:cond delay="indefinite"/>
+                      </p:stCondLst>
+                      <p:childTnLst>
+                        <p:par>
+                          <p:cTn id="4" fill="hold">
+                            <p:stCondLst>
+                              <p:cond delay="0"/>
+                            </p:stCondLst>
+                            <p:childTnLst>
+                              <p:par>
+                                <p:cTn id="5" presetID="18" presetClass="entr" presetSubtype="12" fill="hold" nodeType="clickEffect">
+                                  <p:stCondLst>
+                                    <p:cond delay="0"/>
+                                  </p:stCondLst>
+                                  <p:childTnLst>
+                                    <p:set>
+                                      <p:cBhvr>
+                                        <p:cTn id="6" dur="1" fill="hold">
+                                          <p:stCondLst>
+                                            <p:cond delay="0"/>
+                                          </p:stCondLst>
+                                        </p:cTn>
+                                        <p:tgtEl>
+                                          <p:spTgt spid="3">
+                                            <p:txEl>
+                                              <p:pRg st="1" end="1"/>
+                                            </p:txEl>
+                                          </p:spTgt>
+                                        </p:tgtEl>
+                                        <p:attrNameLst>
+                                          <p:attrName>style.visibility</p:attrName>
+                                        </p:attrNameLst>
+                                      </p:cBhvr>
+                                      <p:to>
+                                        <p:strVal val="visible"/>
+                                      </p:to>
+                                    </p:set>
+                                    <p:animEffect transition="in" filter="strips(downLeft)">
+                                      <p:cBhvr>
+                                        <p:cTn id="7" dur="500"/>
+                                        <p:tgtEl>
+                                          <p:spTgt spid="3">
+                                            <p:txEl>
+                                              <p:pRg st="1" end="1"/>
+                                            </p:txEl>
+                                          </p:spTgt>
+                                        </p:tgtEl>
+                                      </p:cBhvr>
+                                    </p:animEffect>
+                                  </p:childTnLst>
+                                </p:cTn>
+                              </p:par>
+                              <p:par>
+                                <p:cTn id="8" presetID="18" presetClass="entr" presetSubtype="12" fill="hold" nodeType="withEffect">
+                                  <p:stCondLst>
+                                    <p:cond delay="0"/>
+                                  </p:stCondLst>
+                                  <p:childTnLst>
+                                    <p:set>
+                                      <p:cBhvr>
+                                        <p:cTn id="9" dur="1" fill="hold">
+                                          <p:stCondLst>
+                                            <p:cond delay="0"/>
+                                          </p:stCondLst>
+                                        </p:cTn>
+                                        <p:tgtEl>
+                                          <p:spTgt spid="3">
+                                            <p:txEl>
+                                              <p:pRg st="2" end="2"/>
+                                            </p:txEl>
+                                          </p:spTgt>
+                                        </p:tgtEl>
+                                        <p:attrNameLst>
+                                          <p:attrName>style.visibility</p:attrName>
+                                        </p:attrNameLst>
+                                      </p:cBhvr>
+                                      <p:to>
+                                        <p:strVal val="visible"/>
+                                      </p:to>
+                                    </p:set>
+                                    <p:animEffect transition="in" filter="strips(downLeft)">
+                                      <p:cBhvr>
+                                        <p:cTn id="10" dur="500"/>
+                                        <p:tgtEl>
+                                          <p:spTgt spid="3">
+                                            <p:txEl>
+                                              <p:pRg st="2" end="2"/>
+                                            </p:txEl>
+                                          </p:spTgt>
+                                        </p:tgtEl>
+                                      </p:cBhvr>
+                                    </p:animEffect>
+                                  </p:childTnLst>
+                                </p:cTn>
+                              </p:par>
+                              <p:par>
+                                <p:cTn id="11" presetID="18" presetClass="entr" presetSubtype="12" fill="hold" nodeType="withEffect">
+                                  <p:stCondLst>
+                                    <p:cond delay="0"/>
+                                  </p:stCondLst>
+                                  <p:childTnLst>
+                                    <p:set>
+                                      <p:cBhvr>
+                                        <p:cTn id="12" dur="1" fill="hold">
+                                          <p:stCondLst>
+                                            <p:cond delay="0"/>
+                                          </p:stCondLst>
+                                        </p:cTn>
+                                        <p:tgtEl>
+                                          <p:spTgt spid="3">
+                                            <p:txEl>
+                                              <p:pRg st="3" end="3"/>
+                                            </p:txEl>
+                                          </p:spTgt>
+                                        </p:tgtEl>
+                                        <p:attrNameLst>
+                                          <p:attrName>style.visibility</p:attrName>
+                                        </p:attrNameLst>
+                                      </p:cBhvr>
+                                      <p:to>
+                                        <p:strVal val="visible"/>
+                                      </p:to>
+                                    </p:set>
+                                    <p:animEffect transition="in" filter="strips(downLeft)">
+                                      <p:cBhvr>
+                                        <p:cTn id="13" dur="500"/>
+                                        <p:tgtEl>
+                                          <p:spTgt spid="3">
+                                            <p:txEl>
+                                              <p:pRg st="3" end="3"/>
+                                            </p:txEl>
+                                          </p:spTgt>
+                                        </p:tgtEl>
+                                      </p:cBhvr>
+                                    </p:animEffect>
+                                  </p:childTnLst>
+                                </p:cTn>
+                              </p:par>
+                              <p:par>
+                                <p:cTn id="14" presetID="18" presetClass="entr" presetSubtype="12" fill="hold" nodeType="withEffect">
+                                  <p:stCondLst>
+                                    <p:cond delay="0"/>
+                                  </p:stCondLst>
+                                  <p:childTnLst>
+                                    <p:set>
+                                      <p:cBhvr>
+                                        <p:cTn id="15" dur="1" fill="hold">
+                                          <p:stCondLst>
+                                            <p:cond delay="0"/>
+                                          </p:stCondLst>
+                                        </p:cTn>
+                                        <p:tgtEl>
+                                          <p:spTgt spid="3">
+                                            <p:txEl>
+                                              <p:pRg st="4" end="4"/>
+                                            </p:txEl>
+                                          </p:spTgt>
+                                        </p:tgtEl>
+                                        <p:attrNameLst>
+                                          <p:attrName>style.visibility</p:attrName>
+                                        </p:attrNameLst>
+                                      </p:cBhvr>
+                                      <p:to>
+                                        <p:strVal val="visible"/>
+                                      </p:to>
+                                    </p:set>
+                                    <p:animEffect transition="in" filter="strips(downLeft)">
+                                      <p:cBhvr>
+                                        <p:cTn id="16" dur="500"/>
+                                        <p:tgtEl>
+                                          <p:spTgt spid="3">
+                                            <p:txEl>
+                                              <p:pRg st="4" end="4"/>
+                                            </p:txEl>
+                                          </p:spTgt>
+                                        </p:tgtEl>
+                                      </p:cBhvr>
+                                    </p:animEffect>
+                                  </p:childTnLst>
+                                </p:cTn>
+                              </p:par>
+                              <p:par>
+                                <p:cTn id="17" presetID="18" presetClass="entr" presetSubtype="12" fill="hold" nodeType="withEffect">
+                                  <p:stCondLst>
+                                    <p:cond delay="0"/>
+                                  </p:stCondLst>
+                                  <p:childTnLst>
+                                    <p:set>
+                                      <p:cBhvr>
+                                        <p:cTn id="18" dur="1" fill="hold">
+                                          <p:stCondLst>
+                                            <p:cond delay="0"/>
+                                          </p:stCondLst>
+                                        </p:cTn>
+                                        <p:tgtEl>
+                                          <p:spTgt spid="3">
+                                            <p:txEl>
+                                              <p:pRg st="5" end="5"/>
+                                            </p:txEl>
+                                          </p:spTgt>
+                                        </p:tgtEl>
+                                        <p:attrNameLst>
+                                          <p:attrName>style.visibility</p:attrName>
+                                        </p:attrNameLst>
+                                      </p:cBhvr>
+                                      <p:to>
+                                        <p:strVal val="visible"/>
+                                      </p:to>
+                                    </p:set>
+                                    <p:animEffect transition="in" filter="strips(downLeft)">
+                                      <p:cBhvr>
+                                        <p:cTn id="19" dur="500"/>
+                                        <p:tgtEl>
+                                          <p:spTgt spid="3">
+                                            <p:txEl>
+                                              <p:pRg st="5" end="5"/>
+                                            </p:txEl>
+                                          </p:spTgt>
+                                        </p:tgtEl>
+                                      </p:cBhvr>
+                                    </p:animEffect>
+                                  </p:childTnLst>
+                                </p:cTn>
+                              </p:par>
+                              <p:par>
+                                <p:cTn id="20" presetID="18" presetClass="entr" presetSubtype="12" fill="hold" nodeType="withEffect">
+                                  <p:stCondLst>
+                                    <p:cond delay="0"/>
+                                  </p:stCondLst>
+                                  <p:childTnLst>
+                                    <p:set>
+                                      <p:cBhvr>
+                                        <p:cTn id="21" dur="1" fill="hold">
+                                          <p:stCondLst>
+                                            <p:cond delay="0"/>
+                                          </p:stCondLst>
+                                        </p:cTn>
+                                        <p:tgtEl>
+                                          <p:spTgt spid="3">
+                                            <p:txEl>
+                                              <p:pRg st="6" end="6"/>
+                                            </p:txEl>
+                                          </p:spTgt>
+                                        </p:tgtEl>
+                                        <p:attrNameLst>
+                                          <p:attrName>style.visibility</p:attrName>
+                                        </p:attrNameLst>
+                                      </p:cBhvr>
+                                      <p:to>
+                                        <p:strVal val="visible"/>
+                                      </p:to>
+                                    </p:set>
+                                    <p:animEffect transition="in" filter="strips(downLeft)">
+                                      <p:cBhvr>
+                                        <p:cTn id="22" dur="500"/>
+                                        <p:tgtEl>
+                                          <p:spTgt spid="3">
+                                            <p:txEl>
+                                              <p:pRg st="6" end="6"/>
+                                            </p:txEl>
+                                          </p:spTgt>
+                                        </p:tgtEl>
+                                      </p:cBhvr>
+                                    </p:animEffect>
+                                  </p:childTnLst>
+                                </p:cTn>
+                              </p:par>
+                            </p:childTnLst>
+                          </p:cTn>
+                        </p:par>
+                      </p:childTnLst>
+                    </p:cTn>
+                  </p:par>
+                </p:childTnLst>
+              </p:cTn>
+              <p:prevCondLst>
+                <p:cond evt="onPrev" delay="0">
+                  <p:tgtEl>
+                    <p:sldTgt/>
+                  </p:tgtEl>
+                </p:cond>
+              </p:prevCondLst>
+              <p:nextCondLst>
+                <p:cond evt="onNext" delay="0">
+                  <p:tgtEl>
+                    <p:sldTgt/>
+                  </p:tgtEl>
+                </p:cond>
+              </p:nextCondLst>
+            </p:seq>
+          </p:childTnLst>
+        </p:cTn>
+      </p:par>
+    </p:tnLst>
+  </p:timing>
 </p:sld>
 </file>
 
@@ -7349,6 +9910,226 @@
   <p:clrMapOvr>
     <a:masterClrMapping/>
   </p:clrMapOvr>
+  <p:timing>
+    <p:tnLst>
+      <p:par>
+        <p:cTn id="1" dur="indefinite" restart="never" nodeType="tmRoot">
+          <p:childTnLst>
+            <p:seq concurrent="1" nextAc="seek">
+              <p:cTn id="2" dur="indefinite" nodeType="mainSeq">
+                <p:childTnLst>
+                  <p:par>
+                    <p:cTn id="3" fill="hold">
+                      <p:stCondLst>
+                        <p:cond delay="indefinite"/>
+                      </p:stCondLst>
+                      <p:childTnLst>
+                        <p:par>
+                          <p:cTn id="4" fill="hold">
+                            <p:stCondLst>
+                              <p:cond delay="0"/>
+                            </p:stCondLst>
+                            <p:childTnLst>
+                              <p:par>
+                                <p:cTn id="5" presetID="18" presetClass="entr" presetSubtype="12" fill="hold" nodeType="clickEffect">
+                                  <p:stCondLst>
+                                    <p:cond delay="0"/>
+                                  </p:stCondLst>
+                                  <p:childTnLst>
+                                    <p:set>
+                                      <p:cBhvr>
+                                        <p:cTn id="6" dur="1" fill="hold">
+                                          <p:stCondLst>
+                                            <p:cond delay="0"/>
+                                          </p:stCondLst>
+                                        </p:cTn>
+                                        <p:tgtEl>
+                                          <p:spTgt spid="3">
+                                            <p:txEl>
+                                              <p:pRg st="1" end="1"/>
+                                            </p:txEl>
+                                          </p:spTgt>
+                                        </p:tgtEl>
+                                        <p:attrNameLst>
+                                          <p:attrName>style.visibility</p:attrName>
+                                        </p:attrNameLst>
+                                      </p:cBhvr>
+                                      <p:to>
+                                        <p:strVal val="visible"/>
+                                      </p:to>
+                                    </p:set>
+                                    <p:animEffect transition="in" filter="strips(downLeft)">
+                                      <p:cBhvr>
+                                        <p:cTn id="7" dur="500"/>
+                                        <p:tgtEl>
+                                          <p:spTgt spid="3">
+                                            <p:txEl>
+                                              <p:pRg st="1" end="1"/>
+                                            </p:txEl>
+                                          </p:spTgt>
+                                        </p:tgtEl>
+                                      </p:cBhvr>
+                                    </p:animEffect>
+                                  </p:childTnLst>
+                                </p:cTn>
+                              </p:par>
+                              <p:par>
+                                <p:cTn id="8" presetID="18" presetClass="entr" presetSubtype="12" fill="hold" nodeType="withEffect">
+                                  <p:stCondLst>
+                                    <p:cond delay="0"/>
+                                  </p:stCondLst>
+                                  <p:childTnLst>
+                                    <p:set>
+                                      <p:cBhvr>
+                                        <p:cTn id="9" dur="1" fill="hold">
+                                          <p:stCondLst>
+                                            <p:cond delay="0"/>
+                                          </p:stCondLst>
+                                        </p:cTn>
+                                        <p:tgtEl>
+                                          <p:spTgt spid="3">
+                                            <p:txEl>
+                                              <p:pRg st="2" end="2"/>
+                                            </p:txEl>
+                                          </p:spTgt>
+                                        </p:tgtEl>
+                                        <p:attrNameLst>
+                                          <p:attrName>style.visibility</p:attrName>
+                                        </p:attrNameLst>
+                                      </p:cBhvr>
+                                      <p:to>
+                                        <p:strVal val="visible"/>
+                                      </p:to>
+                                    </p:set>
+                                    <p:animEffect transition="in" filter="strips(downLeft)">
+                                      <p:cBhvr>
+                                        <p:cTn id="10" dur="500"/>
+                                        <p:tgtEl>
+                                          <p:spTgt spid="3">
+                                            <p:txEl>
+                                              <p:pRg st="2" end="2"/>
+                                            </p:txEl>
+                                          </p:spTgt>
+                                        </p:tgtEl>
+                                      </p:cBhvr>
+                                    </p:animEffect>
+                                  </p:childTnLst>
+                                </p:cTn>
+                              </p:par>
+                              <p:par>
+                                <p:cTn id="11" presetID="18" presetClass="entr" presetSubtype="12" fill="hold" nodeType="withEffect">
+                                  <p:stCondLst>
+                                    <p:cond delay="0"/>
+                                  </p:stCondLst>
+                                  <p:childTnLst>
+                                    <p:set>
+                                      <p:cBhvr>
+                                        <p:cTn id="12" dur="1" fill="hold">
+                                          <p:stCondLst>
+                                            <p:cond delay="0"/>
+                                          </p:stCondLst>
+                                        </p:cTn>
+                                        <p:tgtEl>
+                                          <p:spTgt spid="3">
+                                            <p:txEl>
+                                              <p:pRg st="3" end="3"/>
+                                            </p:txEl>
+                                          </p:spTgt>
+                                        </p:tgtEl>
+                                        <p:attrNameLst>
+                                          <p:attrName>style.visibility</p:attrName>
+                                        </p:attrNameLst>
+                                      </p:cBhvr>
+                                      <p:to>
+                                        <p:strVal val="visible"/>
+                                      </p:to>
+                                    </p:set>
+                                    <p:animEffect transition="in" filter="strips(downLeft)">
+                                      <p:cBhvr>
+                                        <p:cTn id="13" dur="500"/>
+                                        <p:tgtEl>
+                                          <p:spTgt spid="3">
+                                            <p:txEl>
+                                              <p:pRg st="3" end="3"/>
+                                            </p:txEl>
+                                          </p:spTgt>
+                                        </p:tgtEl>
+                                      </p:cBhvr>
+                                    </p:animEffect>
+                                  </p:childTnLst>
+                                </p:cTn>
+                              </p:par>
+                              <p:par>
+                                <p:cTn id="14" presetID="18" presetClass="entr" presetSubtype="12" fill="hold" nodeType="withEffect">
+                                  <p:stCondLst>
+                                    <p:cond delay="0"/>
+                                  </p:stCondLst>
+                                  <p:childTnLst>
+                                    <p:set>
+                                      <p:cBhvr>
+                                        <p:cTn id="15" dur="1" fill="hold">
+                                          <p:stCondLst>
+                                            <p:cond delay="0"/>
+                                          </p:stCondLst>
+                                        </p:cTn>
+                                        <p:tgtEl>
+                                          <p:spTgt spid="3">
+                                            <p:txEl>
+                                              <p:pRg st="4" end="4"/>
+                                            </p:txEl>
+                                          </p:spTgt>
+                                        </p:tgtEl>
+                                        <p:attrNameLst>
+                                          <p:attrName>style.visibility</p:attrName>
+                                        </p:attrNameLst>
+                                      </p:cBhvr>
+                                      <p:to>
+                                        <p:strVal val="visible"/>
+                                      </p:to>
+                                    </p:set>
+                                    <p:animEffect transition="in" filter="strips(downLeft)">
+                                      <p:cBhvr>
+                                        <p:cTn id="16" dur="500"/>
+                                        <p:tgtEl>
+                                          <p:spTgt spid="3">
+                                            <p:txEl>
+                                              <p:pRg st="4" end="4"/>
+                                            </p:txEl>
+                                          </p:spTgt>
+                                        </p:tgtEl>
+                                      </p:cBhvr>
+                                    </p:animEffect>
+                                  </p:childTnLst>
+                                </p:cTn>
+                              </p:par>
+                            </p:childTnLst>
+                          </p:cTn>
+                        </p:par>
+                      </p:childTnLst>
+                    </p:cTn>
+                  </p:par>
+                </p:childTnLst>
+              </p:cTn>
+              <p:prevCondLst>
+                <p:cond evt="onPrev" delay="0">
+                  <p:tgtEl>
+                    <p:sldTgt/>
+                  </p:tgtEl>
+                </p:cond>
+              </p:prevCondLst>
+              <p:nextCondLst>
+                <p:cond evt="onNext" delay="0">
+                  <p:tgtEl>
+                    <p:sldTgt/>
+                  </p:tgtEl>
+                </p:cond>
+              </p:nextCondLst>
+            </p:seq>
+          </p:childTnLst>
+        </p:cTn>
+      </p:par>
+    </p:tnLst>
+  </p:timing>
 </p:sld>
 </file>
 
@@ -7552,6 +10333,13 @@
   <p:clrMapOvr>
     <a:masterClrMapping/>
   </p:clrMapOvr>
+  <p:timing>
+    <p:tnLst>
+      <p:par>
+        <p:cTn id="1" dur="indefinite" restart="never" nodeType="tmRoot"/>
+      </p:par>
+    </p:tnLst>
+  </p:timing>
 </p:sld>
 </file>
 

--- a/DesignPatterns/slide_Design_Pattern.pptx
+++ b/DesignPatterns/slide_Design_Pattern.pptx
@@ -1126,7 +1126,7 @@
               <a:effectLst/>
               <a:uLnTx/>
               <a:uFillTx/>
-              <a:latin typeface="Arial" panose="02080604020202020204" pitchFamily="34" charset="0"/>
+              <a:latin typeface="Arial" panose="020B0604020202020204" pitchFamily="34" charset="0"/>
               <a:ea typeface="SimSun" pitchFamily="2" charset="-122"/>
               <a:cs typeface="+mn-cs"/>
             </a:endParaRPr>
@@ -1173,7 +1173,7 @@
               <a:effectLst/>
               <a:uLnTx/>
               <a:uFillTx/>
-              <a:latin typeface="Arial" panose="02080604020202020204" pitchFamily="34" charset="0"/>
+              <a:latin typeface="Arial" panose="020B0604020202020204" pitchFamily="34" charset="0"/>
               <a:ea typeface="SimSun" pitchFamily="2" charset="-122"/>
               <a:cs typeface="+mn-cs"/>
             </a:endParaRPr>
@@ -1221,7 +1221,7 @@
                 <a:effectLst/>
                 <a:uLnTx/>
                 <a:uFillTx/>
-                <a:latin typeface="Arial" panose="02080604020202020204" pitchFamily="34" charset="0"/>
+                <a:latin typeface="Arial" panose="020B0604020202020204" pitchFamily="34" charset="0"/>
                 <a:ea typeface="SimSun" pitchFamily="2" charset="-122"/>
                 <a:cs typeface="+mn-cs"/>
               </a:rPr>
@@ -1236,7 +1236,7 @@
               <a:effectLst/>
               <a:uLnTx/>
               <a:uFillTx/>
-              <a:latin typeface="Arial" panose="02080604020202020204" pitchFamily="34" charset="0"/>
+              <a:latin typeface="Arial" panose="020B0604020202020204" pitchFamily="34" charset="0"/>
               <a:ea typeface="SimSun" pitchFamily="2" charset="-122"/>
               <a:cs typeface="+mn-cs"/>
             </a:endParaRPr>
@@ -2814,7 +2814,7 @@
               <a:effectLst/>
               <a:uLnTx/>
               <a:uFillTx/>
-              <a:latin typeface="Arial" panose="02080604020202020204" pitchFamily="34" charset="0"/>
+              <a:latin typeface="Arial" panose="020B0604020202020204" pitchFamily="34" charset="0"/>
               <a:ea typeface="SimSun" pitchFamily="2" charset="-122"/>
               <a:cs typeface="+mn-cs"/>
             </a:endParaRPr>
@@ -2861,7 +2861,7 @@
               <a:effectLst/>
               <a:uLnTx/>
               <a:uFillTx/>
-              <a:latin typeface="Arial" panose="02080604020202020204" pitchFamily="34" charset="0"/>
+              <a:latin typeface="Arial" panose="020B0604020202020204" pitchFamily="34" charset="0"/>
               <a:ea typeface="SimSun" pitchFamily="2" charset="-122"/>
               <a:cs typeface="+mn-cs"/>
             </a:endParaRPr>
@@ -2909,7 +2909,7 @@
                 <a:effectLst/>
                 <a:uLnTx/>
                 <a:uFillTx/>
-                <a:latin typeface="Arial" panose="02080604020202020204" pitchFamily="34" charset="0"/>
+                <a:latin typeface="Arial" panose="020B0604020202020204" pitchFamily="34" charset="0"/>
                 <a:ea typeface="SimSun" pitchFamily="2" charset="-122"/>
                 <a:cs typeface="+mn-cs"/>
               </a:rPr>
@@ -2924,7 +2924,7 @@
               <a:effectLst/>
               <a:uLnTx/>
               <a:uFillTx/>
-              <a:latin typeface="Arial" panose="02080604020202020204" pitchFamily="34" charset="0"/>
+              <a:latin typeface="Arial" panose="020B0604020202020204" pitchFamily="34" charset="0"/>
               <a:ea typeface="SimSun" pitchFamily="2" charset="-122"/>
               <a:cs typeface="+mn-cs"/>
             </a:endParaRPr>
@@ -3636,7 +3636,7 @@
           <a:solidFill>
             <a:schemeClr val="tx1"/>
           </a:solidFill>
-          <a:latin typeface="Arial" panose="02080604020202020204" pitchFamily="34" charset="0"/>
+          <a:latin typeface="Arial" panose="020B0604020202020204" pitchFamily="34" charset="0"/>
           <a:ea typeface="SimSun" pitchFamily="2" charset="-122"/>
         </a:defRPr>
       </a:lvl2pPr>
@@ -3651,7 +3651,7 @@
           <a:solidFill>
             <a:schemeClr val="tx1"/>
           </a:solidFill>
-          <a:latin typeface="Arial" panose="02080604020202020204" pitchFamily="34" charset="0"/>
+          <a:latin typeface="Arial" panose="020B0604020202020204" pitchFamily="34" charset="0"/>
           <a:ea typeface="SimSun" pitchFamily="2" charset="-122"/>
         </a:defRPr>
       </a:lvl3pPr>
@@ -3666,7 +3666,7 @@
           <a:solidFill>
             <a:schemeClr val="tx1"/>
           </a:solidFill>
-          <a:latin typeface="Arial" panose="02080604020202020204" pitchFamily="34" charset="0"/>
+          <a:latin typeface="Arial" panose="020B0604020202020204" pitchFamily="34" charset="0"/>
           <a:ea typeface="SimSun" pitchFamily="2" charset="-122"/>
         </a:defRPr>
       </a:lvl4pPr>
@@ -3681,7 +3681,7 @@
           <a:solidFill>
             <a:schemeClr val="tx1"/>
           </a:solidFill>
-          <a:latin typeface="Arial" panose="02080604020202020204" pitchFamily="34" charset="0"/>
+          <a:latin typeface="Arial" panose="020B0604020202020204" pitchFamily="34" charset="0"/>
           <a:ea typeface="SimSun" pitchFamily="2" charset="-122"/>
         </a:defRPr>
       </a:lvl5pPr>
@@ -3696,7 +3696,7 @@
           <a:solidFill>
             <a:schemeClr val="tx1"/>
           </a:solidFill>
-          <a:latin typeface="Arial" panose="02080604020202020204" pitchFamily="34" charset="0"/>
+          <a:latin typeface="Arial" panose="020B0604020202020204" pitchFamily="34" charset="0"/>
           <a:ea typeface="SimSun" pitchFamily="2" charset="-122"/>
         </a:defRPr>
       </a:lvl6pPr>
@@ -3711,7 +3711,7 @@
           <a:solidFill>
             <a:schemeClr val="tx1"/>
           </a:solidFill>
-          <a:latin typeface="Arial" panose="02080604020202020204" pitchFamily="34" charset="0"/>
+          <a:latin typeface="Arial" panose="020B0604020202020204" pitchFamily="34" charset="0"/>
           <a:ea typeface="SimSun" pitchFamily="2" charset="-122"/>
         </a:defRPr>
       </a:lvl7pPr>
@@ -3726,7 +3726,7 @@
           <a:solidFill>
             <a:schemeClr val="tx1"/>
           </a:solidFill>
-          <a:latin typeface="Arial" panose="02080604020202020204" pitchFamily="34" charset="0"/>
+          <a:latin typeface="Arial" panose="020B0604020202020204" pitchFamily="34" charset="0"/>
           <a:ea typeface="SimSun" pitchFamily="2" charset="-122"/>
         </a:defRPr>
       </a:lvl8pPr>
@@ -3741,7 +3741,7 @@
           <a:solidFill>
             <a:schemeClr val="tx1"/>
           </a:solidFill>
-          <a:latin typeface="Arial" panose="02080604020202020204" pitchFamily="34" charset="0"/>
+          <a:latin typeface="Arial" panose="020B0604020202020204" pitchFamily="34" charset="0"/>
           <a:ea typeface="SimSun" pitchFamily="2" charset="-122"/>
         </a:defRPr>
       </a:lvl9pPr>
@@ -3839,7 +3839,7 @@
         <a:spcBef>
           <a:spcPts val="500"/>
         </a:spcBef>
-        <a:buFont typeface="Arial" panose="02080604020202020204" pitchFamily="34" charset="0"/>
+        <a:buFont typeface="Arial" panose="020B0604020202020204" pitchFamily="34" charset="0"/>
         <a:buChar char="•"/>
         <a:defRPr sz="1800" kern="1200">
           <a:solidFill>
@@ -3857,7 +3857,7 @@
         <a:spcBef>
           <a:spcPts val="500"/>
         </a:spcBef>
-        <a:buFont typeface="Arial" panose="02080604020202020204" pitchFamily="34" charset="0"/>
+        <a:buFont typeface="Arial" panose="020B0604020202020204" pitchFamily="34" charset="0"/>
         <a:buChar char="•"/>
         <a:defRPr sz="1800" kern="1200">
           <a:solidFill>
@@ -3875,7 +3875,7 @@
         <a:spcBef>
           <a:spcPts val="500"/>
         </a:spcBef>
-        <a:buFont typeface="Arial" panose="02080604020202020204" pitchFamily="34" charset="0"/>
+        <a:buFont typeface="Arial" panose="020B0604020202020204" pitchFamily="34" charset="0"/>
         <a:buChar char="•"/>
         <a:defRPr sz="1800" kern="1200">
           <a:solidFill>
@@ -3893,7 +3893,7 @@
         <a:spcBef>
           <a:spcPts val="500"/>
         </a:spcBef>
-        <a:buFont typeface="Arial" panose="02080604020202020204" pitchFamily="34" charset="0"/>
+        <a:buFont typeface="Arial" panose="020B0604020202020204" pitchFamily="34" charset="0"/>
         <a:buChar char="•"/>
         <a:defRPr sz="1800" kern="1200">
           <a:solidFill>
@@ -4158,7 +4158,7 @@
           </a:p>
           <a:p>
             <a:pPr lvl="1">
-              <a:buFont typeface="Arial" panose="02080604020202020204" pitchFamily="34" charset="0"/>
+              <a:buFont typeface="Arial" panose="020B0604020202020204" pitchFamily="34" charset="0"/>
               <a:buChar char="•"/>
             </a:pPr>
             <a:r>
@@ -4193,7 +4193,7 @@
           </a:p>
           <a:p>
             <a:pPr marL="457200" lvl="1" indent="0">
-              <a:buFont typeface="Arial" panose="02080604020202020204" pitchFamily="34" charset="0"/>
+              <a:buFont typeface="Arial" panose="020B0604020202020204" pitchFamily="34" charset="0"/>
               <a:buNone/>
             </a:pPr>
             <a:endParaRPr lang="en-US">
@@ -4204,7 +4204,7 @@
           </a:p>
           <a:p>
             <a:pPr lvl="1">
-              <a:buFont typeface="Arial" panose="02080604020202020204" pitchFamily="34" charset="0"/>
+              <a:buFont typeface="Arial" panose="020B0604020202020204" pitchFamily="34" charset="0"/>
               <a:buChar char="•"/>
             </a:pPr>
             <a:r>
@@ -4231,7 +4231,7 @@
           </a:p>
           <a:p>
             <a:pPr marL="457200" lvl="1" indent="0">
-              <a:buFont typeface="Arial" panose="02080604020202020204" pitchFamily="34" charset="0"/>
+              <a:buFont typeface="Arial" panose="020B0604020202020204" pitchFamily="34" charset="0"/>
               <a:buNone/>
             </a:pPr>
             <a:endParaRPr lang="en-US" b="1">
@@ -4242,7 +4242,7 @@
           </a:p>
           <a:p>
             <a:pPr lvl="1">
-              <a:buFont typeface="Arial" panose="02080604020202020204" pitchFamily="34" charset="0"/>
+              <a:buFont typeface="Arial" panose="020B0604020202020204" pitchFamily="34" charset="0"/>
               <a:buChar char="•"/>
             </a:pPr>
             <a:r>
@@ -4285,7 +4285,7 @@
           </a:p>
           <a:p>
             <a:pPr marL="457200" lvl="1" indent="0">
-              <a:buFont typeface="Arial" panose="02080604020202020204" pitchFamily="34" charset="0"/>
+              <a:buFont typeface="Arial" panose="020B0604020202020204" pitchFamily="34" charset="0"/>
               <a:buNone/>
             </a:pPr>
             <a:endParaRPr lang="en-US" b="1">
@@ -4296,7 +4296,7 @@
           </a:p>
           <a:p>
             <a:pPr lvl="1">
-              <a:buFont typeface="Arial" panose="02080604020202020204" pitchFamily="34" charset="0"/>
+              <a:buFont typeface="Arial" panose="020B0604020202020204" pitchFamily="34" charset="0"/>
               <a:buChar char="•"/>
             </a:pPr>
             <a:r>
@@ -4331,7 +4331,7 @@
           </a:p>
           <a:p>
             <a:pPr marL="457200" lvl="1" indent="0">
-              <a:buFont typeface="Arial" panose="02080604020202020204" pitchFamily="34" charset="0"/>
+              <a:buFont typeface="Arial" panose="020B0604020202020204" pitchFamily="34" charset="0"/>
               <a:buNone/>
             </a:pPr>
             <a:endParaRPr lang="en-US">
@@ -4342,7 +4342,7 @@
           </a:p>
           <a:p>
             <a:pPr lvl="1">
-              <a:buFont typeface="Arial" panose="02080604020202020204" pitchFamily="34" charset="0"/>
+              <a:buFont typeface="Arial" panose="020B0604020202020204" pitchFamily="34" charset="0"/>
               <a:buChar char="•"/>
             </a:pPr>
             <a:r>
@@ -4717,7 +4717,7 @@
           </a:p>
           <a:p>
             <a:pPr lvl="1">
-              <a:buFont typeface="Arial" panose="02080604020202020204" pitchFamily="34" charset="0"/>
+              <a:buFont typeface="Arial" panose="020B0604020202020204" pitchFamily="34" charset="0"/>
               <a:buChar char="•"/>
             </a:pPr>
             <a:r>
@@ -4752,7 +4752,7 @@
           </a:p>
           <a:p>
             <a:pPr lvl="1">
-              <a:buFont typeface="Arial" panose="02080604020202020204" pitchFamily="34" charset="0"/>
+              <a:buFont typeface="Arial" panose="020B0604020202020204" pitchFamily="34" charset="0"/>
               <a:buChar char="•"/>
             </a:pPr>
             <a:endParaRPr lang="en-US" altLang="vi-VN">
@@ -4763,7 +4763,7 @@
           </a:p>
           <a:p>
             <a:pPr lvl="1">
-              <a:buFont typeface="Arial" panose="02080604020202020204" pitchFamily="34" charset="0"/>
+              <a:buFont typeface="Arial" panose="020B0604020202020204" pitchFamily="34" charset="0"/>
               <a:buChar char="•"/>
             </a:pPr>
             <a:r>
@@ -4782,7 +4782,7 @@
           </a:p>
           <a:p>
             <a:pPr lvl="1">
-              <a:buFont typeface="Arial" panose="02080604020202020204" pitchFamily="34" charset="0"/>
+              <a:buFont typeface="Arial" panose="020B0604020202020204" pitchFamily="34" charset="0"/>
               <a:buChar char="•"/>
             </a:pPr>
             <a:endParaRPr lang="en-US" altLang="vi-VN">
@@ -4793,7 +4793,7 @@
           </a:p>
           <a:p>
             <a:pPr marL="457200" lvl="1" indent="0">
-              <a:buFont typeface="Arial" panose="02080604020202020204" pitchFamily="34" charset="0"/>
+              <a:buFont typeface="Arial" panose="020B0604020202020204" pitchFamily="34" charset="0"/>
               <a:buNone/>
             </a:pPr>
             <a:r>
@@ -5425,7 +5425,7 @@
                   <a:schemeClr val="tx1"/>
                 </a:solidFill>
                 <a:effectLst/>
-                <a:latin typeface="Arial" panose="02080604020202020204" pitchFamily="34" charset="0"/>
+                <a:latin typeface="Arial" panose="020B0604020202020204" pitchFamily="34" charset="0"/>
                 <a:ea typeface="SimSun" pitchFamily="2" charset="-122"/>
               </a:rPr>
               <a:t> </a:t>
@@ -5438,7 +5438,7 @@
                 <a:schemeClr val="tx1"/>
               </a:solidFill>
               <a:effectLst/>
-              <a:latin typeface="Arial" panose="02080604020202020204" pitchFamily="34" charset="0"/>
+              <a:latin typeface="Arial" panose="020B0604020202020204" pitchFamily="34" charset="0"/>
               <a:ea typeface="SimSun" pitchFamily="2" charset="-122"/>
             </a:endParaRPr>
           </a:p>
@@ -6397,7 +6397,7 @@
           <a:bodyPr/>
           <a:p>
             <a:pPr marL="571500" indent="-571500">
-              <a:buFont typeface="Arial" panose="02080604020202020204" pitchFamily="34" charset="0"/>
+              <a:buFont typeface="Arial" panose="020B0604020202020204" pitchFamily="34" charset="0"/>
               <a:buChar char="•"/>
             </a:pPr>
             <a:r>
@@ -6436,7 +6436,7 @@
           <a:bodyPr/>
           <a:p>
             <a:pPr lvl="1">
-              <a:buFont typeface="Arial" panose="02080604020202020204" pitchFamily="34" charset="0"/>
+              <a:buFont typeface="Arial" panose="020B0604020202020204" pitchFamily="34" charset="0"/>
               <a:buChar char="•"/>
             </a:pPr>
             <a:r>
@@ -6455,7 +6455,7 @@
           </a:p>
           <a:p>
             <a:pPr lvl="1">
-              <a:buFont typeface="Arial" panose="02080604020202020204" pitchFamily="34" charset="0"/>
+              <a:buFont typeface="Arial" panose="020B0604020202020204" pitchFamily="34" charset="0"/>
               <a:buChar char="•"/>
             </a:pPr>
             <a:r>
@@ -6474,7 +6474,7 @@
           </a:p>
           <a:p>
             <a:pPr lvl="1">
-              <a:buFont typeface="Arial" panose="02080604020202020204" pitchFamily="34" charset="0"/>
+              <a:buFont typeface="Arial" panose="020B0604020202020204" pitchFamily="34" charset="0"/>
               <a:buChar char="•"/>
             </a:pPr>
             <a:r>
@@ -6493,7 +6493,7 @@
           </a:p>
           <a:p>
             <a:pPr lvl="1">
-              <a:buFont typeface="Arial" panose="02080604020202020204" pitchFamily="34" charset="0"/>
+              <a:buFont typeface="Arial" panose="020B0604020202020204" pitchFamily="34" charset="0"/>
               <a:buChar char="•"/>
             </a:pPr>
             <a:r>
@@ -6512,7 +6512,7 @@
           </a:p>
           <a:p>
             <a:pPr lvl="0">
-              <a:buFont typeface="Arial" panose="02080604020202020204" pitchFamily="34" charset="0"/>
+              <a:buFont typeface="Arial" panose="020B0604020202020204" pitchFamily="34" charset="0"/>
               <a:buChar char="•"/>
             </a:pPr>
             <a:r>
@@ -6539,7 +6539,7 @@
           </a:p>
           <a:p>
             <a:pPr lvl="1">
-              <a:buFont typeface="Arial" panose="02080604020202020204" pitchFamily="34" charset="0"/>
+              <a:buFont typeface="Arial" panose="020B0604020202020204" pitchFamily="34" charset="0"/>
               <a:buChar char="•"/>
             </a:pPr>
             <a:r>
@@ -6558,7 +6558,7 @@
           </a:p>
           <a:p>
             <a:pPr lvl="1">
-              <a:buFont typeface="Arial" panose="02080604020202020204" pitchFamily="34" charset="0"/>
+              <a:buFont typeface="Arial" panose="020B0604020202020204" pitchFamily="34" charset="0"/>
               <a:buChar char="•"/>
             </a:pPr>
             <a:r>
@@ -6577,7 +6577,7 @@
           </a:p>
           <a:p>
             <a:pPr lvl="1">
-              <a:buFont typeface="Arial" panose="02080604020202020204" pitchFamily="34" charset="0"/>
+              <a:buFont typeface="Arial" panose="020B0604020202020204" pitchFamily="34" charset="0"/>
               <a:buChar char="•"/>
             </a:pPr>
             <a:r>
@@ -7185,7 +7185,7 @@
           </a:p>
           <a:p>
             <a:pPr marL="971550" lvl="1" indent="-514350" algn="l">
-              <a:buFont typeface="Arial" panose="02080604020202020204" pitchFamily="34" charset="0"/>
+              <a:buFont typeface="Arial" panose="020B0604020202020204" pitchFamily="34" charset="0"/>
               <a:buAutoNum type="arabicPeriod"/>
             </a:pPr>
             <a:r>
@@ -7204,7 +7204,7 @@
           </a:p>
           <a:p>
             <a:pPr marL="971550" lvl="1" indent="-514350" algn="l">
-              <a:buFont typeface="Arial" panose="02080604020202020204" pitchFamily="34" charset="0"/>
+              <a:buFont typeface="Arial" panose="020B0604020202020204" pitchFamily="34" charset="0"/>
               <a:buAutoNum type="arabicPeriod"/>
             </a:pPr>
             <a:r>
@@ -7223,7 +7223,7 @@
           </a:p>
           <a:p>
             <a:pPr marL="971550" lvl="1" indent="-514350" algn="l">
-              <a:buFont typeface="Arial" panose="02080604020202020204" pitchFamily="34" charset="0"/>
+              <a:buFont typeface="Arial" panose="020B0604020202020204" pitchFamily="34" charset="0"/>
               <a:buAutoNum type="arabicPeriod"/>
             </a:pPr>
             <a:r>
@@ -7242,7 +7242,7 @@
           </a:p>
           <a:p>
             <a:pPr marL="971550" lvl="1" indent="-514350" algn="l">
-              <a:buFont typeface="Arial" panose="02080604020202020204" pitchFamily="34" charset="0"/>
+              <a:buFont typeface="Arial" panose="020B0604020202020204" pitchFamily="34" charset="0"/>
               <a:buAutoNum type="arabicPeriod"/>
             </a:pPr>
             <a:r>
@@ -7261,7 +7261,7 @@
           </a:p>
           <a:p>
             <a:pPr marL="971550" lvl="1" indent="-514350" algn="l">
-              <a:buFont typeface="Arial" panose="02080604020202020204" pitchFamily="34" charset="0"/>
+              <a:buFont typeface="Arial" panose="020B0604020202020204" pitchFamily="34" charset="0"/>
               <a:buAutoNum type="arabicPeriod"/>
             </a:pPr>
             <a:r>
@@ -7386,22 +7386,7 @@
                   <a:srgbClr val="00B0F0"/>
                 </a:solidFill>
               </a:rPr>
-              <a:t>b, MVC - the “legendary” architecture/design </a:t>
-            </a:r>
-            <a:br>
-              <a:rPr lang="en-US" sz="3200">
-                <a:solidFill>
-                  <a:srgbClr val="00B0F0"/>
-                </a:solidFill>
-              </a:rPr>
-            </a:br>
-            <a:r>
-              <a:rPr lang="en-US" sz="3200">
-                <a:solidFill>
-                  <a:srgbClr val="00B0F0"/>
-                </a:solidFill>
-              </a:rPr>
-              <a:t>pattern</a:t>
+              <a:t>b, MVC - the “legendary” architectural pattern</a:t>
             </a:r>
             <a:br>
               <a:rPr lang="en-US" sz="3200">
@@ -7428,7 +7413,12 @@
             <p:ph idx="1"/>
           </p:nvPr>
         </p:nvSpPr>
-        <p:spPr/>
+        <p:spPr>
+          <a:xfrm>
+            <a:off x="609600" y="798195"/>
+            <a:ext cx="10972800" cy="5329555"/>
+          </a:xfrm>
+        </p:spPr>
         <p:txBody>
           <a:bodyPr/>
           <a:p>
@@ -7436,16 +7426,54 @@
               <a:buNone/>
             </a:pPr>
             <a:r>
-              <a:rPr lang="en-US" sz="2000"/>
-              <a:t>https://github.com/duyhelloworld/java-learning/tree/main/DesignPatterns/mvc</a:t>
-            </a:r>
-            <a:endParaRPr lang="en-US" sz="2000"/>
+              <a:rPr lang="en-US"/>
+              <a:t>- </a:t>
+            </a:r>
+            <a:r>
+              <a:rPr lang="en-US" sz="2800"/>
+              <a:t>Article about Architectural Patterns : </a:t>
+            </a:r>
+            <a:endParaRPr lang="en-US" sz="2800"/>
           </a:p>
           <a:p>
             <a:pPr marL="0" indent="0">
               <a:buNone/>
             </a:pPr>
-            <a:endParaRPr lang="en-US"/>
+            <a:r>
+              <a:rPr lang="en-US" sz="2000"/>
+              <a:t>https://github.com/duyhelloworld/java-learning/tree/main/DesignPatterns/architectutal</a:t>
+            </a:r>
+            <a:endParaRPr lang="en-US" sz="2000"/>
+          </a:p>
+          <a:p>
+            <a:pPr marL="0" indent="0">
+              <a:buNone/>
+            </a:pPr>
+            <a:r>
+              <a:rPr lang="en-US"/>
+              <a:t>- </a:t>
+            </a:r>
+            <a:r>
+              <a:rPr lang="en-US" sz="2800"/>
+              <a:t>Article about MVC : </a:t>
+            </a:r>
+            <a:endParaRPr lang="en-US" sz="2800"/>
+          </a:p>
+          <a:p>
+            <a:pPr marL="0" indent="0">
+              <a:buNone/>
+            </a:pPr>
+            <a:r>
+              <a:rPr lang="en-US" sz="2000"/>
+              <a:t>https://github.com/duyhelloworld/java-learning/tree/main/DesignPatterns/mvc</a:t>
+            </a:r>
+            <a:endParaRPr lang="en-US" sz="2000"/>
+          </a:p>
+          <a:p>
+            <a:pPr marL="0" indent="0">
+              <a:buNone/>
+            </a:pPr>
+            <a:endParaRPr lang="en-US" sz="2000"/>
           </a:p>
           <a:p>
             <a:pPr marL="0" indent="0">
@@ -7600,7 +7628,7 @@
                                         <p:tgtEl>
                                           <p:spTgt spid="3">
                                             <p:txEl>
-                                              <p:pRg st="2" end="2"/>
+                                              <p:pRg st="5" end="5"/>
                                             </p:txEl>
                                           </p:spTgt>
                                         </p:tgtEl>
@@ -7618,6 +7646,189 @@
                                         <p:tgtEl>
                                           <p:spTgt spid="3">
                                             <p:txEl>
+                                              <p:pRg st="5" end="5"/>
+                                            </p:txEl>
+                                          </p:spTgt>
+                                        </p:tgtEl>
+                                      </p:cBhvr>
+                                    </p:animEffect>
+                                  </p:childTnLst>
+                                </p:cTn>
+                              </p:par>
+                            </p:childTnLst>
+                          </p:cTn>
+                        </p:par>
+                      </p:childTnLst>
+                    </p:cTn>
+                  </p:par>
+                  <p:par>
+                    <p:cTn id="8" fill="hold">
+                      <p:stCondLst>
+                        <p:cond delay="indefinite"/>
+                      </p:stCondLst>
+                      <p:childTnLst>
+                        <p:par>
+                          <p:cTn id="9" fill="hold">
+                            <p:stCondLst>
+                              <p:cond delay="0"/>
+                            </p:stCondLst>
+                            <p:childTnLst>
+                              <p:par>
+                                <p:cTn id="10" presetID="18" presetClass="entr" presetSubtype="12" fill="hold" nodeType="clickEffect">
+                                  <p:stCondLst>
+                                    <p:cond delay="0"/>
+                                  </p:stCondLst>
+                                  <p:childTnLst>
+                                    <p:set>
+                                      <p:cBhvr>
+                                        <p:cTn id="11" dur="1" fill="hold">
+                                          <p:stCondLst>
+                                            <p:cond delay="0"/>
+                                          </p:stCondLst>
+                                        </p:cTn>
+                                        <p:tgtEl>
+                                          <p:spTgt spid="3">
+                                            <p:txEl>
+                                              <p:pRg st="0" end="0"/>
+                                            </p:txEl>
+                                          </p:spTgt>
+                                        </p:tgtEl>
+                                        <p:attrNameLst>
+                                          <p:attrName>style.visibility</p:attrName>
+                                        </p:attrNameLst>
+                                      </p:cBhvr>
+                                      <p:to>
+                                        <p:strVal val="visible"/>
+                                      </p:to>
+                                    </p:set>
+                                    <p:animEffect transition="in" filter="strips(downLeft)">
+                                      <p:cBhvr>
+                                        <p:cTn id="12" dur="500"/>
+                                        <p:tgtEl>
+                                          <p:spTgt spid="3">
+                                            <p:txEl>
+                                              <p:pRg st="0" end="0"/>
+                                            </p:txEl>
+                                          </p:spTgt>
+                                        </p:tgtEl>
+                                      </p:cBhvr>
+                                    </p:animEffect>
+                                  </p:childTnLst>
+                                </p:cTn>
+                              </p:par>
+                            </p:childTnLst>
+                          </p:cTn>
+                        </p:par>
+                      </p:childTnLst>
+                    </p:cTn>
+                  </p:par>
+                  <p:par>
+                    <p:cTn id="13" fill="hold">
+                      <p:stCondLst>
+                        <p:cond delay="indefinite"/>
+                      </p:stCondLst>
+                      <p:childTnLst>
+                        <p:par>
+                          <p:cTn id="14" fill="hold">
+                            <p:stCondLst>
+                              <p:cond delay="0"/>
+                            </p:stCondLst>
+                            <p:childTnLst>
+                              <p:par>
+                                <p:cTn id="15" presetID="18" presetClass="entr" presetSubtype="12" fill="hold" nodeType="clickEffect">
+                                  <p:stCondLst>
+                                    <p:cond delay="0"/>
+                                  </p:stCondLst>
+                                  <p:childTnLst>
+                                    <p:set>
+                                      <p:cBhvr>
+                                        <p:cTn id="16" dur="1" fill="hold">
+                                          <p:stCondLst>
+                                            <p:cond delay="0"/>
+                                          </p:stCondLst>
+                                        </p:cTn>
+                                        <p:tgtEl>
+                                          <p:spTgt spid="3">
+                                            <p:txEl>
+                                              <p:pRg st="1" end="1"/>
+                                            </p:txEl>
+                                          </p:spTgt>
+                                        </p:tgtEl>
+                                        <p:attrNameLst>
+                                          <p:attrName>style.visibility</p:attrName>
+                                        </p:attrNameLst>
+                                      </p:cBhvr>
+                                      <p:to>
+                                        <p:strVal val="visible"/>
+                                      </p:to>
+                                    </p:set>
+                                    <p:animEffect transition="in" filter="strips(downLeft)">
+                                      <p:cBhvr>
+                                        <p:cTn id="17" dur="500"/>
+                                        <p:tgtEl>
+                                          <p:spTgt spid="3">
+                                            <p:txEl>
+                                              <p:pRg st="1" end="1"/>
+                                            </p:txEl>
+                                          </p:spTgt>
+                                        </p:tgtEl>
+                                      </p:cBhvr>
+                                    </p:animEffect>
+                                  </p:childTnLst>
+                                </p:cTn>
+                              </p:par>
+                            </p:childTnLst>
+                          </p:cTn>
+                        </p:par>
+                      </p:childTnLst>
+                    </p:cTn>
+                  </p:par>
+                  <p:par>
+                    <p:cTn id="18" fill="hold">
+                      <p:stCondLst>
+                        <p:cond delay="indefinite"/>
+                      </p:stCondLst>
+                      <p:childTnLst>
+                        <p:par>
+                          <p:cTn id="19" fill="hold">
+                            <p:stCondLst>
+                              <p:cond delay="0"/>
+                            </p:stCondLst>
+                            <p:childTnLst>
+                              <p:par>
+                                <p:cTn id="20" presetID="18" presetClass="entr" presetSubtype="12" fill="hold" nodeType="clickEffect">
+                                  <p:stCondLst>
+                                    <p:cond delay="0"/>
+                                  </p:stCondLst>
+                                  <p:childTnLst>
+                                    <p:set>
+                                      <p:cBhvr>
+                                        <p:cTn id="21" dur="1" fill="hold">
+                                          <p:stCondLst>
+                                            <p:cond delay="0"/>
+                                          </p:stCondLst>
+                                        </p:cTn>
+                                        <p:tgtEl>
+                                          <p:spTgt spid="3">
+                                            <p:txEl>
+                                              <p:pRg st="2" end="2"/>
+                                            </p:txEl>
+                                          </p:spTgt>
+                                        </p:tgtEl>
+                                        <p:attrNameLst>
+                                          <p:attrName>style.visibility</p:attrName>
+                                        </p:attrNameLst>
+                                      </p:cBhvr>
+                                      <p:to>
+                                        <p:strVal val="visible"/>
+                                      </p:to>
+                                    </p:set>
+                                    <p:animEffect transition="in" filter="strips(downLeft)">
+                                      <p:cBhvr>
+                                        <p:cTn id="22" dur="500"/>
+                                        <p:tgtEl>
+                                          <p:spTgt spid="3">
+                                            <p:txEl>
                                               <p:pRg st="2" end="2"/>
                                             </p:txEl>
                                           </p:spTgt>
@@ -7627,15 +7838,33 @@
                                   </p:childTnLst>
                                 </p:cTn>
                               </p:par>
+                            </p:childTnLst>
+                          </p:cTn>
+                        </p:par>
+                      </p:childTnLst>
+                    </p:cTn>
+                  </p:par>
+                  <p:par>
+                    <p:cTn id="23" fill="hold">
+                      <p:stCondLst>
+                        <p:cond delay="indefinite"/>
+                      </p:stCondLst>
+                      <p:childTnLst>
+                        <p:par>
+                          <p:cTn id="24" fill="hold">
+                            <p:stCondLst>
+                              <p:cond delay="0"/>
+                            </p:stCondLst>
+                            <p:childTnLst>
                               <p:par>
-                                <p:cTn id="8" presetID="18" presetClass="entr" presetSubtype="12" fill="hold" nodeType="withEffect">
+                                <p:cTn id="25" presetID="18" presetClass="entr" presetSubtype="12" fill="hold" nodeType="clickEffect">
                                   <p:stCondLst>
                                     <p:cond delay="0"/>
                                   </p:stCondLst>
                                   <p:childTnLst>
                                     <p:set>
                                       <p:cBhvr>
-                                        <p:cTn id="9" dur="1" fill="hold">
+                                        <p:cTn id="26" dur="1" fill="hold">
                                           <p:stCondLst>
                                             <p:cond delay="0"/>
                                           </p:stCondLst>
@@ -7657,7 +7886,7 @@
                                     </p:set>
                                     <p:animEffect transition="in" filter="strips(downLeft)">
                                       <p:cBhvr>
-                                        <p:cTn id="10" dur="500"/>
+                                        <p:cTn id="27" dur="500"/>
                                         <p:tgtEl>
                                           <p:spTgt spid="3">
                                             <p:txEl>
@@ -7671,100 +7900,14 @@
                                 </p:cTn>
                               </p:par>
                               <p:par>
-                                <p:cTn id="11" presetID="18" presetClass="entr" presetSubtype="12" fill="hold" nodeType="withEffect">
+                                <p:cTn id="28" presetID="18" presetClass="entr" presetSubtype="12" fill="hold" nodeType="withEffect">
                                   <p:stCondLst>
                                     <p:cond delay="0"/>
                                   </p:stCondLst>
                                   <p:childTnLst>
                                     <p:set>
                                       <p:cBhvr>
-                                        <p:cTn id="12" dur="1" fill="hold">
-                                          <p:stCondLst>
-                                            <p:cond delay="0"/>
-                                          </p:stCondLst>
-                                        </p:cTn>
-                                        <p:tgtEl>
-                                          <p:spTgt spid="3">
-                                            <p:txEl>
-                                              <p:pRg st="4" end="4"/>
-                                            </p:txEl>
-                                          </p:spTgt>
-                                        </p:tgtEl>
-                                        <p:attrNameLst>
-                                          <p:attrName>style.visibility</p:attrName>
-                                        </p:attrNameLst>
-                                      </p:cBhvr>
-                                      <p:to>
-                                        <p:strVal val="visible"/>
-                                      </p:to>
-                                    </p:set>
-                                    <p:animEffect transition="in" filter="strips(downLeft)">
-                                      <p:cBhvr>
-                                        <p:cTn id="13" dur="500"/>
-                                        <p:tgtEl>
-                                          <p:spTgt spid="3">
-                                            <p:txEl>
-                                              <p:pRg st="4" end="4"/>
-                                            </p:txEl>
-                                          </p:spTgt>
-                                        </p:tgtEl>
-                                      </p:cBhvr>
-                                    </p:animEffect>
-                                  </p:childTnLst>
-                                </p:cTn>
-                              </p:par>
-                              <p:par>
-                                <p:cTn id="14" presetID="18" presetClass="entr" presetSubtype="12" fill="hold" nodeType="withEffect">
-                                  <p:stCondLst>
-                                    <p:cond delay="0"/>
-                                  </p:stCondLst>
-                                  <p:childTnLst>
-                                    <p:set>
-                                      <p:cBhvr>
-                                        <p:cTn id="15" dur="1" fill="hold">
-                                          <p:stCondLst>
-                                            <p:cond delay="0"/>
-                                          </p:stCondLst>
-                                        </p:cTn>
-                                        <p:tgtEl>
-                                          <p:spTgt spid="3">
-                                            <p:txEl>
-                                              <p:pRg st="5" end="5"/>
-                                            </p:txEl>
-                                          </p:spTgt>
-                                        </p:tgtEl>
-                                        <p:attrNameLst>
-                                          <p:attrName>style.visibility</p:attrName>
-                                        </p:attrNameLst>
-                                      </p:cBhvr>
-                                      <p:to>
-                                        <p:strVal val="visible"/>
-                                      </p:to>
-                                    </p:set>
-                                    <p:animEffect transition="in" filter="strips(downLeft)">
-                                      <p:cBhvr>
-                                        <p:cTn id="16" dur="500"/>
-                                        <p:tgtEl>
-                                          <p:spTgt spid="3">
-                                            <p:txEl>
-                                              <p:pRg st="5" end="5"/>
-                                            </p:txEl>
-                                          </p:spTgt>
-                                        </p:tgtEl>
-                                      </p:cBhvr>
-                                    </p:animEffect>
-                                  </p:childTnLst>
-                                </p:cTn>
-                              </p:par>
-                              <p:par>
-                                <p:cTn id="17" presetID="18" presetClass="entr" presetSubtype="12" fill="hold" nodeType="withEffect">
-                                  <p:stCondLst>
-                                    <p:cond delay="0"/>
-                                  </p:stCondLst>
-                                  <p:childTnLst>
-                                    <p:set>
-                                      <p:cBhvr>
-                                        <p:cTn id="18" dur="1" fill="hold">
+                                        <p:cTn id="29" dur="1" fill="hold">
                                           <p:stCondLst>
                                             <p:cond delay="0"/>
                                           </p:stCondLst>
@@ -7786,11 +7929,140 @@
                                     </p:set>
                                     <p:animEffect transition="in" filter="strips(downLeft)">
                                       <p:cBhvr>
-                                        <p:cTn id="19" dur="500"/>
+                                        <p:cTn id="30" dur="500"/>
                                         <p:tgtEl>
                                           <p:spTgt spid="3">
                                             <p:txEl>
                                               <p:pRg st="6" end="6"/>
+                                            </p:txEl>
+                                          </p:spTgt>
+                                        </p:tgtEl>
+                                      </p:cBhvr>
+                                    </p:animEffect>
+                                  </p:childTnLst>
+                                </p:cTn>
+                              </p:par>
+                              <p:par>
+                                <p:cTn id="31" presetID="18" presetClass="entr" presetSubtype="12" fill="hold" nodeType="withEffect">
+                                  <p:stCondLst>
+                                    <p:cond delay="0"/>
+                                  </p:stCondLst>
+                                  <p:childTnLst>
+                                    <p:set>
+                                      <p:cBhvr>
+                                        <p:cTn id="32" dur="1" fill="hold">
+                                          <p:stCondLst>
+                                            <p:cond delay="0"/>
+                                          </p:stCondLst>
+                                        </p:cTn>
+                                        <p:tgtEl>
+                                          <p:spTgt spid="3">
+                                            <p:txEl>
+                                              <p:pRg st="7" end="7"/>
+                                            </p:txEl>
+                                          </p:spTgt>
+                                        </p:tgtEl>
+                                        <p:attrNameLst>
+                                          <p:attrName>style.visibility</p:attrName>
+                                        </p:attrNameLst>
+                                      </p:cBhvr>
+                                      <p:to>
+                                        <p:strVal val="visible"/>
+                                      </p:to>
+                                    </p:set>
+                                    <p:animEffect transition="in" filter="strips(downLeft)">
+                                      <p:cBhvr>
+                                        <p:cTn id="33" dur="500"/>
+                                        <p:tgtEl>
+                                          <p:spTgt spid="3">
+                                            <p:txEl>
+                                              <p:pRg st="7" end="7"/>
+                                            </p:txEl>
+                                          </p:spTgt>
+                                        </p:tgtEl>
+                                      </p:cBhvr>
+                                    </p:animEffect>
+                                  </p:childTnLst>
+                                </p:cTn>
+                              </p:par>
+                              <p:par>
+                                <p:cTn id="34" presetID="18" presetClass="entr" presetSubtype="12" fill="hold" nodeType="withEffect">
+                                  <p:stCondLst>
+                                    <p:cond delay="0"/>
+                                  </p:stCondLst>
+                                  <p:childTnLst>
+                                    <p:set>
+                                      <p:cBhvr>
+                                        <p:cTn id="35" dur="1" fill="hold">
+                                          <p:stCondLst>
+                                            <p:cond delay="0"/>
+                                          </p:stCondLst>
+                                        </p:cTn>
+                                        <p:tgtEl>
+                                          <p:spTgt spid="3">
+                                            <p:txEl>
+                                              <p:pRg st="8" end="8"/>
+                                            </p:txEl>
+                                          </p:spTgt>
+                                        </p:tgtEl>
+                                        <p:attrNameLst>
+                                          <p:attrName>style.visibility</p:attrName>
+                                        </p:attrNameLst>
+                                      </p:cBhvr>
+                                      <p:to>
+                                        <p:strVal val="visible"/>
+                                      </p:to>
+                                    </p:set>
+                                    <p:animEffect transition="in" filter="strips(downLeft)">
+                                      <p:cBhvr>
+                                        <p:cTn id="36" dur="500"/>
+                                        <p:tgtEl>
+                                          <p:spTgt spid="3">
+                                            <p:txEl>
+                                              <p:pRg st="8" end="8"/>
+                                            </p:txEl>
+                                          </p:spTgt>
+                                        </p:tgtEl>
+                                      </p:cBhvr>
+                                    </p:animEffect>
+                                  </p:childTnLst>
+                                </p:cTn>
+                              </p:par>
+                              <p:par>
+                                <p:cTn id="37" presetID="18" presetClass="entr" presetSubtype="12" fill="hold" nodeType="withEffect">
+                                  <p:stCondLst>
+                                    <p:cond delay="0"/>
+                                  </p:stCondLst>
+                                  <p:childTnLst>
+                                    <p:set>
+                                      <p:cBhvr>
+                                        <p:cTn id="38" dur="1" fill="hold">
+                                          <p:stCondLst>
+                                            <p:cond delay="0"/>
+                                          </p:stCondLst>
+                                        </p:cTn>
+                                        <p:tgtEl>
+                                          <p:spTgt spid="3">
+                                            <p:txEl>
+                                              <p:pRg st="9" end="9"/>
+                                            </p:txEl>
+                                          </p:spTgt>
+                                        </p:tgtEl>
+                                        <p:attrNameLst>
+                                          <p:attrName>style.visibility</p:attrName>
+                                        </p:attrNameLst>
+                                      </p:cBhvr>
+                                      <p:to>
+                                        <p:strVal val="visible"/>
+                                      </p:to>
+                                    </p:set>
+                                    <p:animEffect transition="in" filter="strips(downLeft)">
+                                      <p:cBhvr>
+                                        <p:cTn id="39" dur="500"/>
+                                        <p:tgtEl>
+                                          <p:spTgt spid="3">
+                                            <p:txEl>
+                                              <p:pRg st="9" end="9"/>
                                             </p:txEl>
                                           </p:spTgt>
                                         </p:tgtEl>
@@ -10222,7 +10494,7 @@
           </a:p>
           <a:p>
             <a:pPr lvl="1">
-              <a:buFont typeface="Arial" panose="02080604020202020204" pitchFamily="34" charset="0"/>
+              <a:buFont typeface="Arial" panose="020B0604020202020204" pitchFamily="34" charset="0"/>
               <a:buChar char="•"/>
             </a:pPr>
             <a:r>
@@ -10241,7 +10513,7 @@
           </a:p>
           <a:p>
             <a:pPr lvl="1">
-              <a:buFont typeface="Arial" panose="02080604020202020204" pitchFamily="34" charset="0"/>
+              <a:buFont typeface="Arial" panose="020B0604020202020204" pitchFamily="34" charset="0"/>
               <a:buChar char="•"/>
             </a:pPr>
             <a:r>
@@ -10260,7 +10532,7 @@
           </a:p>
           <a:p>
             <a:pPr lvl="1">
-              <a:buFont typeface="Arial" panose="02080604020202020204" pitchFamily="34" charset="0"/>
+              <a:buFont typeface="Arial" panose="020B0604020202020204" pitchFamily="34" charset="0"/>
               <a:buChar char="•"/>
             </a:pPr>
             <a:r>
@@ -10279,7 +10551,7 @@
           </a:p>
           <a:p>
             <a:pPr lvl="1">
-              <a:buFont typeface="Arial" panose="02080604020202020204" pitchFamily="34" charset="0"/>
+              <a:buFont typeface="Arial" panose="020B0604020202020204" pitchFamily="34" charset="0"/>
               <a:buChar char="•"/>
             </a:pPr>
             <a:r>
@@ -10298,7 +10570,7 @@
           </a:p>
           <a:p>
             <a:pPr lvl="1">
-              <a:buFont typeface="Arial" panose="02080604020202020204" pitchFamily="34" charset="0"/>
+              <a:buFont typeface="Arial" panose="020B0604020202020204" pitchFamily="34" charset="0"/>
               <a:buChar char="•"/>
             </a:pPr>
             <a:endParaRPr lang="en-US">
@@ -10309,7 +10581,7 @@
           </a:p>
           <a:p>
             <a:pPr marL="457200" lvl="1" indent="0">
-              <a:buFont typeface="Arial" panose="02080604020202020204" pitchFamily="34" charset="0"/>
+              <a:buFont typeface="Arial" panose="020B0604020202020204" pitchFamily="34" charset="0"/>
               <a:buNone/>
             </a:pPr>
             <a:r>
@@ -10594,7 +10866,7 @@
               <a:schemeClr val="tx1"/>
             </a:solidFill>
             <a:effectLst/>
-            <a:latin typeface="Arial" panose="02080604020202020204" pitchFamily="34" charset="0"/>
+            <a:latin typeface="Arial" panose="020B0604020202020204" pitchFamily="34" charset="0"/>
             <a:ea typeface="SimSun" pitchFamily="2" charset="-122"/>
           </a:defRPr>
         </a:defPPr>
@@ -10659,7 +10931,7 @@
               <a:schemeClr val="tx1"/>
             </a:solidFill>
             <a:effectLst/>
-            <a:latin typeface="Arial" panose="02080604020202020204" pitchFamily="34" charset="0"/>
+            <a:latin typeface="Arial" panose="020B0604020202020204" pitchFamily="34" charset="0"/>
             <a:ea typeface="SimSun" pitchFamily="2" charset="-122"/>
           </a:defRPr>
         </a:defPPr>

--- a/DesignPatterns/slide_Design_Pattern.pptx
+++ b/DesignPatterns/slide_Design_Pattern.pptx
@@ -8,7 +8,7 @@
     <p:notesMasterId r:id="rId5"/>
   </p:notesMasterIdLst>
   <p:handoutMasterIdLst>
-    <p:handoutMasterId r:id="rId25"/>
+    <p:handoutMasterId r:id="rId26"/>
   </p:handoutMasterIdLst>
   <p:sldIdLst>
     <p:sldId id="256" r:id="rId3"/>
@@ -31,7 +31,8 @@
     <p:sldId id="275" r:id="rId21"/>
     <p:sldId id="281" r:id="rId22"/>
     <p:sldId id="276" r:id="rId23"/>
-    <p:sldId id="280" r:id="rId24"/>
+    <p:sldId id="284" r:id="rId24"/>
+    <p:sldId id="280" r:id="rId25"/>
   </p:sldIdLst>
   <p:sldSz cx="12192000" cy="6858000"/>
   <p:notesSz cx="7103745" cy="10234295"/>
@@ -7426,70 +7427,32 @@
               <a:buNone/>
             </a:pPr>
             <a:r>
-              <a:rPr lang="en-US"/>
+              <a:rPr lang="en-US" sz="2800">
+                <a:solidFill>
+                  <a:schemeClr val="tx1"/>
+                </a:solidFill>
+              </a:rPr>
               <a:t>- </a:t>
             </a:r>
             <a:r>
-              <a:rPr lang="en-US" sz="2800"/>
-              <a:t>Article about Architectural Patterns : </a:t>
-            </a:r>
-            <a:endParaRPr lang="en-US" sz="2800"/>
-          </a:p>
-          <a:p>
-            <a:pPr marL="0" indent="0">
-              <a:buNone/>
-            </a:pPr>
-            <a:r>
-              <a:rPr lang="en-US" sz="2000"/>
-              <a:t>https://github.com/duyhelloworld/java-learning/tree/main/DesignPatterns/architectutal</a:t>
-            </a:r>
-            <a:endParaRPr lang="en-US" sz="2000"/>
-          </a:p>
-          <a:p>
-            <a:pPr marL="0" indent="0">
-              <a:buNone/>
-            </a:pPr>
-            <a:r>
-              <a:rPr lang="en-US"/>
-              <a:t>- </a:t>
-            </a:r>
-            <a:r>
-              <a:rPr lang="en-US" sz="2800"/>
-              <a:t>Article about MVC : </a:t>
-            </a:r>
-            <a:endParaRPr lang="en-US" sz="2800"/>
-          </a:p>
-          <a:p>
-            <a:pPr marL="0" indent="0">
-              <a:buNone/>
-            </a:pPr>
-            <a:r>
-              <a:rPr lang="en-US" sz="2000"/>
-              <a:t>https://github.com/duyhelloworld/java-learning/tree/main/DesignPatterns/mvc</a:t>
-            </a:r>
-            <a:endParaRPr lang="en-US" sz="2000"/>
-          </a:p>
-          <a:p>
-            <a:pPr marL="0" indent="0">
-              <a:buNone/>
-            </a:pPr>
-            <a:endParaRPr lang="en-US" sz="2000"/>
-          </a:p>
-          <a:p>
-            <a:pPr marL="0" indent="0">
-              <a:buNone/>
-            </a:pPr>
-            <a:r>
-              <a:rPr lang="en-US">
-                <a:solidFill>
-                  <a:srgbClr val="7030A0"/>
-                </a:solidFill>
-              </a:rPr>
-              <a:t>2. Link some references : </a:t>
-            </a:r>
-            <a:endParaRPr lang="en-US">
+              <a:rPr lang="en-US" sz="2800">
+                <a:solidFill>
+                  <a:srgbClr val="FF3300"/>
+                </a:solidFill>
+              </a:rPr>
+              <a:t>DEF</a:t>
+            </a:r>
+            <a:r>
+              <a:rPr lang="en-US" sz="2800">
+                <a:solidFill>
+                  <a:schemeClr val="tx1"/>
+                </a:solidFill>
+              </a:rPr>
+              <a:t> : Model-View-Controller is a software architecture pattern for creating user interfaces on computers.</a:t>
+            </a:r>
+            <a:endParaRPr lang="en-US" sz="2800">
               <a:solidFill>
-                <a:srgbClr val="7030A0"/>
+                <a:schemeClr val="tx1"/>
               </a:solidFill>
             </a:endParaRPr>
           </a:p>
@@ -7500,14 +7463,30 @@
             <a:r>
               <a:rPr lang="en-US" sz="2800">
                 <a:solidFill>
-                  <a:srgbClr val="7030A0"/>
-                </a:solidFill>
-              </a:rPr>
-              <a:t>- https://gpcoder.com/4164-gioi-thieu-design-patterns/</a:t>
+                  <a:schemeClr val="tx1"/>
+                </a:solidFill>
+              </a:rPr>
+              <a:t>- </a:t>
+            </a:r>
+            <a:r>
+              <a:rPr lang="en-US" sz="2800">
+                <a:solidFill>
+                  <a:srgbClr val="00B050"/>
+                </a:solidFill>
+              </a:rPr>
+              <a:t>Advantage</a:t>
+            </a:r>
+            <a:r>
+              <a:rPr lang="en-US" sz="2800">
+                <a:solidFill>
+                  <a:schemeClr val="tx1"/>
+                </a:solidFill>
+              </a:rPr>
+              <a:t> : </a:t>
             </a:r>
             <a:endParaRPr lang="en-US" sz="2800">
               <a:solidFill>
-                <a:srgbClr val="7030A0"/>
+                <a:schemeClr val="tx1"/>
               </a:solidFill>
             </a:endParaRPr>
           </a:p>
@@ -7518,14 +7497,14 @@
             <a:r>
               <a:rPr lang="en-US" sz="2800">
                 <a:solidFill>
-                  <a:srgbClr val="7030A0"/>
-                </a:solidFill>
-              </a:rPr>
-              <a:t>- https://www.red-gate.com/simple-talk/blogs/why-following-design-patterns-is-a-bad-idea/</a:t>
+                  <a:schemeClr val="tx1"/>
+                </a:solidFill>
+              </a:rPr>
+              <a:t>  + Faster development, easy reuse/maintain/testing</a:t>
             </a:r>
             <a:endParaRPr lang="en-US" sz="2800">
               <a:solidFill>
-                <a:srgbClr val="7030A0"/>
+                <a:schemeClr val="tx1"/>
               </a:solidFill>
             </a:endParaRPr>
           </a:p>
@@ -7536,14 +7515,14 @@
             <a:r>
               <a:rPr lang="en-US" sz="2800">
                 <a:solidFill>
-                  <a:srgbClr val="7030A0"/>
-                </a:solidFill>
-              </a:rPr>
-              <a:t>- https://sourcemaking.com/design_patterns</a:t>
+                  <a:schemeClr val="tx1"/>
+                </a:solidFill>
+              </a:rPr>
+              <a:t>  + Maxium usage of Server, framework</a:t>
             </a:r>
             <a:endParaRPr lang="en-US" sz="2800">
               <a:solidFill>
-                <a:srgbClr val="7030A0"/>
+                <a:schemeClr val="tx1"/>
               </a:solidFill>
             </a:endParaRPr>
           </a:p>
@@ -7554,14 +7533,14 @@
             <a:r>
               <a:rPr lang="en-US" sz="2800">
                 <a:solidFill>
-                  <a:srgbClr val="7030A0"/>
-                </a:solidFill>
-              </a:rPr>
-              <a:t>- https://github.com/ajitpal/BookBank (Head First Design Pattern)</a:t>
+                  <a:schemeClr val="tx1"/>
+                </a:solidFill>
+              </a:rPr>
+              <a:t>  + Support SEO</a:t>
             </a:r>
             <a:endParaRPr lang="en-US" sz="2800">
               <a:solidFill>
-                <a:srgbClr val="7030A0"/>
+                <a:schemeClr val="tx1"/>
               </a:solidFill>
             </a:endParaRPr>
           </a:p>
@@ -7569,9 +7548,33 @@
             <a:pPr marL="0" indent="0">
               <a:buNone/>
             </a:pPr>
+            <a:r>
+              <a:rPr lang="en-US" sz="2800">
+                <a:solidFill>
+                  <a:schemeClr val="tx1"/>
+                </a:solidFill>
+              </a:rPr>
+              <a:t>-</a:t>
+            </a:r>
+            <a:r>
+              <a:rPr lang="en-US" sz="2800">
+                <a:solidFill>
+                  <a:srgbClr val="FF0000"/>
+                </a:solidFill>
+              </a:rPr>
+              <a:t> Disadvantage</a:t>
+            </a:r>
+            <a:r>
+              <a:rPr lang="en-US" sz="2800">
+                <a:solidFill>
+                  <a:schemeClr val="tx1"/>
+                </a:solidFill>
+              </a:rPr>
+              <a:t> :</a:t>
+            </a:r>
             <a:endParaRPr lang="en-US" sz="2800">
               <a:solidFill>
-                <a:srgbClr val="7030A0"/>
+                <a:schemeClr val="tx1"/>
               </a:solidFill>
             </a:endParaRPr>
           </a:p>
@@ -7579,14 +7582,100 @@
             <a:pPr marL="0" indent="0">
               <a:buNone/>
             </a:pPr>
+            <a:r>
+              <a:rPr lang="en-US" sz="2800">
+                <a:solidFill>
+                  <a:schemeClr val="tx1"/>
+                </a:solidFill>
+              </a:rPr>
+              <a:t>  + Durable maintaince (Controller)</a:t>
+            </a:r>
             <a:endParaRPr lang="en-US" sz="2800">
               <a:solidFill>
-                <a:srgbClr val="7030A0"/>
+                <a:schemeClr val="tx1"/>
               </a:solidFill>
             </a:endParaRPr>
           </a:p>
+          <a:p>
+            <a:pPr marL="0" indent="0">
+              <a:buNone/>
+            </a:pPr>
+            <a:r>
+              <a:rPr lang="en-US" sz="2800">
+                <a:solidFill>
+                  <a:schemeClr val="tx1"/>
+                </a:solidFill>
+              </a:rPr>
+              <a:t>  + Tight coupling (View-Controller)</a:t>
+            </a:r>
+            <a:endParaRPr lang="en-US" sz="2800">
+              <a:solidFill>
+                <a:schemeClr val="tx1"/>
+              </a:solidFill>
+            </a:endParaRPr>
+          </a:p>
+          <a:p>
+            <a:pPr marL="0" indent="0">
+              <a:buNone/>
+            </a:pPr>
+            <a:r>
+              <a:rPr lang="en-US" sz="2800">
+                <a:solidFill>
+                  <a:schemeClr val="tx1"/>
+                </a:solidFill>
+              </a:rPr>
+              <a:t>  + Product’s life cycle in small prjoject</a:t>
+            </a:r>
+            <a:endParaRPr lang="en-US" sz="2800">
+              <a:solidFill>
+                <a:schemeClr val="tx1"/>
+              </a:solidFill>
+            </a:endParaRPr>
+          </a:p>
+          <a:p>
+            <a:pPr marL="0" indent="0">
+              <a:buNone/>
+            </a:pPr>
+            <a:r>
+              <a:rPr lang="en-US" sz="2800">
+                <a:solidFill>
+                  <a:schemeClr val="tx1"/>
+                </a:solidFill>
+              </a:rPr>
+              <a:t>  + Know multii technologies</a:t>
+            </a:r>
+            <a:endParaRPr lang="en-US" sz="2800">
+              <a:solidFill>
+                <a:schemeClr val="tx1"/>
+              </a:solidFill>
+            </a:endParaRPr>
+          </a:p>
         </p:txBody>
       </p:sp>
+      <p:pic>
+        <p:nvPicPr>
+          <p:cNvPr id="4" name="Picture 3" descr="MVC_fun"/>
+          <p:cNvPicPr>
+            <a:picLocks noChangeAspect="1"/>
+          </p:cNvPicPr>
+          <p:nvPr/>
+        </p:nvPicPr>
+        <p:blipFill>
+          <a:blip r:embed="rId1"/>
+          <a:stretch>
+            <a:fillRect/>
+          </a:stretch>
+        </p:blipFill>
+        <p:spPr>
+          <a:xfrm>
+            <a:off x="6914515" y="3605530"/>
+            <a:ext cx="5277485" cy="3252470"/>
+          </a:xfrm>
+          <a:prstGeom prst="rect">
+            <a:avLst/>
+          </a:prstGeom>
+        </p:spPr>
+      </p:pic>
     </p:spTree>
   </p:cSld>
   <p:clrMapOvr>
@@ -7595,507 +7684,7 @@
   <p:timing>
     <p:tnLst>
       <p:par>
-        <p:cTn id="1" dur="indefinite" restart="never" nodeType="tmRoot">
-          <p:childTnLst>
-            <p:seq concurrent="1" nextAc="seek">
-              <p:cTn id="2" dur="indefinite" nodeType="mainSeq">
-                <p:childTnLst>
-                  <p:par>
-                    <p:cTn id="3" fill="hold">
-                      <p:stCondLst>
-                        <p:cond delay="indefinite"/>
-                      </p:stCondLst>
-                      <p:childTnLst>
-                        <p:par>
-                          <p:cTn id="4" fill="hold">
-                            <p:stCondLst>
-                              <p:cond delay="0"/>
-                            </p:stCondLst>
-                            <p:childTnLst>
-                              <p:par>
-                                <p:cTn id="5" presetID="18" presetClass="entr" presetSubtype="12" fill="hold" nodeType="clickEffect">
-                                  <p:stCondLst>
-                                    <p:cond delay="0"/>
-                                  </p:stCondLst>
-                                  <p:childTnLst>
-                                    <p:set>
-                                      <p:cBhvr>
-                                        <p:cTn id="6" dur="1" fill="hold">
-                                          <p:stCondLst>
-                                            <p:cond delay="0"/>
-                                          </p:stCondLst>
-                                        </p:cTn>
-                                        <p:tgtEl>
-                                          <p:spTgt spid="3">
-                                            <p:txEl>
-                                              <p:pRg st="5" end="5"/>
-                                            </p:txEl>
-                                          </p:spTgt>
-                                        </p:tgtEl>
-                                        <p:attrNameLst>
-                                          <p:attrName>style.visibility</p:attrName>
-                                        </p:attrNameLst>
-                                      </p:cBhvr>
-                                      <p:to>
-                                        <p:strVal val="visible"/>
-                                      </p:to>
-                                    </p:set>
-                                    <p:animEffect transition="in" filter="strips(downLeft)">
-                                      <p:cBhvr>
-                                        <p:cTn id="7" dur="500"/>
-                                        <p:tgtEl>
-                                          <p:spTgt spid="3">
-                                            <p:txEl>
-                                              <p:pRg st="5" end="5"/>
-                                            </p:txEl>
-                                          </p:spTgt>
-                                        </p:tgtEl>
-                                      </p:cBhvr>
-                                    </p:animEffect>
-                                  </p:childTnLst>
-                                </p:cTn>
-                              </p:par>
-                            </p:childTnLst>
-                          </p:cTn>
-                        </p:par>
-                      </p:childTnLst>
-                    </p:cTn>
-                  </p:par>
-                  <p:par>
-                    <p:cTn id="8" fill="hold">
-                      <p:stCondLst>
-                        <p:cond delay="indefinite"/>
-                      </p:stCondLst>
-                      <p:childTnLst>
-                        <p:par>
-                          <p:cTn id="9" fill="hold">
-                            <p:stCondLst>
-                              <p:cond delay="0"/>
-                            </p:stCondLst>
-                            <p:childTnLst>
-                              <p:par>
-                                <p:cTn id="10" presetID="18" presetClass="entr" presetSubtype="12" fill="hold" nodeType="clickEffect">
-                                  <p:stCondLst>
-                                    <p:cond delay="0"/>
-                                  </p:stCondLst>
-                                  <p:childTnLst>
-                                    <p:set>
-                                      <p:cBhvr>
-                                        <p:cTn id="11" dur="1" fill="hold">
-                                          <p:stCondLst>
-                                            <p:cond delay="0"/>
-                                          </p:stCondLst>
-                                        </p:cTn>
-                                        <p:tgtEl>
-                                          <p:spTgt spid="3">
-                                            <p:txEl>
-                                              <p:pRg st="0" end="0"/>
-                                            </p:txEl>
-                                          </p:spTgt>
-                                        </p:tgtEl>
-                                        <p:attrNameLst>
-                                          <p:attrName>style.visibility</p:attrName>
-                                        </p:attrNameLst>
-                                      </p:cBhvr>
-                                      <p:to>
-                                        <p:strVal val="visible"/>
-                                      </p:to>
-                                    </p:set>
-                                    <p:animEffect transition="in" filter="strips(downLeft)">
-                                      <p:cBhvr>
-                                        <p:cTn id="12" dur="500"/>
-                                        <p:tgtEl>
-                                          <p:spTgt spid="3">
-                                            <p:txEl>
-                                              <p:pRg st="0" end="0"/>
-                                            </p:txEl>
-                                          </p:spTgt>
-                                        </p:tgtEl>
-                                      </p:cBhvr>
-                                    </p:animEffect>
-                                  </p:childTnLst>
-                                </p:cTn>
-                              </p:par>
-                            </p:childTnLst>
-                          </p:cTn>
-                        </p:par>
-                      </p:childTnLst>
-                    </p:cTn>
-                  </p:par>
-                  <p:par>
-                    <p:cTn id="13" fill="hold">
-                      <p:stCondLst>
-                        <p:cond delay="indefinite"/>
-                      </p:stCondLst>
-                      <p:childTnLst>
-                        <p:par>
-                          <p:cTn id="14" fill="hold">
-                            <p:stCondLst>
-                              <p:cond delay="0"/>
-                            </p:stCondLst>
-                            <p:childTnLst>
-                              <p:par>
-                                <p:cTn id="15" presetID="18" presetClass="entr" presetSubtype="12" fill="hold" nodeType="clickEffect">
-                                  <p:stCondLst>
-                                    <p:cond delay="0"/>
-                                  </p:stCondLst>
-                                  <p:childTnLst>
-                                    <p:set>
-                                      <p:cBhvr>
-                                        <p:cTn id="16" dur="1" fill="hold">
-                                          <p:stCondLst>
-                                            <p:cond delay="0"/>
-                                          </p:stCondLst>
-                                        </p:cTn>
-                                        <p:tgtEl>
-                                          <p:spTgt spid="3">
-                                            <p:txEl>
-                                              <p:pRg st="1" end="1"/>
-                                            </p:txEl>
-                                          </p:spTgt>
-                                        </p:tgtEl>
-                                        <p:attrNameLst>
-                                          <p:attrName>style.visibility</p:attrName>
-                                        </p:attrNameLst>
-                                      </p:cBhvr>
-                                      <p:to>
-                                        <p:strVal val="visible"/>
-                                      </p:to>
-                                    </p:set>
-                                    <p:animEffect transition="in" filter="strips(downLeft)">
-                                      <p:cBhvr>
-                                        <p:cTn id="17" dur="500"/>
-                                        <p:tgtEl>
-                                          <p:spTgt spid="3">
-                                            <p:txEl>
-                                              <p:pRg st="1" end="1"/>
-                                            </p:txEl>
-                                          </p:spTgt>
-                                        </p:tgtEl>
-                                      </p:cBhvr>
-                                    </p:animEffect>
-                                  </p:childTnLst>
-                                </p:cTn>
-                              </p:par>
-                            </p:childTnLst>
-                          </p:cTn>
-                        </p:par>
-                      </p:childTnLst>
-                    </p:cTn>
-                  </p:par>
-                  <p:par>
-                    <p:cTn id="18" fill="hold">
-                      <p:stCondLst>
-                        <p:cond delay="indefinite"/>
-                      </p:stCondLst>
-                      <p:childTnLst>
-                        <p:par>
-                          <p:cTn id="19" fill="hold">
-                            <p:stCondLst>
-                              <p:cond delay="0"/>
-                            </p:stCondLst>
-                            <p:childTnLst>
-                              <p:par>
-                                <p:cTn id="20" presetID="18" presetClass="entr" presetSubtype="12" fill="hold" nodeType="clickEffect">
-                                  <p:stCondLst>
-                                    <p:cond delay="0"/>
-                                  </p:stCondLst>
-                                  <p:childTnLst>
-                                    <p:set>
-                                      <p:cBhvr>
-                                        <p:cTn id="21" dur="1" fill="hold">
-                                          <p:stCondLst>
-                                            <p:cond delay="0"/>
-                                          </p:stCondLst>
-                                        </p:cTn>
-                                        <p:tgtEl>
-                                          <p:spTgt spid="3">
-                                            <p:txEl>
-                                              <p:pRg st="2" end="2"/>
-                                            </p:txEl>
-                                          </p:spTgt>
-                                        </p:tgtEl>
-                                        <p:attrNameLst>
-                                          <p:attrName>style.visibility</p:attrName>
-                                        </p:attrNameLst>
-                                      </p:cBhvr>
-                                      <p:to>
-                                        <p:strVal val="visible"/>
-                                      </p:to>
-                                    </p:set>
-                                    <p:animEffect transition="in" filter="strips(downLeft)">
-                                      <p:cBhvr>
-                                        <p:cTn id="22" dur="500"/>
-                                        <p:tgtEl>
-                                          <p:spTgt spid="3">
-                                            <p:txEl>
-                                              <p:pRg st="2" end="2"/>
-                                            </p:txEl>
-                                          </p:spTgt>
-                                        </p:tgtEl>
-                                      </p:cBhvr>
-                                    </p:animEffect>
-                                  </p:childTnLst>
-                                </p:cTn>
-                              </p:par>
-                            </p:childTnLst>
-                          </p:cTn>
-                        </p:par>
-                      </p:childTnLst>
-                    </p:cTn>
-                  </p:par>
-                  <p:par>
-                    <p:cTn id="23" fill="hold">
-                      <p:stCondLst>
-                        <p:cond delay="indefinite"/>
-                      </p:stCondLst>
-                      <p:childTnLst>
-                        <p:par>
-                          <p:cTn id="24" fill="hold">
-                            <p:stCondLst>
-                              <p:cond delay="0"/>
-                            </p:stCondLst>
-                            <p:childTnLst>
-                              <p:par>
-                                <p:cTn id="25" presetID="18" presetClass="entr" presetSubtype="12" fill="hold" nodeType="clickEffect">
-                                  <p:stCondLst>
-                                    <p:cond delay="0"/>
-                                  </p:stCondLst>
-                                  <p:childTnLst>
-                                    <p:set>
-                                      <p:cBhvr>
-                                        <p:cTn id="26" dur="1" fill="hold">
-                                          <p:stCondLst>
-                                            <p:cond delay="0"/>
-                                          </p:stCondLst>
-                                        </p:cTn>
-                                        <p:tgtEl>
-                                          <p:spTgt spid="3">
-                                            <p:txEl>
-                                              <p:pRg st="3" end="3"/>
-                                            </p:txEl>
-                                          </p:spTgt>
-                                        </p:tgtEl>
-                                        <p:attrNameLst>
-                                          <p:attrName>style.visibility</p:attrName>
-                                        </p:attrNameLst>
-                                      </p:cBhvr>
-                                      <p:to>
-                                        <p:strVal val="visible"/>
-                                      </p:to>
-                                    </p:set>
-                                    <p:animEffect transition="in" filter="strips(downLeft)">
-                                      <p:cBhvr>
-                                        <p:cTn id="27" dur="500"/>
-                                        <p:tgtEl>
-                                          <p:spTgt spid="3">
-                                            <p:txEl>
-                                              <p:pRg st="3" end="3"/>
-                                            </p:txEl>
-                                          </p:spTgt>
-                                        </p:tgtEl>
-                                      </p:cBhvr>
-                                    </p:animEffect>
-                                  </p:childTnLst>
-                                </p:cTn>
-                              </p:par>
-                              <p:par>
-                                <p:cTn id="28" presetID="18" presetClass="entr" presetSubtype="12" fill="hold" nodeType="withEffect">
-                                  <p:stCondLst>
-                                    <p:cond delay="0"/>
-                                  </p:stCondLst>
-                                  <p:childTnLst>
-                                    <p:set>
-                                      <p:cBhvr>
-                                        <p:cTn id="29" dur="1" fill="hold">
-                                          <p:stCondLst>
-                                            <p:cond delay="0"/>
-                                          </p:stCondLst>
-                                        </p:cTn>
-                                        <p:tgtEl>
-                                          <p:spTgt spid="3">
-                                            <p:txEl>
-                                              <p:pRg st="6" end="6"/>
-                                            </p:txEl>
-                                          </p:spTgt>
-                                        </p:tgtEl>
-                                        <p:attrNameLst>
-                                          <p:attrName>style.visibility</p:attrName>
-                                        </p:attrNameLst>
-                                      </p:cBhvr>
-                                      <p:to>
-                                        <p:strVal val="visible"/>
-                                      </p:to>
-                                    </p:set>
-                                    <p:animEffect transition="in" filter="strips(downLeft)">
-                                      <p:cBhvr>
-                                        <p:cTn id="30" dur="500"/>
-                                        <p:tgtEl>
-                                          <p:spTgt spid="3">
-                                            <p:txEl>
-                                              <p:pRg st="6" end="6"/>
-                                            </p:txEl>
-                                          </p:spTgt>
-                                        </p:tgtEl>
-                                      </p:cBhvr>
-                                    </p:animEffect>
-                                  </p:childTnLst>
-                                </p:cTn>
-                              </p:par>
-                              <p:par>
-                                <p:cTn id="31" presetID="18" presetClass="entr" presetSubtype="12" fill="hold" nodeType="withEffect">
-                                  <p:stCondLst>
-                                    <p:cond delay="0"/>
-                                  </p:stCondLst>
-                                  <p:childTnLst>
-                                    <p:set>
-                                      <p:cBhvr>
-                                        <p:cTn id="32" dur="1" fill="hold">
-                                          <p:stCondLst>
-                                            <p:cond delay="0"/>
-                                          </p:stCondLst>
-                                        </p:cTn>
-                                        <p:tgtEl>
-                                          <p:spTgt spid="3">
-                                            <p:txEl>
-                                              <p:pRg st="7" end="7"/>
-                                            </p:txEl>
-                                          </p:spTgt>
-                                        </p:tgtEl>
-                                        <p:attrNameLst>
-                                          <p:attrName>style.visibility</p:attrName>
-                                        </p:attrNameLst>
-                                      </p:cBhvr>
-                                      <p:to>
-                                        <p:strVal val="visible"/>
-                                      </p:to>
-                                    </p:set>
-                                    <p:animEffect transition="in" filter="strips(downLeft)">
-                                      <p:cBhvr>
-                                        <p:cTn id="33" dur="500"/>
-                                        <p:tgtEl>
-                                          <p:spTgt spid="3">
-                                            <p:txEl>
-                                              <p:pRg st="7" end="7"/>
-                                            </p:txEl>
-                                          </p:spTgt>
-                                        </p:tgtEl>
-                                      </p:cBhvr>
-                                    </p:animEffect>
-                                  </p:childTnLst>
-                                </p:cTn>
-                              </p:par>
-                              <p:par>
-                                <p:cTn id="34" presetID="18" presetClass="entr" presetSubtype="12" fill="hold" nodeType="withEffect">
-                                  <p:stCondLst>
-                                    <p:cond delay="0"/>
-                                  </p:stCondLst>
-                                  <p:childTnLst>
-                                    <p:set>
-                                      <p:cBhvr>
-                                        <p:cTn id="35" dur="1" fill="hold">
-                                          <p:stCondLst>
-                                            <p:cond delay="0"/>
-                                          </p:stCondLst>
-                                        </p:cTn>
-                                        <p:tgtEl>
-                                          <p:spTgt spid="3">
-                                            <p:txEl>
-                                              <p:pRg st="8" end="8"/>
-                                            </p:txEl>
-                                          </p:spTgt>
-                                        </p:tgtEl>
-                                        <p:attrNameLst>
-                                          <p:attrName>style.visibility</p:attrName>
-                                        </p:attrNameLst>
-                                      </p:cBhvr>
-                                      <p:to>
-                                        <p:strVal val="visible"/>
-                                      </p:to>
-                                    </p:set>
-                                    <p:animEffect transition="in" filter="strips(downLeft)">
-                                      <p:cBhvr>
-                                        <p:cTn id="36" dur="500"/>
-                                        <p:tgtEl>
-                                          <p:spTgt spid="3">
-                                            <p:txEl>
-                                              <p:pRg st="8" end="8"/>
-                                            </p:txEl>
-                                          </p:spTgt>
-                                        </p:tgtEl>
-                                      </p:cBhvr>
-                                    </p:animEffect>
-                                  </p:childTnLst>
-                                </p:cTn>
-                              </p:par>
-                              <p:par>
-                                <p:cTn id="37" presetID="18" presetClass="entr" presetSubtype="12" fill="hold" nodeType="withEffect">
-                                  <p:stCondLst>
-                                    <p:cond delay="0"/>
-                                  </p:stCondLst>
-                                  <p:childTnLst>
-                                    <p:set>
-                                      <p:cBhvr>
-                                        <p:cTn id="38" dur="1" fill="hold">
-                                          <p:stCondLst>
-                                            <p:cond delay="0"/>
-                                          </p:stCondLst>
-                                        </p:cTn>
-                                        <p:tgtEl>
-                                          <p:spTgt spid="3">
-                                            <p:txEl>
-                                              <p:pRg st="9" end="9"/>
-                                            </p:txEl>
-                                          </p:spTgt>
-                                        </p:tgtEl>
-                                        <p:attrNameLst>
-                                          <p:attrName>style.visibility</p:attrName>
-                                        </p:attrNameLst>
-                                      </p:cBhvr>
-                                      <p:to>
-                                        <p:strVal val="visible"/>
-                                      </p:to>
-                                    </p:set>
-                                    <p:animEffect transition="in" filter="strips(downLeft)">
-                                      <p:cBhvr>
-                                        <p:cTn id="39" dur="500"/>
-                                        <p:tgtEl>
-                                          <p:spTgt spid="3">
-                                            <p:txEl>
-                                              <p:pRg st="9" end="9"/>
-                                            </p:txEl>
-                                          </p:spTgt>
-                                        </p:tgtEl>
-                                      </p:cBhvr>
-                                    </p:animEffect>
-                                  </p:childTnLst>
-                                </p:cTn>
-                              </p:par>
-                            </p:childTnLst>
-                          </p:cTn>
-                        </p:par>
-                      </p:childTnLst>
-                    </p:cTn>
-                  </p:par>
-                </p:childTnLst>
-              </p:cTn>
-              <p:prevCondLst>
-                <p:cond evt="onPrev" delay="0">
-                  <p:tgtEl>
-                    <p:sldTgt/>
-                  </p:tgtEl>
-                </p:cond>
-              </p:prevCondLst>
-              <p:nextCondLst>
-                <p:cond evt="onNext" delay="0">
-                  <p:tgtEl>
-                    <p:sldTgt/>
-                  </p:tgtEl>
-                </p:cond>
-              </p:nextCondLst>
-            </p:seq>
-          </p:childTnLst>
-        </p:cTn>
+        <p:cTn id="1" dur="indefinite" restart="never" nodeType="tmRoot"/>
       </p:par>
     </p:tnLst>
   </p:timing>
@@ -8103,6 +7692,172 @@
 </file>
 
 <file path=ppt/slides/slide21.xml><?xml version="1.0" encoding="utf-8"?>
+<p:sld xmlns:a="http://schemas.openxmlformats.org/drawingml/2006/main" xmlns:r="http://schemas.openxmlformats.org/officeDocument/2006/relationships" xmlns:p="http://schemas.openxmlformats.org/presentationml/2006/main">
+  <p:cSld>
+    <p:spTree>
+      <p:nvGrpSpPr>
+        <p:cNvPr id="1" name=""/>
+        <p:cNvGrpSpPr/>
+        <p:nvPr/>
+      </p:nvGrpSpPr>
+      <p:grpSpPr/>
+      <p:sp>
+        <p:nvSpPr>
+          <p:cNvPr id="2" name="Title 1"/>
+          <p:cNvSpPr>
+            <a:spLocks noGrp="1"/>
+          </p:cNvSpPr>
+          <p:nvPr>
+            <p:ph type="title"/>
+          </p:nvPr>
+        </p:nvSpPr>
+        <p:spPr>
+          <a:xfrm>
+            <a:off x="609600" y="190500"/>
+            <a:ext cx="10972800" cy="432435"/>
+          </a:xfrm>
+        </p:spPr>
+        <p:txBody>
+          <a:bodyPr/>
+          <a:p>
+            <a:r>
+              <a:rPr lang="en-US"/>
+              <a:t>Code example : </a:t>
+            </a:r>
+            <a:endParaRPr lang="en-US"/>
+          </a:p>
+        </p:txBody>
+      </p:sp>
+      <p:sp>
+        <p:nvSpPr>
+          <p:cNvPr id="3" name="Content Placeholder 2"/>
+          <p:cNvSpPr>
+            <a:spLocks noGrp="1"/>
+          </p:cNvSpPr>
+          <p:nvPr>
+            <p:ph idx="1"/>
+          </p:nvPr>
+        </p:nvSpPr>
+        <p:spPr>
+          <a:xfrm>
+            <a:off x="609600" y="923925"/>
+            <a:ext cx="10972800" cy="5203825"/>
+          </a:xfrm>
+        </p:spPr>
+        <p:txBody>
+          <a:bodyPr/>
+          <a:p>
+            <a:pPr marL="0" indent="0">
+              <a:buNone/>
+            </a:pPr>
+            <a:r>
+              <a:rPr lang="en-US"/>
+              <a:t>https://github.com/duyhelloworld/java-learning/tree/main/DesignPatterns/mvc</a:t>
+            </a:r>
+            <a:endParaRPr lang="en-US"/>
+          </a:p>
+          <a:p>
+            <a:endParaRPr lang="en-US"/>
+          </a:p>
+          <a:p>
+            <a:r>
+              <a:rPr lang="en-US">
+                <a:solidFill>
+                  <a:srgbClr val="7030A0"/>
+                </a:solidFill>
+                <a:sym typeface="+mn-ea"/>
+              </a:rPr>
+              <a:t>2. Link some references : </a:t>
+            </a:r>
+            <a:endParaRPr lang="en-US">
+              <a:solidFill>
+                <a:srgbClr val="7030A0"/>
+              </a:solidFill>
+            </a:endParaRPr>
+          </a:p>
+          <a:p>
+            <a:pPr marL="0" indent="0">
+              <a:buNone/>
+            </a:pPr>
+            <a:r>
+              <a:rPr lang="en-US">
+                <a:solidFill>
+                  <a:srgbClr val="7030A0"/>
+                </a:solidFill>
+                <a:sym typeface="+mn-ea"/>
+              </a:rPr>
+              <a:t>- https://gpcoder.com/4164-gioi-thieu-design-patterns/</a:t>
+            </a:r>
+            <a:endParaRPr lang="en-US">
+              <a:solidFill>
+                <a:srgbClr val="7030A0"/>
+              </a:solidFill>
+            </a:endParaRPr>
+          </a:p>
+          <a:p>
+            <a:pPr marL="0" indent="0">
+              <a:buNone/>
+            </a:pPr>
+            <a:r>
+              <a:rPr lang="en-US">
+                <a:solidFill>
+                  <a:srgbClr val="7030A0"/>
+                </a:solidFill>
+                <a:sym typeface="+mn-ea"/>
+              </a:rPr>
+              <a:t>- https://www.red-gate.com/simple-talk/blogs/why-following-design-patterns-is-a-bad-idea/</a:t>
+            </a:r>
+            <a:endParaRPr lang="en-US">
+              <a:solidFill>
+                <a:srgbClr val="7030A0"/>
+              </a:solidFill>
+            </a:endParaRPr>
+          </a:p>
+          <a:p>
+            <a:pPr marL="0" indent="0">
+              <a:buNone/>
+            </a:pPr>
+            <a:r>
+              <a:rPr lang="en-US">
+                <a:solidFill>
+                  <a:srgbClr val="7030A0"/>
+                </a:solidFill>
+                <a:sym typeface="+mn-ea"/>
+              </a:rPr>
+              <a:t>- https://sourcemaking.com/design_patterns</a:t>
+            </a:r>
+            <a:endParaRPr lang="en-US">
+              <a:solidFill>
+                <a:srgbClr val="7030A0"/>
+              </a:solidFill>
+            </a:endParaRPr>
+          </a:p>
+          <a:p>
+            <a:pPr marL="0" indent="0">
+              <a:buNone/>
+            </a:pPr>
+            <a:r>
+              <a:rPr lang="en-US">
+                <a:solidFill>
+                  <a:srgbClr val="7030A0"/>
+                </a:solidFill>
+                <a:sym typeface="+mn-ea"/>
+              </a:rPr>
+              <a:t>- https://github.com/ajitpal/BookBank (Head First Design Pattern)</a:t>
+            </a:r>
+            <a:endParaRPr lang="en-US"/>
+          </a:p>
+        </p:txBody>
+      </p:sp>
+    </p:spTree>
+  </p:cSld>
+  <p:clrMapOvr>
+    <a:masterClrMapping/>
+  </p:clrMapOvr>
+</p:sld>
+</file>
+
+<file path=ppt/slides/slide22.xml><?xml version="1.0" encoding="utf-8"?>
 <p:sld xmlns:a="http://schemas.openxmlformats.org/drawingml/2006/main" xmlns:r="http://schemas.openxmlformats.org/officeDocument/2006/relationships" xmlns:p="http://schemas.openxmlformats.org/presentationml/2006/main">
   <p:cSld>
     <p:bg>
@@ -8422,6 +8177,13 @@
               <a:buFont typeface="Wingdings" charset="0"/>
               <a:buNone/>
             </a:pPr>
+            <a:endParaRPr lang="en-US" sz="2400"/>
+          </a:p>
+          <a:p>
+            <a:pPr marL="457200" lvl="1" indent="0">
+              <a:buFont typeface="Wingdings" charset="0"/>
+              <a:buNone/>
+            </a:pPr>
             <a:r>
               <a:rPr lang="en-US" b="1">
                 <a:solidFill>
@@ -8444,7 +8206,7 @@
                   <a:srgbClr val="FF0000"/>
                 </a:solidFill>
               </a:rPr>
-              <a:t>architectural</a:t>
+              <a:t>standardized </a:t>
             </a:r>
             <a:r>
               <a:rPr lang="en-US">
@@ -8452,7 +8214,7 @@
                   <a:srgbClr val="FF0000"/>
                 </a:solidFill>
               </a:rPr>
-              <a:t> and </a:t>
+              <a:t>and </a:t>
             </a:r>
             <a:r>
               <a:rPr lang="en-US" b="1">
@@ -8460,7 +8222,7 @@
                   <a:srgbClr val="FF0000"/>
                 </a:solidFill>
               </a:rPr>
-              <a:t>standardized</a:t>
+              <a:t>public </a:t>
             </a:r>
             <a:r>
               <a:rPr lang="en-US">
@@ -8468,7 +8230,7 @@
                   <a:srgbClr val="FF0000"/>
                 </a:solidFill>
               </a:rPr>
-              <a:t>, or make it more 'easy-access' for other developers and juniors. </a:t>
+              <a:t>it, or make it more 'easy-access' for other developers and juniors. </a:t>
             </a:r>
             <a:endParaRPr lang="en-US">
               <a:solidFill>

--- a/DesignPatterns/slide_Design_Pattern.pptx
+++ b/DesignPatterns/slide_Design_Pattern.pptx
@@ -5290,7 +5290,7 @@
             </a:pPr>
             <a:r>
               <a:rPr lang="en-US" sz="2800"/>
-              <a:t>           It provide a flexible way to initiantiate a object without keyword “new”. </a:t>
+              <a:t>           It provide a flexible way to initiantiate a object without keyword “new”.</a:t>
             </a:r>
             <a:endParaRPr lang="en-US" sz="2800"/>
           </a:p>
@@ -5338,16 +5338,6 @@
               </a:rPr>
               <a:t>CoffeeShop : </a:t>
             </a:r>
-            <a:endParaRPr lang="en-US" b="1">
-              <a:solidFill>
-                <a:srgbClr val="00B0F0"/>
-              </a:solidFill>
-            </a:endParaRPr>
-          </a:p>
-          <a:p>
-            <a:pPr marL="0" indent="0">
-              <a:buNone/>
-            </a:pPr>
             <a:endParaRPr lang="en-US">
               <a:solidFill>
                 <a:srgbClr val="00B0F0"/>
@@ -5372,7 +5362,7 @@
         </p:nvSpPr>
         <p:spPr>
           <a:xfrm>
-            <a:off x="911225" y="1831975"/>
+            <a:off x="695325" y="1818640"/>
             <a:ext cx="979170" cy="485775"/>
           </a:xfrm>
           <a:prstGeom prst="rightArrow">
